--- a/课件/第七讲 动态规划.pptx
+++ b/课件/第七讲 动态规划.pptx
@@ -5,31 +5,32 @@
     <p:sldMasterId id="2147483648" r:id="rId1"/>
   </p:sldMasterIdLst>
   <p:notesMasterIdLst>
-    <p:notesMasterId r:id="rId21"/>
+    <p:notesMasterId r:id="rId22"/>
   </p:notesMasterIdLst>
   <p:handoutMasterIdLst>
-    <p:handoutMasterId r:id="rId22"/>
+    <p:handoutMasterId r:id="rId23"/>
   </p:handoutMasterIdLst>
   <p:sldIdLst>
     <p:sldId id="322" r:id="rId2"/>
     <p:sldId id="453" r:id="rId3"/>
     <p:sldId id="402" r:id="rId4"/>
     <p:sldId id="454" r:id="rId5"/>
-    <p:sldId id="440" r:id="rId6"/>
-    <p:sldId id="442" r:id="rId7"/>
-    <p:sldId id="443" r:id="rId8"/>
-    <p:sldId id="444" r:id="rId9"/>
-    <p:sldId id="441" r:id="rId10"/>
-    <p:sldId id="445" r:id="rId11"/>
-    <p:sldId id="446" r:id="rId12"/>
-    <p:sldId id="447" r:id="rId13"/>
-    <p:sldId id="448" r:id="rId14"/>
-    <p:sldId id="449" r:id="rId15"/>
-    <p:sldId id="450" r:id="rId16"/>
-    <p:sldId id="451" r:id="rId17"/>
-    <p:sldId id="452" r:id="rId18"/>
-    <p:sldId id="401" r:id="rId19"/>
-    <p:sldId id="276" r:id="rId20"/>
+    <p:sldId id="455" r:id="rId6"/>
+    <p:sldId id="440" r:id="rId7"/>
+    <p:sldId id="442" r:id="rId8"/>
+    <p:sldId id="443" r:id="rId9"/>
+    <p:sldId id="444" r:id="rId10"/>
+    <p:sldId id="441" r:id="rId11"/>
+    <p:sldId id="445" r:id="rId12"/>
+    <p:sldId id="446" r:id="rId13"/>
+    <p:sldId id="447" r:id="rId14"/>
+    <p:sldId id="448" r:id="rId15"/>
+    <p:sldId id="449" r:id="rId16"/>
+    <p:sldId id="450" r:id="rId17"/>
+    <p:sldId id="451" r:id="rId18"/>
+    <p:sldId id="452" r:id="rId19"/>
+    <p:sldId id="401" r:id="rId20"/>
+    <p:sldId id="276" r:id="rId21"/>
   </p:sldIdLst>
   <p:sldSz cx="9144000" cy="6858000" type="screen4x3"/>
   <p:notesSz cx="6858000" cy="9144000"/>
@@ -279,7 +280,7 @@
             <a:fld id="{051F21D3-01E8-4102-B608-8A6B50B6B27E}" type="datetimeFigureOut">
               <a:rPr lang="zh-CN" altLang="en-US" smtClean="0"/>
               <a:pPr/>
-              <a:t>2017/10/18</a:t>
+              <a:t>2017/12/14</a:t>
             </a:fld>
             <a:endParaRPr lang="zh-CN" altLang="en-US"/>
           </a:p>
@@ -446,7 +447,7 @@
             <a:fld id="{B6083D17-2EF0-43BD-97E4-BB7AF5A7BF42}" type="datetimeFigureOut">
               <a:rPr lang="zh-CN" altLang="en-US" smtClean="0"/>
               <a:pPr/>
-              <a:t>2017/10/18</a:t>
+              <a:t>2017/12/14</a:t>
             </a:fld>
             <a:endParaRPr lang="zh-CN" altLang="en-US"/>
           </a:p>
@@ -6575,6 +6576,2496 @@
           </a:p>
         </p:txBody>
       </p:sp>
+      <p:graphicFrame>
+        <p:nvGraphicFramePr>
+          <p:cNvPr id="5" name="对象 53272"/>
+          <p:cNvGraphicFramePr>
+            <a:graphicFrameLocks noChangeAspect="1"/>
+          </p:cNvGraphicFramePr>
+          <p:nvPr>
+            <p:extLst>
+              <p:ext uri="{D42A27DB-BD31-4B8C-83A1-F6EECF244321}">
+                <p14:modId xmlns:p14="http://schemas.microsoft.com/office/powerpoint/2010/main" val="1408979656"/>
+              </p:ext>
+            </p:extLst>
+          </p:nvPr>
+        </p:nvGraphicFramePr>
+        <p:xfrm>
+          <a:off x="323528" y="1340197"/>
+          <a:ext cx="4685487" cy="612676"/>
+        </p:xfrm>
+        <a:graphic>
+          <a:graphicData uri="http://schemas.openxmlformats.org/presentationml/2006/ole">
+            <mc:AlternateContent xmlns:mc="http://schemas.openxmlformats.org/markup-compatibility/2006">
+              <mc:Choice xmlns:v="urn:schemas-microsoft-com:vml" Requires="v">
+                <p:oleObj spid="_x0000_s4206" name="公式" r:id="rId3" imgW="3721100" imgH="482600" progId="Equation.3">
+                  <p:embed/>
+                </p:oleObj>
+              </mc:Choice>
+              <mc:Fallback>
+                <p:oleObj name="公式" r:id="rId3" imgW="3721100" imgH="482600" progId="Equation.3">
+                  <p:embed/>
+                  <p:pic>
+                    <p:nvPicPr>
+                      <p:cNvPr id="0" name=""/>
+                      <p:cNvPicPr>
+                        <a:picLocks noChangeAspect="1" noChangeArrowheads="1"/>
+                      </p:cNvPicPr>
+                      <p:nvPr/>
+                    </p:nvPicPr>
+                    <p:blipFill>
+                      <a:blip r:embed="rId4">
+                        <a:extLst>
+                          <a:ext uri="{28A0092B-C50C-407E-A947-70E740481C1C}">
+                            <a14:useLocalDpi xmlns:a14="http://schemas.microsoft.com/office/drawing/2010/main" val="0"/>
+                          </a:ext>
+                        </a:extLst>
+                      </a:blip>
+                      <a:srcRect/>
+                      <a:stretch>
+                        <a:fillRect/>
+                      </a:stretch>
+                    </p:blipFill>
+                    <p:spPr bwMode="auto">
+                      <a:xfrm>
+                        <a:off x="323528" y="1340197"/>
+                        <a:ext cx="4685487" cy="612676"/>
+                      </a:xfrm>
+                      <a:prstGeom prst="rect">
+                        <a:avLst/>
+                      </a:prstGeom>
+                      <a:noFill/>
+                      <a:ln>
+                        <a:noFill/>
+                      </a:ln>
+                      <a:extLst/>
+                    </p:spPr>
+                  </p:pic>
+                </p:oleObj>
+              </mc:Fallback>
+            </mc:AlternateContent>
+          </a:graphicData>
+        </a:graphic>
+      </p:graphicFrame>
+      <p:graphicFrame>
+        <p:nvGraphicFramePr>
+          <p:cNvPr id="6" name="对象 4"/>
+          <p:cNvGraphicFramePr>
+            <a:graphicFrameLocks noChangeAspect="1"/>
+          </p:cNvGraphicFramePr>
+          <p:nvPr>
+            <p:extLst>
+              <p:ext uri="{D42A27DB-BD31-4B8C-83A1-F6EECF244321}">
+                <p14:modId xmlns:p14="http://schemas.microsoft.com/office/powerpoint/2010/main" val="217472540"/>
+              </p:ext>
+            </p:extLst>
+          </p:nvPr>
+        </p:nvGraphicFramePr>
+        <p:xfrm>
+          <a:off x="5608566" y="1286172"/>
+          <a:ext cx="3154434" cy="720725"/>
+        </p:xfrm>
+        <a:graphic>
+          <a:graphicData uri="http://schemas.openxmlformats.org/presentationml/2006/ole">
+            <mc:AlternateContent xmlns:mc="http://schemas.openxmlformats.org/markup-compatibility/2006">
+              <mc:Choice xmlns:v="urn:schemas-microsoft-com:vml" Requires="v">
+                <p:oleObj spid="_x0000_s4207" name="公式" r:id="rId5" imgW="2133600" imgH="482600" progId="Equation.3">
+                  <p:embed/>
+                </p:oleObj>
+              </mc:Choice>
+              <mc:Fallback>
+                <p:oleObj name="公式" r:id="rId5" imgW="2133600" imgH="482600" progId="Equation.3">
+                  <p:embed/>
+                  <p:pic>
+                    <p:nvPicPr>
+                      <p:cNvPr id="0" name=""/>
+                      <p:cNvPicPr>
+                        <a:picLocks noChangeAspect="1" noChangeArrowheads="1"/>
+                      </p:cNvPicPr>
+                      <p:nvPr/>
+                    </p:nvPicPr>
+                    <p:blipFill>
+                      <a:blip r:embed="rId6">
+                        <a:extLst>
+                          <a:ext uri="{28A0092B-C50C-407E-A947-70E740481C1C}">
+                            <a14:useLocalDpi xmlns:a14="http://schemas.microsoft.com/office/drawing/2010/main" val="0"/>
+                          </a:ext>
+                        </a:extLst>
+                      </a:blip>
+                      <a:srcRect/>
+                      <a:stretch>
+                        <a:fillRect/>
+                      </a:stretch>
+                    </p:blipFill>
+                    <p:spPr bwMode="auto">
+                      <a:xfrm>
+                        <a:off x="5608566" y="1286172"/>
+                        <a:ext cx="3154434" cy="720725"/>
+                      </a:xfrm>
+                      <a:prstGeom prst="rect">
+                        <a:avLst/>
+                      </a:prstGeom>
+                      <a:noFill/>
+                      <a:ln>
+                        <a:noFill/>
+                      </a:ln>
+                      <a:extLst/>
+                    </p:spPr>
+                  </p:pic>
+                </p:oleObj>
+              </mc:Fallback>
+            </mc:AlternateContent>
+          </a:graphicData>
+        </a:graphic>
+      </p:graphicFrame>
+      <p:sp>
+        <p:nvSpPr>
+          <p:cNvPr id="7" name="矩形 6"/>
+          <p:cNvSpPr/>
+          <p:nvPr/>
+        </p:nvSpPr>
+        <p:spPr>
+          <a:xfrm>
+            <a:off x="323528" y="2204864"/>
+            <a:ext cx="2444931" cy="369332"/>
+          </a:xfrm>
+          <a:prstGeom prst="rect">
+            <a:avLst/>
+          </a:prstGeom>
+        </p:spPr>
+        <p:style>
+          <a:lnRef idx="1">
+            <a:schemeClr val="accent3"/>
+          </a:lnRef>
+          <a:fillRef idx="2">
+            <a:schemeClr val="accent3"/>
+          </a:fillRef>
+          <a:effectRef idx="1">
+            <a:schemeClr val="accent3"/>
+          </a:effectRef>
+          <a:fontRef idx="minor">
+            <a:schemeClr val="dk1"/>
+          </a:fontRef>
+        </p:style>
+        <p:txBody>
+          <a:bodyPr wrap="square">
+            <a:spAutoFit/>
+          </a:bodyPr>
+          <a:lstStyle/>
+          <a:p>
+            <a:pPr>
+              <a:defRPr/>
+            </a:pPr>
+            <a:r>
+              <a:rPr lang="zh-CN" altLang="zh-CN" b="1" dirty="0">
+                <a:latin typeface="+mj-ea"/>
+                <a:ea typeface="+mj-ea"/>
+              </a:rPr>
+              <a:t>背包的容量为</a:t>
+            </a:r>
+            <a:r>
+              <a:rPr lang="en-US" altLang="zh-CN" b="1" dirty="0">
+                <a:latin typeface="+mj-ea"/>
+                <a:ea typeface="+mj-ea"/>
+              </a:rPr>
+              <a:t>5</a:t>
+            </a:r>
+            <a:endParaRPr lang="zh-CN" altLang="en-US" b="1" dirty="0">
+              <a:latin typeface="+mj-ea"/>
+              <a:ea typeface="+mj-ea"/>
+            </a:endParaRPr>
+          </a:p>
+        </p:txBody>
+      </p:sp>
+      <p:graphicFrame>
+        <p:nvGraphicFramePr>
+          <p:cNvPr id="8" name="表格 7"/>
+          <p:cNvGraphicFramePr>
+            <a:graphicFrameLocks noGrp="1"/>
+          </p:cNvGraphicFramePr>
+          <p:nvPr>
+            <p:extLst>
+              <p:ext uri="{D42A27DB-BD31-4B8C-83A1-F6EECF244321}">
+                <p14:modId xmlns:p14="http://schemas.microsoft.com/office/powerpoint/2010/main" val="2571226701"/>
+              </p:ext>
+            </p:extLst>
+          </p:nvPr>
+        </p:nvGraphicFramePr>
+        <p:xfrm>
+          <a:off x="838199" y="2800796"/>
+          <a:ext cx="3542211" cy="1231272"/>
+        </p:xfrm>
+        <a:graphic>
+          <a:graphicData uri="http://schemas.openxmlformats.org/drawingml/2006/table">
+            <a:tbl>
+              <a:tblPr firstRow="1" firstCol="1" bandRow="1" bandCol="1">
+                <a:tableStyleId>{5C22544A-7EE6-4342-B048-85BDC9FD1C3A}</a:tableStyleId>
+              </a:tblPr>
+              <a:tblGrid>
+                <a:gridCol w="876591"/>
+                <a:gridCol w="666405"/>
+                <a:gridCol w="666405"/>
+                <a:gridCol w="666405"/>
+                <a:gridCol w="666405"/>
+              </a:tblGrid>
+              <a:tr h="410424">
+                <a:tc>
+                  <a:txBody>
+                    <a:bodyPr/>
+                    <a:lstStyle/>
+                    <a:p>
+                      <a:pPr algn="ctr">
+                        <a:spcAft>
+                          <a:spcPts val="0"/>
+                        </a:spcAft>
+                      </a:pPr>
+                      <a:r>
+                        <a:rPr lang="en-US" sz="1600" b="1" kern="100" dirty="0" smtClean="0">
+                          <a:effectLst/>
+                          <a:latin typeface="Times New Roman" pitchFamily="18" charset="0"/>
+                          <a:cs typeface="Times New Roman" pitchFamily="18" charset="0"/>
+                        </a:rPr>
+                        <a:t>W=5</a:t>
+                      </a:r>
+                      <a:r>
+                        <a:rPr lang="en-US" sz="1600" b="1" kern="100" dirty="0">
+                          <a:effectLst/>
+                          <a:latin typeface="Times New Roman" pitchFamily="18" charset="0"/>
+                          <a:cs typeface="Times New Roman" pitchFamily="18" charset="0"/>
+                        </a:rPr>
+                        <a:t> </a:t>
+                      </a:r>
+                      <a:endParaRPr lang="zh-CN" sz="1600" b="1" kern="100" dirty="0">
+                        <a:effectLst/>
+                        <a:latin typeface="Times New Roman" pitchFamily="18" charset="0"/>
+                        <a:ea typeface="宋体"/>
+                        <a:cs typeface="Times New Roman" pitchFamily="18" charset="0"/>
+                      </a:endParaRPr>
+                    </a:p>
+                  </a:txBody>
+                  <a:tcPr marL="68578" marR="68578" marT="0" marB="0" anchor="ctr"/>
+                </a:tc>
+                <a:tc>
+                  <a:txBody>
+                    <a:bodyPr/>
+                    <a:lstStyle/>
+                    <a:p>
+                      <a:pPr algn="ctr">
+                        <a:spcAft>
+                          <a:spcPts val="0"/>
+                        </a:spcAft>
+                      </a:pPr>
+                      <a:r>
+                        <a:rPr lang="en-US" sz="1600" b="1" kern="100" dirty="0" smtClean="0">
+                          <a:effectLst/>
+                          <a:latin typeface="Times New Roman" pitchFamily="18" charset="0"/>
+                          <a:cs typeface="Times New Roman" pitchFamily="18" charset="0"/>
+                        </a:rPr>
+                        <a:t>1</a:t>
+                      </a:r>
+                      <a:endParaRPr lang="zh-CN" sz="1600" b="1" kern="100" dirty="0">
+                        <a:effectLst/>
+                        <a:latin typeface="Times New Roman" pitchFamily="18" charset="0"/>
+                        <a:ea typeface="宋体"/>
+                        <a:cs typeface="Times New Roman" pitchFamily="18" charset="0"/>
+                      </a:endParaRPr>
+                    </a:p>
+                  </a:txBody>
+                  <a:tcPr marL="68578" marR="68578" marT="0" marB="0" anchor="ctr"/>
+                </a:tc>
+                <a:tc>
+                  <a:txBody>
+                    <a:bodyPr/>
+                    <a:lstStyle/>
+                    <a:p>
+                      <a:pPr algn="ctr">
+                        <a:spcAft>
+                          <a:spcPts val="0"/>
+                        </a:spcAft>
+                      </a:pPr>
+                      <a:r>
+                        <a:rPr lang="en-US" sz="1600" b="1" kern="100" dirty="0">
+                          <a:effectLst/>
+                          <a:latin typeface="Times New Roman" pitchFamily="18" charset="0"/>
+                          <a:cs typeface="Times New Roman" pitchFamily="18" charset="0"/>
+                        </a:rPr>
+                        <a:t>2</a:t>
+                      </a:r>
+                      <a:endParaRPr lang="zh-CN" sz="1600" b="1" kern="100" dirty="0">
+                        <a:effectLst/>
+                        <a:latin typeface="Times New Roman" pitchFamily="18" charset="0"/>
+                        <a:ea typeface="宋体"/>
+                        <a:cs typeface="Times New Roman" pitchFamily="18" charset="0"/>
+                      </a:endParaRPr>
+                    </a:p>
+                  </a:txBody>
+                  <a:tcPr marL="68578" marR="68578" marT="0" marB="0" anchor="ctr"/>
+                </a:tc>
+                <a:tc>
+                  <a:txBody>
+                    <a:bodyPr/>
+                    <a:lstStyle/>
+                    <a:p>
+                      <a:pPr algn="ctr">
+                        <a:spcAft>
+                          <a:spcPts val="0"/>
+                        </a:spcAft>
+                      </a:pPr>
+                      <a:r>
+                        <a:rPr lang="en-US" sz="1600" b="1" kern="100" dirty="0">
+                          <a:effectLst/>
+                          <a:latin typeface="Times New Roman" pitchFamily="18" charset="0"/>
+                          <a:cs typeface="Times New Roman" pitchFamily="18" charset="0"/>
+                        </a:rPr>
+                        <a:t>3</a:t>
+                      </a:r>
+                      <a:endParaRPr lang="zh-CN" sz="1600" b="1" kern="100" dirty="0">
+                        <a:effectLst/>
+                        <a:latin typeface="Times New Roman" pitchFamily="18" charset="0"/>
+                        <a:ea typeface="宋体"/>
+                        <a:cs typeface="Times New Roman" pitchFamily="18" charset="0"/>
+                      </a:endParaRPr>
+                    </a:p>
+                  </a:txBody>
+                  <a:tcPr marL="68578" marR="68578" marT="0" marB="0" anchor="ctr"/>
+                </a:tc>
+                <a:tc>
+                  <a:txBody>
+                    <a:bodyPr/>
+                    <a:lstStyle/>
+                    <a:p>
+                      <a:pPr algn="ctr">
+                        <a:spcAft>
+                          <a:spcPts val="0"/>
+                        </a:spcAft>
+                      </a:pPr>
+                      <a:r>
+                        <a:rPr lang="en-US" sz="1600" b="1" kern="100">
+                          <a:effectLst/>
+                          <a:latin typeface="Times New Roman" pitchFamily="18" charset="0"/>
+                          <a:cs typeface="Times New Roman" pitchFamily="18" charset="0"/>
+                        </a:rPr>
+                        <a:t>4</a:t>
+                      </a:r>
+                      <a:endParaRPr lang="zh-CN" sz="1600" b="1" kern="100">
+                        <a:effectLst/>
+                        <a:latin typeface="Times New Roman" pitchFamily="18" charset="0"/>
+                        <a:ea typeface="宋体"/>
+                        <a:cs typeface="Times New Roman" pitchFamily="18" charset="0"/>
+                      </a:endParaRPr>
+                    </a:p>
+                  </a:txBody>
+                  <a:tcPr marL="68578" marR="68578" marT="0" marB="0" anchor="ctr"/>
+                </a:tc>
+              </a:tr>
+              <a:tr h="410424">
+                <a:tc>
+                  <a:txBody>
+                    <a:bodyPr/>
+                    <a:lstStyle/>
+                    <a:p>
+                      <a:pPr algn="ctr">
+                        <a:spcAft>
+                          <a:spcPts val="0"/>
+                        </a:spcAft>
+                      </a:pPr>
+                      <a:r>
+                        <a:rPr lang="zh-CN" sz="1600" b="1" kern="100" dirty="0">
+                          <a:effectLst/>
+                          <a:latin typeface="Times New Roman" pitchFamily="18" charset="0"/>
+                          <a:cs typeface="Times New Roman" pitchFamily="18" charset="0"/>
+                        </a:rPr>
+                        <a:t>重量</a:t>
+                      </a:r>
+                      <a:r>
+                        <a:rPr lang="en-US" sz="1600" b="1" i="1" kern="100" dirty="0">
+                          <a:effectLst/>
+                          <a:latin typeface="Times New Roman" pitchFamily="18" charset="0"/>
+                          <a:cs typeface="Times New Roman" pitchFamily="18" charset="0"/>
+                        </a:rPr>
+                        <a:t>w</a:t>
+                      </a:r>
+                      <a:endParaRPr lang="zh-CN" sz="1600" b="1" i="1" kern="100" dirty="0">
+                        <a:effectLst/>
+                        <a:latin typeface="Times New Roman" pitchFamily="18" charset="0"/>
+                        <a:ea typeface="宋体"/>
+                        <a:cs typeface="Times New Roman" pitchFamily="18" charset="0"/>
+                      </a:endParaRPr>
+                    </a:p>
+                  </a:txBody>
+                  <a:tcPr marL="68578" marR="68578" marT="0" marB="0" anchor="ctr"/>
+                </a:tc>
+                <a:tc>
+                  <a:txBody>
+                    <a:bodyPr/>
+                    <a:lstStyle/>
+                    <a:p>
+                      <a:pPr algn="ctr">
+                        <a:spcAft>
+                          <a:spcPts val="0"/>
+                        </a:spcAft>
+                      </a:pPr>
+                      <a:r>
+                        <a:rPr lang="en-US" sz="1600" b="1" kern="100" dirty="0">
+                          <a:effectLst/>
+                          <a:latin typeface="Times New Roman" pitchFamily="18" charset="0"/>
+                          <a:cs typeface="Times New Roman" pitchFamily="18" charset="0"/>
+                        </a:rPr>
+                        <a:t>2</a:t>
+                      </a:r>
+                      <a:endParaRPr lang="zh-CN" sz="1600" b="1" kern="100" dirty="0">
+                        <a:effectLst/>
+                        <a:latin typeface="Times New Roman" pitchFamily="18" charset="0"/>
+                        <a:ea typeface="宋体"/>
+                        <a:cs typeface="Times New Roman" pitchFamily="18" charset="0"/>
+                      </a:endParaRPr>
+                    </a:p>
+                  </a:txBody>
+                  <a:tcPr marL="68578" marR="68578" marT="0" marB="0" anchor="ctr"/>
+                </a:tc>
+                <a:tc>
+                  <a:txBody>
+                    <a:bodyPr/>
+                    <a:lstStyle/>
+                    <a:p>
+                      <a:pPr algn="ctr">
+                        <a:spcAft>
+                          <a:spcPts val="0"/>
+                        </a:spcAft>
+                      </a:pPr>
+                      <a:r>
+                        <a:rPr lang="en-US" sz="1600" b="1" kern="100" smtClean="0">
+                          <a:effectLst/>
+                          <a:latin typeface="Times New Roman" pitchFamily="18" charset="0"/>
+                          <a:cs typeface="Times New Roman" pitchFamily="18" charset="0"/>
+                        </a:rPr>
+                        <a:t>1</a:t>
+                      </a:r>
+                      <a:endParaRPr lang="zh-CN" sz="1600" b="1" kern="100" dirty="0">
+                        <a:effectLst/>
+                        <a:latin typeface="Times New Roman" pitchFamily="18" charset="0"/>
+                        <a:ea typeface="宋体"/>
+                        <a:cs typeface="Times New Roman" pitchFamily="18" charset="0"/>
+                      </a:endParaRPr>
+                    </a:p>
+                  </a:txBody>
+                  <a:tcPr marL="68578" marR="68578" marT="0" marB="0" anchor="ctr"/>
+                </a:tc>
+                <a:tc>
+                  <a:txBody>
+                    <a:bodyPr/>
+                    <a:lstStyle/>
+                    <a:p>
+                      <a:pPr algn="ctr">
+                        <a:spcAft>
+                          <a:spcPts val="0"/>
+                        </a:spcAft>
+                      </a:pPr>
+                      <a:r>
+                        <a:rPr lang="en-US" sz="1600" b="1" kern="100">
+                          <a:effectLst/>
+                          <a:latin typeface="Times New Roman" pitchFamily="18" charset="0"/>
+                          <a:cs typeface="Times New Roman" pitchFamily="18" charset="0"/>
+                        </a:rPr>
+                        <a:t>3</a:t>
+                      </a:r>
+                      <a:endParaRPr lang="zh-CN" sz="1600" b="1" kern="100">
+                        <a:effectLst/>
+                        <a:latin typeface="Times New Roman" pitchFamily="18" charset="0"/>
+                        <a:ea typeface="宋体"/>
+                        <a:cs typeface="Times New Roman" pitchFamily="18" charset="0"/>
+                      </a:endParaRPr>
+                    </a:p>
+                  </a:txBody>
+                  <a:tcPr marL="68578" marR="68578" marT="0" marB="0" anchor="ctr"/>
+                </a:tc>
+                <a:tc>
+                  <a:txBody>
+                    <a:bodyPr/>
+                    <a:lstStyle/>
+                    <a:p>
+                      <a:pPr algn="ctr">
+                        <a:spcAft>
+                          <a:spcPts val="0"/>
+                        </a:spcAft>
+                      </a:pPr>
+                      <a:r>
+                        <a:rPr lang="en-US" sz="1600" b="1" kern="100">
+                          <a:effectLst/>
+                          <a:latin typeface="Times New Roman" pitchFamily="18" charset="0"/>
+                          <a:cs typeface="Times New Roman" pitchFamily="18" charset="0"/>
+                        </a:rPr>
+                        <a:t>2</a:t>
+                      </a:r>
+                      <a:endParaRPr lang="zh-CN" sz="1600" b="1" kern="100">
+                        <a:effectLst/>
+                        <a:latin typeface="Times New Roman" pitchFamily="18" charset="0"/>
+                        <a:ea typeface="宋体"/>
+                        <a:cs typeface="Times New Roman" pitchFamily="18" charset="0"/>
+                      </a:endParaRPr>
+                    </a:p>
+                  </a:txBody>
+                  <a:tcPr marL="68578" marR="68578" marT="0" marB="0" anchor="ctr"/>
+                </a:tc>
+              </a:tr>
+              <a:tr h="410424">
+                <a:tc>
+                  <a:txBody>
+                    <a:bodyPr/>
+                    <a:lstStyle/>
+                    <a:p>
+                      <a:pPr algn="ctr">
+                        <a:spcAft>
+                          <a:spcPts val="0"/>
+                        </a:spcAft>
+                      </a:pPr>
+                      <a:r>
+                        <a:rPr lang="zh-CN" sz="1600" b="1" kern="100" dirty="0">
+                          <a:effectLst/>
+                          <a:latin typeface="Times New Roman" pitchFamily="18" charset="0"/>
+                          <a:cs typeface="Times New Roman" pitchFamily="18" charset="0"/>
+                        </a:rPr>
+                        <a:t>价值</a:t>
+                      </a:r>
+                      <a:r>
+                        <a:rPr lang="en-US" sz="1600" b="1" i="1" kern="100" dirty="0">
+                          <a:effectLst/>
+                          <a:latin typeface="Times New Roman" pitchFamily="18" charset="0"/>
+                          <a:cs typeface="Times New Roman" pitchFamily="18" charset="0"/>
+                        </a:rPr>
+                        <a:t>v</a:t>
+                      </a:r>
+                      <a:endParaRPr lang="zh-CN" sz="1600" b="1" i="1" kern="100" dirty="0">
+                        <a:effectLst/>
+                        <a:latin typeface="Times New Roman" pitchFamily="18" charset="0"/>
+                        <a:ea typeface="宋体"/>
+                        <a:cs typeface="Times New Roman" pitchFamily="18" charset="0"/>
+                      </a:endParaRPr>
+                    </a:p>
+                  </a:txBody>
+                  <a:tcPr marL="68578" marR="68578" marT="0" marB="0" anchor="ctr"/>
+                </a:tc>
+                <a:tc>
+                  <a:txBody>
+                    <a:bodyPr/>
+                    <a:lstStyle/>
+                    <a:p>
+                      <a:pPr algn="ctr">
+                        <a:spcAft>
+                          <a:spcPts val="0"/>
+                        </a:spcAft>
+                      </a:pPr>
+                      <a:r>
+                        <a:rPr lang="en-US" sz="1600" b="1" kern="100" smtClean="0">
+                          <a:effectLst/>
+                          <a:latin typeface="Times New Roman" pitchFamily="18" charset="0"/>
+                          <a:cs typeface="Times New Roman" pitchFamily="18" charset="0"/>
+                        </a:rPr>
+                        <a:t>12</a:t>
+                      </a:r>
+                      <a:endParaRPr lang="zh-CN" sz="1600" b="1" kern="100" dirty="0">
+                        <a:effectLst/>
+                        <a:latin typeface="Times New Roman" pitchFamily="18" charset="0"/>
+                        <a:ea typeface="宋体"/>
+                        <a:cs typeface="Times New Roman" pitchFamily="18" charset="0"/>
+                      </a:endParaRPr>
+                    </a:p>
+                  </a:txBody>
+                  <a:tcPr marL="68578" marR="68578" marT="0" marB="0" anchor="ctr"/>
+                </a:tc>
+                <a:tc>
+                  <a:txBody>
+                    <a:bodyPr/>
+                    <a:lstStyle/>
+                    <a:p>
+                      <a:pPr algn="ctr">
+                        <a:spcAft>
+                          <a:spcPts val="0"/>
+                        </a:spcAft>
+                      </a:pPr>
+                      <a:r>
+                        <a:rPr lang="en-US" sz="1600" b="1" kern="100" smtClean="0">
+                          <a:effectLst/>
+                          <a:latin typeface="Times New Roman" pitchFamily="18" charset="0"/>
+                          <a:cs typeface="Times New Roman" pitchFamily="18" charset="0"/>
+                        </a:rPr>
+                        <a:t>10</a:t>
+                      </a:r>
+                      <a:endParaRPr lang="zh-CN" sz="1600" b="1" kern="100" dirty="0">
+                        <a:effectLst/>
+                        <a:latin typeface="Times New Roman" pitchFamily="18" charset="0"/>
+                        <a:ea typeface="宋体"/>
+                        <a:cs typeface="Times New Roman" pitchFamily="18" charset="0"/>
+                      </a:endParaRPr>
+                    </a:p>
+                  </a:txBody>
+                  <a:tcPr marL="68578" marR="68578" marT="0" marB="0" anchor="ctr"/>
+                </a:tc>
+                <a:tc>
+                  <a:txBody>
+                    <a:bodyPr/>
+                    <a:lstStyle/>
+                    <a:p>
+                      <a:pPr algn="ctr">
+                        <a:spcAft>
+                          <a:spcPts val="0"/>
+                        </a:spcAft>
+                      </a:pPr>
+                      <a:r>
+                        <a:rPr lang="en-US" sz="1600" b="1" kern="100" dirty="0">
+                          <a:effectLst/>
+                          <a:latin typeface="Times New Roman" pitchFamily="18" charset="0"/>
+                          <a:cs typeface="Times New Roman" pitchFamily="18" charset="0"/>
+                        </a:rPr>
+                        <a:t>20</a:t>
+                      </a:r>
+                      <a:endParaRPr lang="zh-CN" sz="1600" b="1" kern="100" dirty="0">
+                        <a:effectLst/>
+                        <a:latin typeface="Times New Roman" pitchFamily="18" charset="0"/>
+                        <a:ea typeface="宋体"/>
+                        <a:cs typeface="Times New Roman" pitchFamily="18" charset="0"/>
+                      </a:endParaRPr>
+                    </a:p>
+                  </a:txBody>
+                  <a:tcPr marL="68578" marR="68578" marT="0" marB="0" anchor="ctr"/>
+                </a:tc>
+                <a:tc>
+                  <a:txBody>
+                    <a:bodyPr/>
+                    <a:lstStyle/>
+                    <a:p>
+                      <a:pPr algn="ctr">
+                        <a:spcAft>
+                          <a:spcPts val="0"/>
+                        </a:spcAft>
+                      </a:pPr>
+                      <a:r>
+                        <a:rPr lang="en-US" sz="1600" b="1" kern="100" dirty="0" smtClean="0">
+                          <a:effectLst/>
+                          <a:latin typeface="Times New Roman" pitchFamily="18" charset="0"/>
+                          <a:cs typeface="Times New Roman" pitchFamily="18" charset="0"/>
+                        </a:rPr>
+                        <a:t>15</a:t>
+                      </a:r>
+                      <a:endParaRPr lang="zh-CN" sz="1600" b="1" kern="100" dirty="0">
+                        <a:effectLst/>
+                        <a:latin typeface="Times New Roman" pitchFamily="18" charset="0"/>
+                        <a:ea typeface="宋体"/>
+                        <a:cs typeface="Times New Roman" pitchFamily="18" charset="0"/>
+                      </a:endParaRPr>
+                    </a:p>
+                  </a:txBody>
+                  <a:tcPr marL="68578" marR="68578" marT="0" marB="0" anchor="ctr"/>
+                </a:tc>
+              </a:tr>
+            </a:tbl>
+          </a:graphicData>
+        </a:graphic>
+      </p:graphicFrame>
+      <p:graphicFrame>
+        <p:nvGraphicFramePr>
+          <p:cNvPr id="9" name="表格 8"/>
+          <p:cNvGraphicFramePr>
+            <a:graphicFrameLocks noGrp="1"/>
+          </p:cNvGraphicFramePr>
+          <p:nvPr>
+            <p:extLst>
+              <p:ext uri="{D42A27DB-BD31-4B8C-83A1-F6EECF244321}">
+                <p14:modId xmlns:p14="http://schemas.microsoft.com/office/powerpoint/2010/main" val="141590280"/>
+              </p:ext>
+            </p:extLst>
+          </p:nvPr>
+        </p:nvGraphicFramePr>
+        <p:xfrm>
+          <a:off x="838200" y="4162519"/>
+          <a:ext cx="4369528" cy="1979150"/>
+        </p:xfrm>
+        <a:graphic>
+          <a:graphicData uri="http://schemas.openxmlformats.org/drawingml/2006/table">
+            <a:tbl>
+              <a:tblPr firstRow="1" firstCol="1" bandRow="1" bandCol="1">
+                <a:tableStyleId>{5C22544A-7EE6-4342-B048-85BDC9FD1C3A}</a:tableStyleId>
+              </a:tblPr>
+              <a:tblGrid>
+                <a:gridCol w="699124"/>
+                <a:gridCol w="611734"/>
+                <a:gridCol w="611734"/>
+                <a:gridCol w="611734"/>
+                <a:gridCol w="611734"/>
+                <a:gridCol w="611734"/>
+                <a:gridCol w="611734"/>
+              </a:tblGrid>
+              <a:tr h="395830">
+                <a:tc>
+                  <a:txBody>
+                    <a:bodyPr/>
+                    <a:lstStyle/>
+                    <a:p>
+                      <a:pPr algn="ctr">
+                        <a:spcAft>
+                          <a:spcPts val="0"/>
+                        </a:spcAft>
+                      </a:pPr>
+                      <a:r>
+                        <a:rPr lang="en-US" sz="1600" b="1" kern="100" dirty="0" smtClean="0">
+                          <a:effectLst/>
+                          <a:latin typeface="Times New Roman" pitchFamily="18" charset="0"/>
+                          <a:cs typeface="Times New Roman" pitchFamily="18" charset="0"/>
+                        </a:rPr>
+                        <a:t>n | j</a:t>
+                      </a:r>
+                      <a:endParaRPr lang="zh-CN" sz="1600" b="1" kern="100" dirty="0">
+                        <a:effectLst/>
+                        <a:latin typeface="Times New Roman" pitchFamily="18" charset="0"/>
+                        <a:ea typeface="宋体"/>
+                        <a:cs typeface="Times New Roman" pitchFamily="18" charset="0"/>
+                      </a:endParaRPr>
+                    </a:p>
+                  </a:txBody>
+                  <a:tcPr marL="68581" marR="68581" marT="0" marB="0" anchor="ctr"/>
+                </a:tc>
+                <a:tc>
+                  <a:txBody>
+                    <a:bodyPr/>
+                    <a:lstStyle/>
+                    <a:p>
+                      <a:pPr algn="ctr">
+                        <a:spcAft>
+                          <a:spcPts val="0"/>
+                        </a:spcAft>
+                      </a:pPr>
+                      <a:r>
+                        <a:rPr lang="en-US" sz="1600" b="1" kern="100" dirty="0">
+                          <a:effectLst/>
+                          <a:latin typeface="Times New Roman" pitchFamily="18" charset="0"/>
+                          <a:cs typeface="Times New Roman" pitchFamily="18" charset="0"/>
+                        </a:rPr>
+                        <a:t>0</a:t>
+                      </a:r>
+                      <a:endParaRPr lang="zh-CN" sz="1600" b="1" kern="100" dirty="0">
+                        <a:effectLst/>
+                        <a:latin typeface="Times New Roman" pitchFamily="18" charset="0"/>
+                        <a:ea typeface="宋体"/>
+                        <a:cs typeface="Times New Roman" pitchFamily="18" charset="0"/>
+                      </a:endParaRPr>
+                    </a:p>
+                  </a:txBody>
+                  <a:tcPr marL="68581" marR="68581" marT="0" marB="0" anchor="ctr"/>
+                </a:tc>
+                <a:tc>
+                  <a:txBody>
+                    <a:bodyPr/>
+                    <a:lstStyle/>
+                    <a:p>
+                      <a:pPr algn="ctr">
+                        <a:spcAft>
+                          <a:spcPts val="0"/>
+                        </a:spcAft>
+                      </a:pPr>
+                      <a:r>
+                        <a:rPr lang="en-US" sz="1600" b="1" kern="100" dirty="0" smtClean="0">
+                          <a:effectLst/>
+                          <a:latin typeface="Times New Roman" pitchFamily="18" charset="0"/>
+                          <a:cs typeface="Times New Roman" pitchFamily="18" charset="0"/>
+                        </a:rPr>
+                        <a:t>1</a:t>
+                      </a:r>
+                      <a:endParaRPr lang="zh-CN" sz="1600" b="1" kern="100" dirty="0">
+                        <a:effectLst/>
+                        <a:latin typeface="Times New Roman" pitchFamily="18" charset="0"/>
+                        <a:ea typeface="宋体"/>
+                        <a:cs typeface="Times New Roman" pitchFamily="18" charset="0"/>
+                      </a:endParaRPr>
+                    </a:p>
+                  </a:txBody>
+                  <a:tcPr marL="68581" marR="68581" marT="0" marB="0" anchor="ctr"/>
+                </a:tc>
+                <a:tc>
+                  <a:txBody>
+                    <a:bodyPr/>
+                    <a:lstStyle/>
+                    <a:p>
+                      <a:pPr algn="ctr">
+                        <a:spcAft>
+                          <a:spcPts val="0"/>
+                        </a:spcAft>
+                      </a:pPr>
+                      <a:r>
+                        <a:rPr lang="en-US" sz="1600" b="1" kern="100">
+                          <a:effectLst/>
+                          <a:latin typeface="Times New Roman" pitchFamily="18" charset="0"/>
+                          <a:cs typeface="Times New Roman" pitchFamily="18" charset="0"/>
+                        </a:rPr>
+                        <a:t>2</a:t>
+                      </a:r>
+                      <a:endParaRPr lang="zh-CN" sz="1600" b="1" kern="100">
+                        <a:effectLst/>
+                        <a:latin typeface="Times New Roman" pitchFamily="18" charset="0"/>
+                        <a:ea typeface="宋体"/>
+                        <a:cs typeface="Times New Roman" pitchFamily="18" charset="0"/>
+                      </a:endParaRPr>
+                    </a:p>
+                  </a:txBody>
+                  <a:tcPr marL="68581" marR="68581" marT="0" marB="0" anchor="ctr"/>
+                </a:tc>
+                <a:tc>
+                  <a:txBody>
+                    <a:bodyPr/>
+                    <a:lstStyle/>
+                    <a:p>
+                      <a:pPr algn="ctr">
+                        <a:spcAft>
+                          <a:spcPts val="0"/>
+                        </a:spcAft>
+                      </a:pPr>
+                      <a:r>
+                        <a:rPr lang="en-US" sz="1600" b="1" kern="100">
+                          <a:effectLst/>
+                          <a:latin typeface="Times New Roman" pitchFamily="18" charset="0"/>
+                          <a:cs typeface="Times New Roman" pitchFamily="18" charset="0"/>
+                        </a:rPr>
+                        <a:t>3</a:t>
+                      </a:r>
+                      <a:endParaRPr lang="zh-CN" sz="1600" b="1" kern="100">
+                        <a:effectLst/>
+                        <a:latin typeface="Times New Roman" pitchFamily="18" charset="0"/>
+                        <a:ea typeface="宋体"/>
+                        <a:cs typeface="Times New Roman" pitchFamily="18" charset="0"/>
+                      </a:endParaRPr>
+                    </a:p>
+                  </a:txBody>
+                  <a:tcPr marL="68581" marR="68581" marT="0" marB="0" anchor="ctr"/>
+                </a:tc>
+                <a:tc>
+                  <a:txBody>
+                    <a:bodyPr/>
+                    <a:lstStyle/>
+                    <a:p>
+                      <a:pPr algn="ctr">
+                        <a:spcAft>
+                          <a:spcPts val="0"/>
+                        </a:spcAft>
+                      </a:pPr>
+                      <a:r>
+                        <a:rPr lang="en-US" sz="1600" b="1" kern="100">
+                          <a:effectLst/>
+                          <a:latin typeface="Times New Roman" pitchFamily="18" charset="0"/>
+                          <a:cs typeface="Times New Roman" pitchFamily="18" charset="0"/>
+                        </a:rPr>
+                        <a:t>4</a:t>
+                      </a:r>
+                      <a:endParaRPr lang="zh-CN" sz="1600" b="1" kern="100">
+                        <a:effectLst/>
+                        <a:latin typeface="Times New Roman" pitchFamily="18" charset="0"/>
+                        <a:ea typeface="宋体"/>
+                        <a:cs typeface="Times New Roman" pitchFamily="18" charset="0"/>
+                      </a:endParaRPr>
+                    </a:p>
+                  </a:txBody>
+                  <a:tcPr marL="68581" marR="68581" marT="0" marB="0" anchor="ctr"/>
+                </a:tc>
+                <a:tc>
+                  <a:txBody>
+                    <a:bodyPr/>
+                    <a:lstStyle/>
+                    <a:p>
+                      <a:pPr algn="ctr">
+                        <a:spcAft>
+                          <a:spcPts val="0"/>
+                        </a:spcAft>
+                      </a:pPr>
+                      <a:r>
+                        <a:rPr lang="en-US" sz="1600" b="1" kern="100">
+                          <a:effectLst/>
+                          <a:latin typeface="Times New Roman" pitchFamily="18" charset="0"/>
+                          <a:cs typeface="Times New Roman" pitchFamily="18" charset="0"/>
+                        </a:rPr>
+                        <a:t>5</a:t>
+                      </a:r>
+                      <a:endParaRPr lang="zh-CN" sz="1600" b="1" kern="100">
+                        <a:effectLst/>
+                        <a:latin typeface="Times New Roman" pitchFamily="18" charset="0"/>
+                        <a:ea typeface="宋体"/>
+                        <a:cs typeface="Times New Roman" pitchFamily="18" charset="0"/>
+                      </a:endParaRPr>
+                    </a:p>
+                  </a:txBody>
+                  <a:tcPr marL="68581" marR="68581" marT="0" marB="0" anchor="ctr"/>
+                </a:tc>
+              </a:tr>
+              <a:tr h="395830">
+                <a:tc>
+                  <a:txBody>
+                    <a:bodyPr/>
+                    <a:lstStyle/>
+                    <a:p>
+                      <a:pPr algn="ctr">
+                        <a:spcAft>
+                          <a:spcPts val="0"/>
+                        </a:spcAft>
+                      </a:pPr>
+                      <a:r>
+                        <a:rPr lang="en-US" sz="1600" b="1" kern="100" smtClean="0">
+                          <a:effectLst/>
+                          <a:latin typeface="Times New Roman" pitchFamily="18" charset="0"/>
+                          <a:cs typeface="Times New Roman" pitchFamily="18" charset="0"/>
+                        </a:rPr>
+                        <a:t>1</a:t>
+                      </a:r>
+                      <a:endParaRPr lang="zh-CN" sz="1600" b="1" kern="100" dirty="0">
+                        <a:effectLst/>
+                        <a:latin typeface="Times New Roman" pitchFamily="18" charset="0"/>
+                        <a:ea typeface="宋体"/>
+                        <a:cs typeface="Times New Roman" pitchFamily="18" charset="0"/>
+                      </a:endParaRPr>
+                    </a:p>
+                  </a:txBody>
+                  <a:tcPr marL="68581" marR="68581" marT="0" marB="0" anchor="ctr"/>
+                </a:tc>
+                <a:tc>
+                  <a:txBody>
+                    <a:bodyPr/>
+                    <a:lstStyle/>
+                    <a:p>
+                      <a:pPr algn="ctr">
+                        <a:spcAft>
+                          <a:spcPts val="0"/>
+                        </a:spcAft>
+                      </a:pPr>
+                      <a:r>
+                        <a:rPr lang="en-US" sz="1600" b="1" kern="100" dirty="0">
+                          <a:effectLst/>
+                          <a:latin typeface="Times New Roman" pitchFamily="18" charset="0"/>
+                          <a:cs typeface="Times New Roman" pitchFamily="18" charset="0"/>
+                        </a:rPr>
+                        <a:t>0</a:t>
+                      </a:r>
+                      <a:endParaRPr lang="zh-CN" sz="1600" b="1" kern="100" dirty="0">
+                        <a:effectLst/>
+                        <a:latin typeface="Times New Roman" pitchFamily="18" charset="0"/>
+                        <a:ea typeface="宋体"/>
+                        <a:cs typeface="Times New Roman" pitchFamily="18" charset="0"/>
+                      </a:endParaRPr>
+                    </a:p>
+                  </a:txBody>
+                  <a:tcPr marL="68581" marR="68581" marT="0" marB="0" anchor="ctr"/>
+                </a:tc>
+                <a:tc>
+                  <a:txBody>
+                    <a:bodyPr/>
+                    <a:lstStyle/>
+                    <a:p>
+                      <a:pPr algn="ctr">
+                        <a:spcAft>
+                          <a:spcPts val="0"/>
+                        </a:spcAft>
+                      </a:pPr>
+                      <a:r>
+                        <a:rPr lang="en-US" sz="1600" b="1" kern="100">
+                          <a:effectLst/>
+                          <a:latin typeface="Times New Roman" pitchFamily="18" charset="0"/>
+                          <a:cs typeface="Times New Roman" pitchFamily="18" charset="0"/>
+                        </a:rPr>
+                        <a:t>0</a:t>
+                      </a:r>
+                      <a:endParaRPr lang="zh-CN" sz="1600" b="1" kern="100">
+                        <a:effectLst/>
+                        <a:latin typeface="Times New Roman" pitchFamily="18" charset="0"/>
+                        <a:ea typeface="宋体"/>
+                        <a:cs typeface="Times New Roman" pitchFamily="18" charset="0"/>
+                      </a:endParaRPr>
+                    </a:p>
+                  </a:txBody>
+                  <a:tcPr marL="68581" marR="68581" marT="0" marB="0" anchor="ctr"/>
+                </a:tc>
+                <a:tc>
+                  <a:txBody>
+                    <a:bodyPr/>
+                    <a:lstStyle/>
+                    <a:p>
+                      <a:pPr algn="ctr">
+                        <a:spcAft>
+                          <a:spcPts val="0"/>
+                        </a:spcAft>
+                      </a:pPr>
+                      <a:r>
+                        <a:rPr lang="en-US" sz="1600" b="1" kern="100">
+                          <a:effectLst/>
+                          <a:latin typeface="Times New Roman" pitchFamily="18" charset="0"/>
+                          <a:cs typeface="Times New Roman" pitchFamily="18" charset="0"/>
+                        </a:rPr>
+                        <a:t>0</a:t>
+                      </a:r>
+                      <a:endParaRPr lang="zh-CN" sz="1600" b="1" kern="100">
+                        <a:effectLst/>
+                        <a:latin typeface="Times New Roman" pitchFamily="18" charset="0"/>
+                        <a:ea typeface="宋体"/>
+                        <a:cs typeface="Times New Roman" pitchFamily="18" charset="0"/>
+                      </a:endParaRPr>
+                    </a:p>
+                  </a:txBody>
+                  <a:tcPr marL="68581" marR="68581" marT="0" marB="0" anchor="ctr"/>
+                </a:tc>
+                <a:tc>
+                  <a:txBody>
+                    <a:bodyPr/>
+                    <a:lstStyle/>
+                    <a:p>
+                      <a:pPr algn="ctr">
+                        <a:spcAft>
+                          <a:spcPts val="0"/>
+                        </a:spcAft>
+                      </a:pPr>
+                      <a:r>
+                        <a:rPr lang="en-US" sz="1600" b="1" kern="100" dirty="0">
+                          <a:effectLst/>
+                          <a:latin typeface="Times New Roman" pitchFamily="18" charset="0"/>
+                          <a:cs typeface="Times New Roman" pitchFamily="18" charset="0"/>
+                        </a:rPr>
+                        <a:t>0</a:t>
+                      </a:r>
+                      <a:endParaRPr lang="zh-CN" sz="1600" b="1" kern="100" dirty="0">
+                        <a:effectLst/>
+                        <a:latin typeface="Times New Roman" pitchFamily="18" charset="0"/>
+                        <a:ea typeface="宋体"/>
+                        <a:cs typeface="Times New Roman" pitchFamily="18" charset="0"/>
+                      </a:endParaRPr>
+                    </a:p>
+                  </a:txBody>
+                  <a:tcPr marL="68581" marR="68581" marT="0" marB="0" anchor="ctr"/>
+                </a:tc>
+                <a:tc>
+                  <a:txBody>
+                    <a:bodyPr/>
+                    <a:lstStyle/>
+                    <a:p>
+                      <a:pPr algn="ctr">
+                        <a:spcAft>
+                          <a:spcPts val="0"/>
+                        </a:spcAft>
+                      </a:pPr>
+                      <a:r>
+                        <a:rPr lang="en-US" sz="1600" b="1" kern="100">
+                          <a:effectLst/>
+                          <a:latin typeface="Times New Roman" pitchFamily="18" charset="0"/>
+                          <a:cs typeface="Times New Roman" pitchFamily="18" charset="0"/>
+                        </a:rPr>
+                        <a:t>0</a:t>
+                      </a:r>
+                      <a:endParaRPr lang="zh-CN" sz="1600" b="1" kern="100">
+                        <a:effectLst/>
+                        <a:latin typeface="Times New Roman" pitchFamily="18" charset="0"/>
+                        <a:ea typeface="宋体"/>
+                        <a:cs typeface="Times New Roman" pitchFamily="18" charset="0"/>
+                      </a:endParaRPr>
+                    </a:p>
+                  </a:txBody>
+                  <a:tcPr marL="68581" marR="68581" marT="0" marB="0" anchor="ctr"/>
+                </a:tc>
+                <a:tc>
+                  <a:txBody>
+                    <a:bodyPr/>
+                    <a:lstStyle/>
+                    <a:p>
+                      <a:pPr algn="ctr">
+                        <a:spcAft>
+                          <a:spcPts val="0"/>
+                        </a:spcAft>
+                      </a:pPr>
+                      <a:r>
+                        <a:rPr lang="en-US" sz="1600" b="1" kern="100" dirty="0">
+                          <a:effectLst/>
+                          <a:latin typeface="Times New Roman" pitchFamily="18" charset="0"/>
+                          <a:cs typeface="Times New Roman" pitchFamily="18" charset="0"/>
+                        </a:rPr>
+                        <a:t>37</a:t>
+                      </a:r>
+                      <a:endParaRPr lang="zh-CN" sz="1600" b="1" kern="100" dirty="0">
+                        <a:effectLst/>
+                        <a:latin typeface="Times New Roman" pitchFamily="18" charset="0"/>
+                        <a:ea typeface="宋体"/>
+                        <a:cs typeface="Times New Roman" pitchFamily="18" charset="0"/>
+                      </a:endParaRPr>
+                    </a:p>
+                  </a:txBody>
+                  <a:tcPr marL="68581" marR="68581" marT="0" marB="0" anchor="ctr">
+                    <a:solidFill>
+                      <a:srgbClr val="92D050"/>
+                    </a:solidFill>
+                  </a:tcPr>
+                </a:tc>
+              </a:tr>
+              <a:tr h="395830">
+                <a:tc>
+                  <a:txBody>
+                    <a:bodyPr/>
+                    <a:lstStyle/>
+                    <a:p>
+                      <a:pPr algn="ctr">
+                        <a:spcAft>
+                          <a:spcPts val="0"/>
+                        </a:spcAft>
+                      </a:pPr>
+                      <a:r>
+                        <a:rPr lang="en-US" sz="1600" b="1" kern="100">
+                          <a:effectLst/>
+                          <a:latin typeface="Times New Roman" pitchFamily="18" charset="0"/>
+                          <a:cs typeface="Times New Roman" pitchFamily="18" charset="0"/>
+                        </a:rPr>
+                        <a:t>2</a:t>
+                      </a:r>
+                      <a:endParaRPr lang="zh-CN" sz="1600" b="1" kern="100">
+                        <a:effectLst/>
+                        <a:latin typeface="Times New Roman" pitchFamily="18" charset="0"/>
+                        <a:ea typeface="宋体"/>
+                        <a:cs typeface="Times New Roman" pitchFamily="18" charset="0"/>
+                      </a:endParaRPr>
+                    </a:p>
+                  </a:txBody>
+                  <a:tcPr marL="68581" marR="68581" marT="0" marB="0" anchor="ctr"/>
+                </a:tc>
+                <a:tc>
+                  <a:txBody>
+                    <a:bodyPr/>
+                    <a:lstStyle/>
+                    <a:p>
+                      <a:pPr algn="ctr">
+                        <a:spcAft>
+                          <a:spcPts val="0"/>
+                        </a:spcAft>
+                      </a:pPr>
+                      <a:r>
+                        <a:rPr lang="en-US" sz="1600" b="1" kern="100">
+                          <a:effectLst/>
+                          <a:latin typeface="Times New Roman" pitchFamily="18" charset="0"/>
+                          <a:cs typeface="Times New Roman" pitchFamily="18" charset="0"/>
+                        </a:rPr>
+                        <a:t>0</a:t>
+                      </a:r>
+                      <a:endParaRPr lang="zh-CN" sz="1600" b="1" kern="100">
+                        <a:effectLst/>
+                        <a:latin typeface="Times New Roman" pitchFamily="18" charset="0"/>
+                        <a:ea typeface="宋体"/>
+                        <a:cs typeface="Times New Roman" pitchFamily="18" charset="0"/>
+                      </a:endParaRPr>
+                    </a:p>
+                  </a:txBody>
+                  <a:tcPr marL="68581" marR="68581" marT="0" marB="0" anchor="ctr"/>
+                </a:tc>
+                <a:tc>
+                  <a:txBody>
+                    <a:bodyPr/>
+                    <a:lstStyle/>
+                    <a:p>
+                      <a:pPr algn="ctr">
+                        <a:spcAft>
+                          <a:spcPts val="0"/>
+                        </a:spcAft>
+                      </a:pPr>
+                      <a:r>
+                        <a:rPr lang="en-US" sz="1600" b="1" kern="100" smtClean="0">
+                          <a:effectLst/>
+                          <a:latin typeface="Times New Roman" pitchFamily="18" charset="0"/>
+                          <a:cs typeface="Times New Roman" pitchFamily="18" charset="0"/>
+                        </a:rPr>
+                        <a:t>10</a:t>
+                      </a:r>
+                      <a:endParaRPr lang="zh-CN" sz="1600" b="1" kern="100" dirty="0">
+                        <a:effectLst/>
+                        <a:latin typeface="Times New Roman" pitchFamily="18" charset="0"/>
+                        <a:ea typeface="宋体"/>
+                        <a:cs typeface="Times New Roman" pitchFamily="18" charset="0"/>
+                      </a:endParaRPr>
+                    </a:p>
+                  </a:txBody>
+                  <a:tcPr marL="68581" marR="68581" marT="0" marB="0" anchor="ctr"/>
+                </a:tc>
+                <a:tc>
+                  <a:txBody>
+                    <a:bodyPr/>
+                    <a:lstStyle/>
+                    <a:p>
+                      <a:pPr algn="ctr">
+                        <a:spcAft>
+                          <a:spcPts val="0"/>
+                        </a:spcAft>
+                      </a:pPr>
+                      <a:r>
+                        <a:rPr lang="en-US" sz="1600" b="1" kern="100" smtClean="0">
+                          <a:effectLst/>
+                          <a:latin typeface="Times New Roman" pitchFamily="18" charset="0"/>
+                          <a:cs typeface="Times New Roman" pitchFamily="18" charset="0"/>
+                        </a:rPr>
+                        <a:t>15</a:t>
+                      </a:r>
+                      <a:endParaRPr lang="zh-CN" sz="1600" b="1" kern="100" dirty="0">
+                        <a:effectLst/>
+                        <a:latin typeface="Times New Roman" pitchFamily="18" charset="0"/>
+                        <a:ea typeface="宋体"/>
+                        <a:cs typeface="Times New Roman" pitchFamily="18" charset="0"/>
+                      </a:endParaRPr>
+                    </a:p>
+                  </a:txBody>
+                  <a:tcPr marL="68581" marR="68581" marT="0" marB="0" anchor="ctr"/>
+                </a:tc>
+                <a:tc>
+                  <a:txBody>
+                    <a:bodyPr/>
+                    <a:lstStyle/>
+                    <a:p>
+                      <a:pPr algn="ctr">
+                        <a:spcAft>
+                          <a:spcPts val="0"/>
+                        </a:spcAft>
+                      </a:pPr>
+                      <a:r>
+                        <a:rPr lang="en-US" sz="1600" b="1" kern="100">
+                          <a:effectLst/>
+                          <a:latin typeface="Times New Roman" pitchFamily="18" charset="0"/>
+                          <a:cs typeface="Times New Roman" pitchFamily="18" charset="0"/>
+                        </a:rPr>
+                        <a:t>25</a:t>
+                      </a:r>
+                      <a:endParaRPr lang="zh-CN" sz="1600" b="1" kern="100">
+                        <a:effectLst/>
+                        <a:latin typeface="Times New Roman" pitchFamily="18" charset="0"/>
+                        <a:ea typeface="宋体"/>
+                        <a:cs typeface="Times New Roman" pitchFamily="18" charset="0"/>
+                      </a:endParaRPr>
+                    </a:p>
+                  </a:txBody>
+                  <a:tcPr marL="68581" marR="68581" marT="0" marB="0" anchor="ctr"/>
+                </a:tc>
+                <a:tc>
+                  <a:txBody>
+                    <a:bodyPr/>
+                    <a:lstStyle/>
+                    <a:p>
+                      <a:pPr algn="ctr">
+                        <a:spcAft>
+                          <a:spcPts val="0"/>
+                        </a:spcAft>
+                      </a:pPr>
+                      <a:r>
+                        <a:rPr lang="en-US" sz="1600" b="1" kern="100">
+                          <a:effectLst/>
+                          <a:latin typeface="Times New Roman" pitchFamily="18" charset="0"/>
+                          <a:cs typeface="Times New Roman" pitchFamily="18" charset="0"/>
+                        </a:rPr>
+                        <a:t>30</a:t>
+                      </a:r>
+                      <a:endParaRPr lang="zh-CN" sz="1600" b="1" kern="100">
+                        <a:effectLst/>
+                        <a:latin typeface="Times New Roman" pitchFamily="18" charset="0"/>
+                        <a:ea typeface="宋体"/>
+                        <a:cs typeface="Times New Roman" pitchFamily="18" charset="0"/>
+                      </a:endParaRPr>
+                    </a:p>
+                  </a:txBody>
+                  <a:tcPr marL="68581" marR="68581" marT="0" marB="0" anchor="ctr"/>
+                </a:tc>
+                <a:tc>
+                  <a:txBody>
+                    <a:bodyPr/>
+                    <a:lstStyle/>
+                    <a:p>
+                      <a:pPr algn="ctr">
+                        <a:spcAft>
+                          <a:spcPts val="0"/>
+                        </a:spcAft>
+                      </a:pPr>
+                      <a:r>
+                        <a:rPr lang="en-US" sz="1600" b="1" kern="100">
+                          <a:effectLst/>
+                          <a:latin typeface="Times New Roman" pitchFamily="18" charset="0"/>
+                          <a:cs typeface="Times New Roman" pitchFamily="18" charset="0"/>
+                        </a:rPr>
+                        <a:t>35</a:t>
+                      </a:r>
+                      <a:endParaRPr lang="zh-CN" sz="1600" b="1" kern="100">
+                        <a:effectLst/>
+                        <a:latin typeface="Times New Roman" pitchFamily="18" charset="0"/>
+                        <a:ea typeface="宋体"/>
+                        <a:cs typeface="Times New Roman" pitchFamily="18" charset="0"/>
+                      </a:endParaRPr>
+                    </a:p>
+                  </a:txBody>
+                  <a:tcPr marL="68581" marR="68581" marT="0" marB="0" anchor="ctr"/>
+                </a:tc>
+              </a:tr>
+              <a:tr h="395830">
+                <a:tc>
+                  <a:txBody>
+                    <a:bodyPr/>
+                    <a:lstStyle/>
+                    <a:p>
+                      <a:pPr algn="ctr">
+                        <a:spcAft>
+                          <a:spcPts val="0"/>
+                        </a:spcAft>
+                      </a:pPr>
+                      <a:r>
+                        <a:rPr lang="en-US" sz="1600" b="1" kern="100">
+                          <a:effectLst/>
+                          <a:latin typeface="Times New Roman" pitchFamily="18" charset="0"/>
+                          <a:cs typeface="Times New Roman" pitchFamily="18" charset="0"/>
+                        </a:rPr>
+                        <a:t>3</a:t>
+                      </a:r>
+                      <a:endParaRPr lang="zh-CN" sz="1600" b="1" kern="100">
+                        <a:effectLst/>
+                        <a:latin typeface="Times New Roman" pitchFamily="18" charset="0"/>
+                        <a:ea typeface="宋体"/>
+                        <a:cs typeface="Times New Roman" pitchFamily="18" charset="0"/>
+                      </a:endParaRPr>
+                    </a:p>
+                  </a:txBody>
+                  <a:tcPr marL="68581" marR="68581" marT="0" marB="0" anchor="ctr"/>
+                </a:tc>
+                <a:tc>
+                  <a:txBody>
+                    <a:bodyPr/>
+                    <a:lstStyle/>
+                    <a:p>
+                      <a:pPr algn="ctr">
+                        <a:spcAft>
+                          <a:spcPts val="0"/>
+                        </a:spcAft>
+                      </a:pPr>
+                      <a:r>
+                        <a:rPr lang="en-US" sz="1600" b="1" kern="100">
+                          <a:effectLst/>
+                          <a:latin typeface="Times New Roman" pitchFamily="18" charset="0"/>
+                          <a:cs typeface="Times New Roman" pitchFamily="18" charset="0"/>
+                        </a:rPr>
+                        <a:t>0</a:t>
+                      </a:r>
+                      <a:endParaRPr lang="zh-CN" sz="1600" b="1" kern="100">
+                        <a:effectLst/>
+                        <a:latin typeface="Times New Roman" pitchFamily="18" charset="0"/>
+                        <a:ea typeface="宋体"/>
+                        <a:cs typeface="Times New Roman" pitchFamily="18" charset="0"/>
+                      </a:endParaRPr>
+                    </a:p>
+                  </a:txBody>
+                  <a:tcPr marL="68581" marR="68581" marT="0" marB="0" anchor="ctr"/>
+                </a:tc>
+                <a:tc>
+                  <a:txBody>
+                    <a:bodyPr/>
+                    <a:lstStyle/>
+                    <a:p>
+                      <a:pPr algn="ctr">
+                        <a:spcAft>
+                          <a:spcPts val="0"/>
+                        </a:spcAft>
+                      </a:pPr>
+                      <a:r>
+                        <a:rPr lang="en-US" sz="1600" b="1" kern="100">
+                          <a:effectLst/>
+                          <a:latin typeface="Times New Roman" pitchFamily="18" charset="0"/>
+                          <a:cs typeface="Times New Roman" pitchFamily="18" charset="0"/>
+                        </a:rPr>
+                        <a:t>0</a:t>
+                      </a:r>
+                      <a:endParaRPr lang="zh-CN" sz="1600" b="1" kern="100">
+                        <a:effectLst/>
+                        <a:latin typeface="Times New Roman" pitchFamily="18" charset="0"/>
+                        <a:ea typeface="宋体"/>
+                        <a:cs typeface="Times New Roman" pitchFamily="18" charset="0"/>
+                      </a:endParaRPr>
+                    </a:p>
+                  </a:txBody>
+                  <a:tcPr marL="68581" marR="68581" marT="0" marB="0" anchor="ctr"/>
+                </a:tc>
+                <a:tc>
+                  <a:txBody>
+                    <a:bodyPr/>
+                    <a:lstStyle/>
+                    <a:p>
+                      <a:pPr algn="ctr">
+                        <a:spcAft>
+                          <a:spcPts val="0"/>
+                        </a:spcAft>
+                      </a:pPr>
+                      <a:r>
+                        <a:rPr lang="en-US" sz="1600" b="1" kern="100" smtClean="0">
+                          <a:effectLst/>
+                          <a:latin typeface="Times New Roman" pitchFamily="18" charset="0"/>
+                          <a:cs typeface="Times New Roman" pitchFamily="18" charset="0"/>
+                        </a:rPr>
+                        <a:t>15</a:t>
+                      </a:r>
+                      <a:endParaRPr lang="zh-CN" sz="1600" b="1" kern="100" dirty="0">
+                        <a:effectLst/>
+                        <a:latin typeface="Times New Roman" pitchFamily="18" charset="0"/>
+                        <a:ea typeface="宋体"/>
+                        <a:cs typeface="Times New Roman" pitchFamily="18" charset="0"/>
+                      </a:endParaRPr>
+                    </a:p>
+                  </a:txBody>
+                  <a:tcPr marL="68581" marR="68581" marT="0" marB="0" anchor="ctr"/>
+                </a:tc>
+                <a:tc>
+                  <a:txBody>
+                    <a:bodyPr/>
+                    <a:lstStyle/>
+                    <a:p>
+                      <a:pPr algn="ctr">
+                        <a:spcAft>
+                          <a:spcPts val="0"/>
+                        </a:spcAft>
+                      </a:pPr>
+                      <a:r>
+                        <a:rPr lang="en-US" sz="1600" b="1" kern="100">
+                          <a:effectLst/>
+                          <a:latin typeface="Times New Roman" pitchFamily="18" charset="0"/>
+                          <a:cs typeface="Times New Roman" pitchFamily="18" charset="0"/>
+                        </a:rPr>
+                        <a:t>20</a:t>
+                      </a:r>
+                      <a:endParaRPr lang="zh-CN" sz="1600" b="1" kern="100">
+                        <a:effectLst/>
+                        <a:latin typeface="Times New Roman" pitchFamily="18" charset="0"/>
+                        <a:ea typeface="宋体"/>
+                        <a:cs typeface="Times New Roman" pitchFamily="18" charset="0"/>
+                      </a:endParaRPr>
+                    </a:p>
+                  </a:txBody>
+                  <a:tcPr marL="68581" marR="68581" marT="0" marB="0" anchor="ctr"/>
+                </a:tc>
+                <a:tc>
+                  <a:txBody>
+                    <a:bodyPr/>
+                    <a:lstStyle/>
+                    <a:p>
+                      <a:pPr algn="ctr">
+                        <a:spcAft>
+                          <a:spcPts val="0"/>
+                        </a:spcAft>
+                      </a:pPr>
+                      <a:r>
+                        <a:rPr lang="en-US" sz="1600" b="1" kern="100">
+                          <a:effectLst/>
+                          <a:latin typeface="Times New Roman" pitchFamily="18" charset="0"/>
+                          <a:cs typeface="Times New Roman" pitchFamily="18" charset="0"/>
+                        </a:rPr>
+                        <a:t>20</a:t>
+                      </a:r>
+                      <a:endParaRPr lang="zh-CN" sz="1600" b="1" kern="100">
+                        <a:effectLst/>
+                        <a:latin typeface="Times New Roman" pitchFamily="18" charset="0"/>
+                        <a:ea typeface="宋体"/>
+                        <a:cs typeface="Times New Roman" pitchFamily="18" charset="0"/>
+                      </a:endParaRPr>
+                    </a:p>
+                  </a:txBody>
+                  <a:tcPr marL="68581" marR="68581" marT="0" marB="0" anchor="ctr"/>
+                </a:tc>
+                <a:tc>
+                  <a:txBody>
+                    <a:bodyPr/>
+                    <a:lstStyle/>
+                    <a:p>
+                      <a:pPr algn="ctr">
+                        <a:spcAft>
+                          <a:spcPts val="0"/>
+                        </a:spcAft>
+                      </a:pPr>
+                      <a:r>
+                        <a:rPr lang="en-US" sz="1600" b="1" kern="100">
+                          <a:effectLst/>
+                          <a:latin typeface="Times New Roman" pitchFamily="18" charset="0"/>
+                          <a:cs typeface="Times New Roman" pitchFamily="18" charset="0"/>
+                        </a:rPr>
+                        <a:t>35</a:t>
+                      </a:r>
+                      <a:endParaRPr lang="zh-CN" sz="1600" b="1" kern="100">
+                        <a:effectLst/>
+                        <a:latin typeface="Times New Roman" pitchFamily="18" charset="0"/>
+                        <a:ea typeface="宋体"/>
+                        <a:cs typeface="Times New Roman" pitchFamily="18" charset="0"/>
+                      </a:endParaRPr>
+                    </a:p>
+                  </a:txBody>
+                  <a:tcPr marL="68581" marR="68581" marT="0" marB="0" anchor="ctr"/>
+                </a:tc>
+              </a:tr>
+              <a:tr h="395830">
+                <a:tc>
+                  <a:txBody>
+                    <a:bodyPr/>
+                    <a:lstStyle/>
+                    <a:p>
+                      <a:pPr algn="ctr">
+                        <a:spcAft>
+                          <a:spcPts val="0"/>
+                        </a:spcAft>
+                      </a:pPr>
+                      <a:r>
+                        <a:rPr lang="en-US" sz="1600" b="1" kern="100" dirty="0">
+                          <a:effectLst/>
+                          <a:latin typeface="Times New Roman" pitchFamily="18" charset="0"/>
+                          <a:cs typeface="Times New Roman" pitchFamily="18" charset="0"/>
+                        </a:rPr>
+                        <a:t>4</a:t>
+                      </a:r>
+                      <a:endParaRPr lang="zh-CN" sz="1600" b="1" kern="100" dirty="0">
+                        <a:effectLst/>
+                        <a:latin typeface="Times New Roman" pitchFamily="18" charset="0"/>
+                        <a:ea typeface="宋体"/>
+                        <a:cs typeface="Times New Roman" pitchFamily="18" charset="0"/>
+                      </a:endParaRPr>
+                    </a:p>
+                  </a:txBody>
+                  <a:tcPr marL="68581" marR="68581" marT="0" marB="0" anchor="ctr"/>
+                </a:tc>
+                <a:tc>
+                  <a:txBody>
+                    <a:bodyPr/>
+                    <a:lstStyle/>
+                    <a:p>
+                      <a:pPr algn="ctr">
+                        <a:spcAft>
+                          <a:spcPts val="0"/>
+                        </a:spcAft>
+                      </a:pPr>
+                      <a:r>
+                        <a:rPr lang="en-US" sz="1600" b="1" kern="100" dirty="0">
+                          <a:effectLst/>
+                          <a:latin typeface="Times New Roman" pitchFamily="18" charset="0"/>
+                          <a:cs typeface="Times New Roman" pitchFamily="18" charset="0"/>
+                        </a:rPr>
+                        <a:t>0</a:t>
+                      </a:r>
+                      <a:endParaRPr lang="zh-CN" sz="1600" b="1" kern="100" dirty="0">
+                        <a:effectLst/>
+                        <a:latin typeface="Times New Roman" pitchFamily="18" charset="0"/>
+                        <a:ea typeface="宋体"/>
+                        <a:cs typeface="Times New Roman" pitchFamily="18" charset="0"/>
+                      </a:endParaRPr>
+                    </a:p>
+                  </a:txBody>
+                  <a:tcPr marL="68581" marR="68581" marT="0" marB="0" anchor="ctr"/>
+                </a:tc>
+                <a:tc>
+                  <a:txBody>
+                    <a:bodyPr/>
+                    <a:lstStyle/>
+                    <a:p>
+                      <a:pPr algn="ctr">
+                        <a:spcAft>
+                          <a:spcPts val="0"/>
+                        </a:spcAft>
+                      </a:pPr>
+                      <a:r>
+                        <a:rPr lang="en-US" sz="1600" b="1" kern="100" dirty="0">
+                          <a:effectLst/>
+                          <a:latin typeface="Times New Roman" pitchFamily="18" charset="0"/>
+                          <a:cs typeface="Times New Roman" pitchFamily="18" charset="0"/>
+                        </a:rPr>
+                        <a:t>0</a:t>
+                      </a:r>
+                      <a:endParaRPr lang="zh-CN" sz="1600" b="1" kern="100" dirty="0">
+                        <a:effectLst/>
+                        <a:latin typeface="Times New Roman" pitchFamily="18" charset="0"/>
+                        <a:ea typeface="宋体"/>
+                        <a:cs typeface="Times New Roman" pitchFamily="18" charset="0"/>
+                      </a:endParaRPr>
+                    </a:p>
+                  </a:txBody>
+                  <a:tcPr marL="68581" marR="68581" marT="0" marB="0" anchor="ctr"/>
+                </a:tc>
+                <a:tc>
+                  <a:txBody>
+                    <a:bodyPr/>
+                    <a:lstStyle/>
+                    <a:p>
+                      <a:pPr algn="ctr">
+                        <a:spcAft>
+                          <a:spcPts val="0"/>
+                        </a:spcAft>
+                      </a:pPr>
+                      <a:r>
+                        <a:rPr lang="en-US" sz="1600" b="1" kern="100" dirty="0" smtClean="0">
+                          <a:effectLst/>
+                          <a:latin typeface="Times New Roman" pitchFamily="18" charset="0"/>
+                          <a:cs typeface="Times New Roman" pitchFamily="18" charset="0"/>
+                        </a:rPr>
+                        <a:t>15</a:t>
+                      </a:r>
+                      <a:endParaRPr lang="zh-CN" sz="1600" b="1" kern="100" dirty="0">
+                        <a:effectLst/>
+                        <a:latin typeface="Times New Roman" pitchFamily="18" charset="0"/>
+                        <a:ea typeface="宋体"/>
+                        <a:cs typeface="Times New Roman" pitchFamily="18" charset="0"/>
+                      </a:endParaRPr>
+                    </a:p>
+                  </a:txBody>
+                  <a:tcPr marL="68581" marR="68581" marT="0" marB="0" anchor="ctr"/>
+                </a:tc>
+                <a:tc>
+                  <a:txBody>
+                    <a:bodyPr/>
+                    <a:lstStyle/>
+                    <a:p>
+                      <a:pPr algn="ctr">
+                        <a:spcAft>
+                          <a:spcPts val="0"/>
+                        </a:spcAft>
+                      </a:pPr>
+                      <a:r>
+                        <a:rPr lang="en-US" sz="1600" b="1" kern="100" smtClean="0">
+                          <a:effectLst/>
+                          <a:latin typeface="Times New Roman" pitchFamily="18" charset="0"/>
+                          <a:cs typeface="Times New Roman" pitchFamily="18" charset="0"/>
+                        </a:rPr>
+                        <a:t>15</a:t>
+                      </a:r>
+                      <a:endParaRPr lang="zh-CN" sz="1600" b="1" kern="100" dirty="0">
+                        <a:effectLst/>
+                        <a:latin typeface="Times New Roman" pitchFamily="18" charset="0"/>
+                        <a:ea typeface="宋体"/>
+                        <a:cs typeface="Times New Roman" pitchFamily="18" charset="0"/>
+                      </a:endParaRPr>
+                    </a:p>
+                  </a:txBody>
+                  <a:tcPr marL="68581" marR="68581" marT="0" marB="0" anchor="ctr"/>
+                </a:tc>
+                <a:tc>
+                  <a:txBody>
+                    <a:bodyPr/>
+                    <a:lstStyle/>
+                    <a:p>
+                      <a:pPr algn="ctr">
+                        <a:spcAft>
+                          <a:spcPts val="0"/>
+                        </a:spcAft>
+                      </a:pPr>
+                      <a:r>
+                        <a:rPr lang="en-US" sz="1600" b="1" kern="100" dirty="0" smtClean="0">
+                          <a:effectLst/>
+                          <a:latin typeface="Times New Roman" pitchFamily="18" charset="0"/>
+                          <a:cs typeface="Times New Roman" pitchFamily="18" charset="0"/>
+                        </a:rPr>
+                        <a:t>15</a:t>
+                      </a:r>
+                      <a:endParaRPr lang="zh-CN" sz="1600" b="1" kern="100" dirty="0">
+                        <a:effectLst/>
+                        <a:latin typeface="Times New Roman" pitchFamily="18" charset="0"/>
+                        <a:ea typeface="宋体"/>
+                        <a:cs typeface="Times New Roman" pitchFamily="18" charset="0"/>
+                      </a:endParaRPr>
+                    </a:p>
+                  </a:txBody>
+                  <a:tcPr marL="68581" marR="68581" marT="0" marB="0" anchor="ctr"/>
+                </a:tc>
+                <a:tc>
+                  <a:txBody>
+                    <a:bodyPr/>
+                    <a:lstStyle/>
+                    <a:p>
+                      <a:pPr algn="ctr">
+                        <a:spcAft>
+                          <a:spcPts val="0"/>
+                        </a:spcAft>
+                      </a:pPr>
+                      <a:r>
+                        <a:rPr lang="en-US" sz="1600" b="1" kern="100" dirty="0" smtClean="0">
+                          <a:effectLst/>
+                          <a:latin typeface="Times New Roman" pitchFamily="18" charset="0"/>
+                          <a:cs typeface="Times New Roman" pitchFamily="18" charset="0"/>
+                        </a:rPr>
+                        <a:t>15</a:t>
+                      </a:r>
+                      <a:endParaRPr lang="zh-CN" sz="1600" b="1" kern="100" dirty="0">
+                        <a:effectLst/>
+                        <a:latin typeface="Times New Roman" pitchFamily="18" charset="0"/>
+                        <a:ea typeface="宋体"/>
+                        <a:cs typeface="Times New Roman" pitchFamily="18" charset="0"/>
+                      </a:endParaRPr>
+                    </a:p>
+                  </a:txBody>
+                  <a:tcPr marL="68581" marR="68581" marT="0" marB="0" anchor="ctr"/>
+                </a:tc>
+              </a:tr>
+            </a:tbl>
+          </a:graphicData>
+        </a:graphic>
+      </p:graphicFrame>
+      <p:sp>
+        <p:nvSpPr>
+          <p:cNvPr id="10" name="Text Box 203"/>
+          <p:cNvSpPr txBox="1">
+            <a:spLocks noChangeArrowheads="1"/>
+          </p:cNvSpPr>
+          <p:nvPr/>
+        </p:nvSpPr>
+        <p:spPr bwMode="auto">
+          <a:xfrm>
+            <a:off x="4860032" y="2316756"/>
+            <a:ext cx="4165600" cy="1754187"/>
+          </a:xfrm>
+          <a:prstGeom prst="rect">
+            <a:avLst/>
+          </a:prstGeom>
+          <a:noFill/>
+          <a:ln>
+            <a:noFill/>
+          </a:ln>
+          <a:effectLst/>
+          <a:extLst>
+            <a:ext uri="{909E8E84-426E-40DD-AFC4-6F175D3DCCD1}">
+              <a14:hiddenFill xmlns:a14="http://schemas.microsoft.com/office/drawing/2010/main">
+                <a:solidFill>
+                  <a:schemeClr val="accent1"/>
+                </a:solidFill>
+              </a14:hiddenFill>
+            </a:ext>
+            <a:ext uri="{91240B29-F687-4F45-9708-019B960494DF}">
+              <a14:hiddenLine xmlns:a14="http://schemas.microsoft.com/office/drawing/2010/main" w="6350">
+                <a:solidFill>
+                  <a:schemeClr val="tx1"/>
+                </a:solidFill>
+                <a:miter lim="800000"/>
+                <a:headEnd/>
+                <a:tailEnd/>
+              </a14:hiddenLine>
+            </a:ext>
+            <a:ext uri="{AF507438-7753-43E0-B8FC-AC1667EBCBE1}">
+              <a14:hiddenEffects xmlns:a14="http://schemas.microsoft.com/office/drawing/2010/main">
+                <a:effectLst>
+                  <a:outerShdw dist="107763" dir="18900000" algn="ctr" rotWithShape="0">
+                    <a:schemeClr val="bg2"/>
+                  </a:outerShdw>
+                </a:effectLst>
+              </a14:hiddenEffects>
+            </a:ext>
+          </a:extLst>
+        </p:spPr>
+        <p:txBody>
+          <a:bodyPr wrap="none">
+            <a:spAutoFit/>
+          </a:bodyPr>
+          <a:lstStyle>
+            <a:lvl1pPr eaLnBrk="0" hangingPunct="0">
+              <a:defRPr>
+                <a:solidFill>
+                  <a:schemeClr val="tx1"/>
+                </a:solidFill>
+                <a:latin typeface="Century Schoolbook" pitchFamily="18" charset="0"/>
+                <a:ea typeface="宋体" panose="02010600030101010101" pitchFamily="2" charset="-122"/>
+              </a:defRPr>
+            </a:lvl1pPr>
+            <a:lvl2pPr marL="742950" indent="-285750" eaLnBrk="0" hangingPunct="0">
+              <a:defRPr>
+                <a:solidFill>
+                  <a:schemeClr val="tx1"/>
+                </a:solidFill>
+                <a:latin typeface="Century Schoolbook" pitchFamily="18" charset="0"/>
+                <a:ea typeface="宋体" panose="02010600030101010101" pitchFamily="2" charset="-122"/>
+              </a:defRPr>
+            </a:lvl2pPr>
+            <a:lvl3pPr marL="1143000" indent="-228600" eaLnBrk="0" hangingPunct="0">
+              <a:defRPr>
+                <a:solidFill>
+                  <a:schemeClr val="tx1"/>
+                </a:solidFill>
+                <a:latin typeface="Century Schoolbook" pitchFamily="18" charset="0"/>
+                <a:ea typeface="宋体" panose="02010600030101010101" pitchFamily="2" charset="-122"/>
+              </a:defRPr>
+            </a:lvl3pPr>
+            <a:lvl4pPr marL="1600200" indent="-228600" eaLnBrk="0" hangingPunct="0">
+              <a:defRPr>
+                <a:solidFill>
+                  <a:schemeClr val="tx1"/>
+                </a:solidFill>
+                <a:latin typeface="Century Schoolbook" pitchFamily="18" charset="0"/>
+                <a:ea typeface="宋体" panose="02010600030101010101" pitchFamily="2" charset="-122"/>
+              </a:defRPr>
+            </a:lvl4pPr>
+            <a:lvl5pPr marL="2057400" indent="-228600" eaLnBrk="0" hangingPunct="0">
+              <a:defRPr>
+                <a:solidFill>
+                  <a:schemeClr val="tx1"/>
+                </a:solidFill>
+                <a:latin typeface="Century Schoolbook" pitchFamily="18" charset="0"/>
+                <a:ea typeface="宋体" panose="02010600030101010101" pitchFamily="2" charset="-122"/>
+              </a:defRPr>
+            </a:lvl5pPr>
+            <a:lvl6pPr marL="2514600" indent="-228600" eaLnBrk="0" fontAlgn="base" hangingPunct="0">
+              <a:spcBef>
+                <a:spcPct val="0"/>
+              </a:spcBef>
+              <a:spcAft>
+                <a:spcPct val="0"/>
+              </a:spcAft>
+              <a:defRPr>
+                <a:solidFill>
+                  <a:schemeClr val="tx1"/>
+                </a:solidFill>
+                <a:latin typeface="Century Schoolbook" pitchFamily="18" charset="0"/>
+                <a:ea typeface="宋体" panose="02010600030101010101" pitchFamily="2" charset="-122"/>
+              </a:defRPr>
+            </a:lvl6pPr>
+            <a:lvl7pPr marL="2971800" indent="-228600" eaLnBrk="0" fontAlgn="base" hangingPunct="0">
+              <a:spcBef>
+                <a:spcPct val="0"/>
+              </a:spcBef>
+              <a:spcAft>
+                <a:spcPct val="0"/>
+              </a:spcAft>
+              <a:defRPr>
+                <a:solidFill>
+                  <a:schemeClr val="tx1"/>
+                </a:solidFill>
+                <a:latin typeface="Century Schoolbook" pitchFamily="18" charset="0"/>
+                <a:ea typeface="宋体" panose="02010600030101010101" pitchFamily="2" charset="-122"/>
+              </a:defRPr>
+            </a:lvl7pPr>
+            <a:lvl8pPr marL="3429000" indent="-228600" eaLnBrk="0" fontAlgn="base" hangingPunct="0">
+              <a:spcBef>
+                <a:spcPct val="0"/>
+              </a:spcBef>
+              <a:spcAft>
+                <a:spcPct val="0"/>
+              </a:spcAft>
+              <a:defRPr>
+                <a:solidFill>
+                  <a:schemeClr val="tx1"/>
+                </a:solidFill>
+                <a:latin typeface="Century Schoolbook" pitchFamily="18" charset="0"/>
+                <a:ea typeface="宋体" panose="02010600030101010101" pitchFamily="2" charset="-122"/>
+              </a:defRPr>
+            </a:lvl8pPr>
+            <a:lvl9pPr marL="3886200" indent="-228600" eaLnBrk="0" fontAlgn="base" hangingPunct="0">
+              <a:spcBef>
+                <a:spcPct val="0"/>
+              </a:spcBef>
+              <a:spcAft>
+                <a:spcPct val="0"/>
+              </a:spcAft>
+              <a:defRPr>
+                <a:solidFill>
+                  <a:schemeClr val="tx1"/>
+                </a:solidFill>
+                <a:latin typeface="Century Schoolbook" pitchFamily="18" charset="0"/>
+                <a:ea typeface="宋体" panose="02010600030101010101" pitchFamily="2" charset="-122"/>
+              </a:defRPr>
+            </a:lvl9pPr>
+          </a:lstStyle>
+          <a:p>
+            <a:pPr eaLnBrk="1" hangingPunct="1"/>
+            <a:r>
+              <a:rPr lang="en-US" altLang="zh-CN" b="1" dirty="0">
+                <a:latin typeface="Arial" panose="020B0604020202020204" pitchFamily="34" charset="0"/>
+              </a:rPr>
+              <a:t>m[2][1]=</a:t>
+            </a:r>
+            <a:r>
+              <a:rPr lang="en-US" altLang="zh-CN" b="1" dirty="0">
+                <a:solidFill>
+                  <a:srgbClr val="0000CC"/>
+                </a:solidFill>
+                <a:latin typeface="Arial" panose="020B0604020202020204" pitchFamily="34" charset="0"/>
+              </a:rPr>
+              <a:t>max</a:t>
+            </a:r>
+            <a:r>
+              <a:rPr lang="en-US" altLang="zh-CN" b="1" dirty="0">
+                <a:latin typeface="Arial" panose="020B0604020202020204" pitchFamily="34" charset="0"/>
+              </a:rPr>
+              <a:t>(m[3][1],m[3][0]+10)=10;</a:t>
+            </a:r>
+          </a:p>
+          <a:p>
+            <a:pPr eaLnBrk="1" hangingPunct="1"/>
+            <a:r>
+              <a:rPr lang="en-US" altLang="zh-CN" b="1" dirty="0">
+                <a:latin typeface="Arial" panose="020B0604020202020204" pitchFamily="34" charset="0"/>
+              </a:rPr>
+              <a:t>m[2][2]=</a:t>
+            </a:r>
+            <a:r>
+              <a:rPr lang="en-US" altLang="zh-CN" b="1" dirty="0">
+                <a:solidFill>
+                  <a:srgbClr val="0000CC"/>
+                </a:solidFill>
+                <a:latin typeface="Arial" panose="020B0604020202020204" pitchFamily="34" charset="0"/>
+              </a:rPr>
+              <a:t>max</a:t>
+            </a:r>
+            <a:r>
+              <a:rPr lang="en-US" altLang="zh-CN" b="1" dirty="0">
+                <a:latin typeface="Arial" panose="020B0604020202020204" pitchFamily="34" charset="0"/>
+              </a:rPr>
+              <a:t>(m[3][2],m[3][1]+10)=15;</a:t>
+            </a:r>
+          </a:p>
+          <a:p>
+            <a:pPr eaLnBrk="1" hangingPunct="1"/>
+            <a:r>
+              <a:rPr lang="en-US" altLang="zh-CN" b="1" dirty="0">
+                <a:latin typeface="Arial" panose="020B0604020202020204" pitchFamily="34" charset="0"/>
+              </a:rPr>
+              <a:t>m[2][3]=</a:t>
+            </a:r>
+            <a:r>
+              <a:rPr lang="en-US" altLang="zh-CN" b="1" dirty="0">
+                <a:solidFill>
+                  <a:srgbClr val="0000CC"/>
+                </a:solidFill>
+                <a:latin typeface="Arial" panose="020B0604020202020204" pitchFamily="34" charset="0"/>
+              </a:rPr>
+              <a:t>max</a:t>
+            </a:r>
+            <a:r>
+              <a:rPr lang="en-US" altLang="zh-CN" b="1" dirty="0">
+                <a:latin typeface="Arial" panose="020B0604020202020204" pitchFamily="34" charset="0"/>
+              </a:rPr>
+              <a:t>(m[3][3],m[3][2]+10)=25;</a:t>
+            </a:r>
+          </a:p>
+          <a:p>
+            <a:pPr eaLnBrk="1" hangingPunct="1"/>
+            <a:r>
+              <a:rPr lang="en-US" altLang="zh-CN" b="1" dirty="0">
+                <a:latin typeface="Arial" panose="020B0604020202020204" pitchFamily="34" charset="0"/>
+              </a:rPr>
+              <a:t>m[2][4]=</a:t>
+            </a:r>
+            <a:r>
+              <a:rPr lang="en-US" altLang="zh-CN" b="1" dirty="0">
+                <a:solidFill>
+                  <a:srgbClr val="0000CC"/>
+                </a:solidFill>
+                <a:latin typeface="Arial" panose="020B0604020202020204" pitchFamily="34" charset="0"/>
+              </a:rPr>
+              <a:t>max</a:t>
+            </a:r>
+            <a:r>
+              <a:rPr lang="en-US" altLang="zh-CN" b="1" dirty="0">
+                <a:latin typeface="Arial" panose="020B0604020202020204" pitchFamily="34" charset="0"/>
+              </a:rPr>
+              <a:t>(m[3][4],m[3][3]+10)=30;</a:t>
+            </a:r>
+          </a:p>
+          <a:p>
+            <a:pPr eaLnBrk="1" hangingPunct="1"/>
+            <a:r>
+              <a:rPr lang="en-US" altLang="zh-CN" b="1" dirty="0">
+                <a:latin typeface="Arial" panose="020B0604020202020204" pitchFamily="34" charset="0"/>
+              </a:rPr>
+              <a:t>m[2][5]=</a:t>
+            </a:r>
+            <a:r>
+              <a:rPr lang="en-US" altLang="zh-CN" b="1" dirty="0">
+                <a:solidFill>
+                  <a:srgbClr val="0000CC"/>
+                </a:solidFill>
+                <a:latin typeface="Arial" panose="020B0604020202020204" pitchFamily="34" charset="0"/>
+              </a:rPr>
+              <a:t>max</a:t>
+            </a:r>
+            <a:r>
+              <a:rPr lang="en-US" altLang="zh-CN" b="1" dirty="0">
+                <a:latin typeface="Arial" panose="020B0604020202020204" pitchFamily="34" charset="0"/>
+              </a:rPr>
+              <a:t>(m[3][5],m[3][4]+10)=35;</a:t>
+            </a:r>
+          </a:p>
+          <a:p>
+            <a:pPr eaLnBrk="1" hangingPunct="1"/>
+            <a:r>
+              <a:rPr lang="en-US" altLang="zh-CN" b="1" dirty="0">
+                <a:solidFill>
+                  <a:srgbClr val="FF3300"/>
+                </a:solidFill>
+                <a:latin typeface="Arial" panose="020B0604020202020204" pitchFamily="34" charset="0"/>
+              </a:rPr>
+              <a:t>m[1][5]=max(m[2][5],m[2][3]+12)=37;</a:t>
+            </a:r>
+          </a:p>
+        </p:txBody>
+      </p:sp>
+    </p:spTree>
+    <p:extLst>
+      <p:ext uri="{BB962C8B-B14F-4D97-AF65-F5344CB8AC3E}">
+        <p14:creationId xmlns:p14="http://schemas.microsoft.com/office/powerpoint/2010/main" val="4164867994"/>
+      </p:ext>
+    </p:extLst>
+  </p:cSld>
+  <p:clrMapOvr>
+    <a:masterClrMapping/>
+  </p:clrMapOvr>
+  <p:timing>
+    <p:tnLst>
+      <p:par>
+        <p:cTn id="1" dur="indefinite" restart="never" nodeType="tmRoot">
+          <p:childTnLst>
+            <p:seq concurrent="1" nextAc="seek">
+              <p:cTn id="2" dur="indefinite" nodeType="mainSeq">
+                <p:childTnLst>
+                  <p:par>
+                    <p:cTn id="3" fill="hold">
+                      <p:stCondLst>
+                        <p:cond delay="indefinite"/>
+                      </p:stCondLst>
+                      <p:childTnLst>
+                        <p:par>
+                          <p:cTn id="4" fill="hold">
+                            <p:stCondLst>
+                              <p:cond delay="0"/>
+                            </p:stCondLst>
+                            <p:childTnLst>
+                              <p:par>
+                                <p:cTn id="5" presetID="42" presetClass="entr" presetSubtype="0" fill="hold" nodeType="clickEffect">
+                                  <p:stCondLst>
+                                    <p:cond delay="0"/>
+                                  </p:stCondLst>
+                                  <p:childTnLst>
+                                    <p:set>
+                                      <p:cBhvr>
+                                        <p:cTn id="6" dur="1" fill="hold">
+                                          <p:stCondLst>
+                                            <p:cond delay="0"/>
+                                          </p:stCondLst>
+                                        </p:cTn>
+                                        <p:tgtEl>
+                                          <p:spTgt spid="7"/>
+                                        </p:tgtEl>
+                                        <p:attrNameLst>
+                                          <p:attrName>style.visibility</p:attrName>
+                                        </p:attrNameLst>
+                                      </p:cBhvr>
+                                      <p:to>
+                                        <p:strVal val="visible"/>
+                                      </p:to>
+                                    </p:set>
+                                    <p:animEffect transition="in" filter="fade">
+                                      <p:cBhvr>
+                                        <p:cTn id="7" dur="1000"/>
+                                        <p:tgtEl>
+                                          <p:spTgt spid="7"/>
+                                        </p:tgtEl>
+                                      </p:cBhvr>
+                                    </p:animEffect>
+                                    <p:anim calcmode="lin" valueType="num">
+                                      <p:cBhvr>
+                                        <p:cTn id="8" dur="1000" fill="hold"/>
+                                        <p:tgtEl>
+                                          <p:spTgt spid="7"/>
+                                        </p:tgtEl>
+                                        <p:attrNameLst>
+                                          <p:attrName>ppt_x</p:attrName>
+                                        </p:attrNameLst>
+                                      </p:cBhvr>
+                                      <p:tavLst>
+                                        <p:tav tm="0">
+                                          <p:val>
+                                            <p:strVal val="#ppt_x"/>
+                                          </p:val>
+                                        </p:tav>
+                                        <p:tav tm="100000">
+                                          <p:val>
+                                            <p:strVal val="#ppt_x"/>
+                                          </p:val>
+                                        </p:tav>
+                                      </p:tavLst>
+                                    </p:anim>
+                                    <p:anim calcmode="lin" valueType="num">
+                                      <p:cBhvr>
+                                        <p:cTn id="9" dur="1000" fill="hold"/>
+                                        <p:tgtEl>
+                                          <p:spTgt spid="7"/>
+                                        </p:tgtEl>
+                                        <p:attrNameLst>
+                                          <p:attrName>ppt_y</p:attrName>
+                                        </p:attrNameLst>
+                                      </p:cBhvr>
+                                      <p:tavLst>
+                                        <p:tav tm="0">
+                                          <p:val>
+                                            <p:strVal val="#ppt_y+.1"/>
+                                          </p:val>
+                                        </p:tav>
+                                        <p:tav tm="100000">
+                                          <p:val>
+                                            <p:strVal val="#ppt_y"/>
+                                          </p:val>
+                                        </p:tav>
+                                      </p:tavLst>
+                                    </p:anim>
+                                  </p:childTnLst>
+                                </p:cTn>
+                              </p:par>
+                            </p:childTnLst>
+                          </p:cTn>
+                        </p:par>
+                      </p:childTnLst>
+                    </p:cTn>
+                  </p:par>
+                  <p:par>
+                    <p:cTn id="10" fill="hold">
+                      <p:stCondLst>
+                        <p:cond delay="indefinite"/>
+                      </p:stCondLst>
+                      <p:childTnLst>
+                        <p:par>
+                          <p:cTn id="11" fill="hold">
+                            <p:stCondLst>
+                              <p:cond delay="0"/>
+                            </p:stCondLst>
+                            <p:childTnLst>
+                              <p:par>
+                                <p:cTn id="12" presetID="42" presetClass="entr" presetSubtype="0" fill="hold" nodeType="clickEffect">
+                                  <p:stCondLst>
+                                    <p:cond delay="0"/>
+                                  </p:stCondLst>
+                                  <p:childTnLst>
+                                    <p:set>
+                                      <p:cBhvr>
+                                        <p:cTn id="13" dur="1" fill="hold">
+                                          <p:stCondLst>
+                                            <p:cond delay="0"/>
+                                          </p:stCondLst>
+                                        </p:cTn>
+                                        <p:tgtEl>
+                                          <p:spTgt spid="8"/>
+                                        </p:tgtEl>
+                                        <p:attrNameLst>
+                                          <p:attrName>style.visibility</p:attrName>
+                                        </p:attrNameLst>
+                                      </p:cBhvr>
+                                      <p:to>
+                                        <p:strVal val="visible"/>
+                                      </p:to>
+                                    </p:set>
+                                    <p:animEffect transition="in" filter="fade">
+                                      <p:cBhvr>
+                                        <p:cTn id="14" dur="1000"/>
+                                        <p:tgtEl>
+                                          <p:spTgt spid="8"/>
+                                        </p:tgtEl>
+                                      </p:cBhvr>
+                                    </p:animEffect>
+                                    <p:anim calcmode="lin" valueType="num">
+                                      <p:cBhvr>
+                                        <p:cTn id="15" dur="1000" fill="hold"/>
+                                        <p:tgtEl>
+                                          <p:spTgt spid="8"/>
+                                        </p:tgtEl>
+                                        <p:attrNameLst>
+                                          <p:attrName>ppt_x</p:attrName>
+                                        </p:attrNameLst>
+                                      </p:cBhvr>
+                                      <p:tavLst>
+                                        <p:tav tm="0">
+                                          <p:val>
+                                            <p:strVal val="#ppt_x"/>
+                                          </p:val>
+                                        </p:tav>
+                                        <p:tav tm="100000">
+                                          <p:val>
+                                            <p:strVal val="#ppt_x"/>
+                                          </p:val>
+                                        </p:tav>
+                                      </p:tavLst>
+                                    </p:anim>
+                                    <p:anim calcmode="lin" valueType="num">
+                                      <p:cBhvr>
+                                        <p:cTn id="16" dur="1000" fill="hold"/>
+                                        <p:tgtEl>
+                                          <p:spTgt spid="8"/>
+                                        </p:tgtEl>
+                                        <p:attrNameLst>
+                                          <p:attrName>ppt_y</p:attrName>
+                                        </p:attrNameLst>
+                                      </p:cBhvr>
+                                      <p:tavLst>
+                                        <p:tav tm="0">
+                                          <p:val>
+                                            <p:strVal val="#ppt_y+.1"/>
+                                          </p:val>
+                                        </p:tav>
+                                        <p:tav tm="100000">
+                                          <p:val>
+                                            <p:strVal val="#ppt_y"/>
+                                          </p:val>
+                                        </p:tav>
+                                      </p:tavLst>
+                                    </p:anim>
+                                  </p:childTnLst>
+                                </p:cTn>
+                              </p:par>
+                            </p:childTnLst>
+                          </p:cTn>
+                        </p:par>
+                      </p:childTnLst>
+                    </p:cTn>
+                  </p:par>
+                  <p:par>
+                    <p:cTn id="17" fill="hold">
+                      <p:stCondLst>
+                        <p:cond delay="indefinite"/>
+                      </p:stCondLst>
+                      <p:childTnLst>
+                        <p:par>
+                          <p:cTn id="18" fill="hold">
+                            <p:stCondLst>
+                              <p:cond delay="0"/>
+                            </p:stCondLst>
+                            <p:childTnLst>
+                              <p:par>
+                                <p:cTn id="19" presetID="42" presetClass="entr" presetSubtype="0" fill="hold" nodeType="clickEffect">
+                                  <p:stCondLst>
+                                    <p:cond delay="0"/>
+                                  </p:stCondLst>
+                                  <p:childTnLst>
+                                    <p:set>
+                                      <p:cBhvr>
+                                        <p:cTn id="20" dur="1" fill="hold">
+                                          <p:stCondLst>
+                                            <p:cond delay="0"/>
+                                          </p:stCondLst>
+                                        </p:cTn>
+                                        <p:tgtEl>
+                                          <p:spTgt spid="9"/>
+                                        </p:tgtEl>
+                                        <p:attrNameLst>
+                                          <p:attrName>style.visibility</p:attrName>
+                                        </p:attrNameLst>
+                                      </p:cBhvr>
+                                      <p:to>
+                                        <p:strVal val="visible"/>
+                                      </p:to>
+                                    </p:set>
+                                    <p:animEffect transition="in" filter="fade">
+                                      <p:cBhvr>
+                                        <p:cTn id="21" dur="1000"/>
+                                        <p:tgtEl>
+                                          <p:spTgt spid="9"/>
+                                        </p:tgtEl>
+                                      </p:cBhvr>
+                                    </p:animEffect>
+                                    <p:anim calcmode="lin" valueType="num">
+                                      <p:cBhvr>
+                                        <p:cTn id="22" dur="1000" fill="hold"/>
+                                        <p:tgtEl>
+                                          <p:spTgt spid="9"/>
+                                        </p:tgtEl>
+                                        <p:attrNameLst>
+                                          <p:attrName>ppt_x</p:attrName>
+                                        </p:attrNameLst>
+                                      </p:cBhvr>
+                                      <p:tavLst>
+                                        <p:tav tm="0">
+                                          <p:val>
+                                            <p:strVal val="#ppt_x"/>
+                                          </p:val>
+                                        </p:tav>
+                                        <p:tav tm="100000">
+                                          <p:val>
+                                            <p:strVal val="#ppt_x"/>
+                                          </p:val>
+                                        </p:tav>
+                                      </p:tavLst>
+                                    </p:anim>
+                                    <p:anim calcmode="lin" valueType="num">
+                                      <p:cBhvr>
+                                        <p:cTn id="23" dur="1000" fill="hold"/>
+                                        <p:tgtEl>
+                                          <p:spTgt spid="9"/>
+                                        </p:tgtEl>
+                                        <p:attrNameLst>
+                                          <p:attrName>ppt_y</p:attrName>
+                                        </p:attrNameLst>
+                                      </p:cBhvr>
+                                      <p:tavLst>
+                                        <p:tav tm="0">
+                                          <p:val>
+                                            <p:strVal val="#ppt_y+.1"/>
+                                          </p:val>
+                                        </p:tav>
+                                        <p:tav tm="100000">
+                                          <p:val>
+                                            <p:strVal val="#ppt_y"/>
+                                          </p:val>
+                                        </p:tav>
+                                      </p:tavLst>
+                                    </p:anim>
+                                  </p:childTnLst>
+                                </p:cTn>
+                              </p:par>
+                            </p:childTnLst>
+                          </p:cTn>
+                        </p:par>
+                      </p:childTnLst>
+                    </p:cTn>
+                  </p:par>
+                  <p:par>
+                    <p:cTn id="24" fill="hold">
+                      <p:stCondLst>
+                        <p:cond delay="indefinite"/>
+                      </p:stCondLst>
+                      <p:childTnLst>
+                        <p:par>
+                          <p:cTn id="25" fill="hold">
+                            <p:stCondLst>
+                              <p:cond delay="0"/>
+                            </p:stCondLst>
+                            <p:childTnLst>
+                              <p:par>
+                                <p:cTn id="26" presetID="42" presetClass="entr" presetSubtype="0" fill="hold" grpId="0" nodeType="clickEffect">
+                                  <p:stCondLst>
+                                    <p:cond delay="0"/>
+                                  </p:stCondLst>
+                                  <p:childTnLst>
+                                    <p:set>
+                                      <p:cBhvr>
+                                        <p:cTn id="27" dur="1" fill="hold">
+                                          <p:stCondLst>
+                                            <p:cond delay="0"/>
+                                          </p:stCondLst>
+                                        </p:cTn>
+                                        <p:tgtEl>
+                                          <p:spTgt spid="10"/>
+                                        </p:tgtEl>
+                                        <p:attrNameLst>
+                                          <p:attrName>style.visibility</p:attrName>
+                                        </p:attrNameLst>
+                                      </p:cBhvr>
+                                      <p:to>
+                                        <p:strVal val="visible"/>
+                                      </p:to>
+                                    </p:set>
+                                    <p:animEffect transition="in" filter="fade">
+                                      <p:cBhvr>
+                                        <p:cTn id="28" dur="1000"/>
+                                        <p:tgtEl>
+                                          <p:spTgt spid="10"/>
+                                        </p:tgtEl>
+                                      </p:cBhvr>
+                                    </p:animEffect>
+                                    <p:anim calcmode="lin" valueType="num">
+                                      <p:cBhvr>
+                                        <p:cTn id="29" dur="1000" fill="hold"/>
+                                        <p:tgtEl>
+                                          <p:spTgt spid="10"/>
+                                        </p:tgtEl>
+                                        <p:attrNameLst>
+                                          <p:attrName>ppt_x</p:attrName>
+                                        </p:attrNameLst>
+                                      </p:cBhvr>
+                                      <p:tavLst>
+                                        <p:tav tm="0">
+                                          <p:val>
+                                            <p:strVal val="#ppt_x"/>
+                                          </p:val>
+                                        </p:tav>
+                                        <p:tav tm="100000">
+                                          <p:val>
+                                            <p:strVal val="#ppt_x"/>
+                                          </p:val>
+                                        </p:tav>
+                                      </p:tavLst>
+                                    </p:anim>
+                                    <p:anim calcmode="lin" valueType="num">
+                                      <p:cBhvr>
+                                        <p:cTn id="30" dur="1000" fill="hold"/>
+                                        <p:tgtEl>
+                                          <p:spTgt spid="10"/>
+                                        </p:tgtEl>
+                                        <p:attrNameLst>
+                                          <p:attrName>ppt_y</p:attrName>
+                                        </p:attrNameLst>
+                                      </p:cBhvr>
+                                      <p:tavLst>
+                                        <p:tav tm="0">
+                                          <p:val>
+                                            <p:strVal val="#ppt_y+.1"/>
+                                          </p:val>
+                                        </p:tav>
+                                        <p:tav tm="100000">
+                                          <p:val>
+                                            <p:strVal val="#ppt_y"/>
+                                          </p:val>
+                                        </p:tav>
+                                      </p:tavLst>
+                                    </p:anim>
+                                  </p:childTnLst>
+                                </p:cTn>
+                              </p:par>
+                            </p:childTnLst>
+                          </p:cTn>
+                        </p:par>
+                      </p:childTnLst>
+                    </p:cTn>
+                  </p:par>
+                </p:childTnLst>
+              </p:cTn>
+              <p:prevCondLst>
+                <p:cond evt="onPrev" delay="0">
+                  <p:tgtEl>
+                    <p:sldTgt/>
+                  </p:tgtEl>
+                </p:cond>
+              </p:prevCondLst>
+              <p:nextCondLst>
+                <p:cond evt="onNext" delay="0">
+                  <p:tgtEl>
+                    <p:sldTgt/>
+                  </p:tgtEl>
+                </p:cond>
+              </p:nextCondLst>
+            </p:seq>
+          </p:childTnLst>
+        </p:cTn>
+      </p:par>
+    </p:tnLst>
+    <p:bldLst>
+      <p:bldP spid="10" grpId="0"/>
+    </p:bldLst>
+  </p:timing>
+</p:sld>
+</file>
+
+<file path=ppt/slides/slide11.xml><?xml version="1.0" encoding="utf-8"?>
+<p:sld xmlns:a="http://schemas.openxmlformats.org/drawingml/2006/main" xmlns:r="http://schemas.openxmlformats.org/officeDocument/2006/relationships" xmlns:p="http://schemas.openxmlformats.org/presentationml/2006/main">
+  <p:cSld>
+    <p:spTree>
+      <p:nvGrpSpPr>
+        <p:cNvPr id="1" name=""/>
+        <p:cNvGrpSpPr/>
+        <p:nvPr/>
+      </p:nvGrpSpPr>
+      <p:grpSpPr>
+        <a:xfrm>
+          <a:off x="0" y="0"/>
+          <a:ext cx="0" cy="0"/>
+          <a:chOff x="0" y="0"/>
+          <a:chExt cx="0" cy="0"/>
+        </a:xfrm>
+      </p:grpSpPr>
+      <p:sp>
+        <p:nvSpPr>
+          <p:cNvPr id="2" name="标题 1"/>
+          <p:cNvSpPr>
+            <a:spLocks noGrp="1"/>
+          </p:cNvSpPr>
+          <p:nvPr>
+            <p:ph type="title"/>
+          </p:nvPr>
+        </p:nvSpPr>
+        <p:spPr/>
+        <p:txBody>
+          <a:bodyPr/>
+          <a:lstStyle/>
+          <a:p>
+            <a:endParaRPr lang="zh-CN" altLang="en-US"/>
+          </a:p>
+        </p:txBody>
+      </p:sp>
       <p:pic>
         <p:nvPicPr>
           <p:cNvPr id="4" name="内容占位符 1"/>
@@ -6614,7 +9105,7 @@
 </p:sld>
 </file>
 
-<file path=ppt/slides/slide11.xml><?xml version="1.0" encoding="utf-8"?>
+<file path=ppt/slides/slide12.xml><?xml version="1.0" encoding="utf-8"?>
 <p:sld xmlns:a="http://schemas.openxmlformats.org/drawingml/2006/main" xmlns:r="http://schemas.openxmlformats.org/officeDocument/2006/relationships" xmlns:p="http://schemas.openxmlformats.org/presentationml/2006/main">
   <p:cSld>
     <p:spTree>
@@ -8810,148 +11301,6 @@
 </p:sld>
 </file>
 
-<file path=ppt/slides/slide12.xml><?xml version="1.0" encoding="utf-8"?>
-<p:sld xmlns:a="http://schemas.openxmlformats.org/drawingml/2006/main" xmlns:r="http://schemas.openxmlformats.org/officeDocument/2006/relationships" xmlns:p="http://schemas.openxmlformats.org/presentationml/2006/main">
-  <p:cSld>
-    <p:spTree>
-      <p:nvGrpSpPr>
-        <p:cNvPr id="1" name=""/>
-        <p:cNvGrpSpPr/>
-        <p:nvPr/>
-      </p:nvGrpSpPr>
-      <p:grpSpPr>
-        <a:xfrm>
-          <a:off x="0" y="0"/>
-          <a:ext cx="0" cy="0"/>
-          <a:chOff x="0" y="0"/>
-          <a:chExt cx="0" cy="0"/>
-        </a:xfrm>
-      </p:grpSpPr>
-      <p:sp>
-        <p:nvSpPr>
-          <p:cNvPr id="2" name="标题 1"/>
-          <p:cNvSpPr>
-            <a:spLocks noGrp="1"/>
-          </p:cNvSpPr>
-          <p:nvPr>
-            <p:ph type="title"/>
-          </p:nvPr>
-        </p:nvSpPr>
-        <p:spPr/>
-        <p:txBody>
-          <a:bodyPr/>
-          <a:lstStyle/>
-          <a:p>
-            <a:r>
-              <a:rPr lang="en-US" altLang="zh-CN" dirty="0" smtClean="0"/>
-              <a:t>6</a:t>
-            </a:r>
-            <a:r>
-              <a:rPr lang="zh-CN" altLang="en-US" dirty="0" smtClean="0"/>
-              <a:t>、动态规划的特征</a:t>
-            </a:r>
-            <a:endParaRPr lang="zh-CN" altLang="en-US" dirty="0"/>
-          </a:p>
-        </p:txBody>
-      </p:sp>
-      <p:sp>
-        <p:nvSpPr>
-          <p:cNvPr id="3" name="内容占位符 2"/>
-          <p:cNvSpPr>
-            <a:spLocks noGrp="1"/>
-          </p:cNvSpPr>
-          <p:nvPr>
-            <p:ph idx="1"/>
-          </p:nvPr>
-        </p:nvSpPr>
-        <p:spPr/>
-        <p:txBody>
-          <a:bodyPr/>
-          <a:lstStyle/>
-          <a:p>
-            <a:r>
-              <a:rPr lang="zh-CN" altLang="zh-CN" dirty="0">
-                <a:latin typeface="+mn-ea"/>
-              </a:rPr>
-              <a:t>最优</a:t>
-            </a:r>
-            <a:r>
-              <a:rPr lang="zh-CN" altLang="zh-CN" dirty="0" smtClean="0">
-                <a:latin typeface="+mn-ea"/>
-              </a:rPr>
-              <a:t>子结构</a:t>
-            </a:r>
-            <a:endParaRPr lang="en-US" altLang="zh-CN" dirty="0" smtClean="0">
-              <a:latin typeface="+mn-ea"/>
-            </a:endParaRPr>
-          </a:p>
-          <a:p>
-            <a:pPr lvl="1"/>
-            <a:r>
-              <a:rPr lang="zh-CN" altLang="zh-CN" dirty="0">
-                <a:latin typeface="+mn-ea"/>
-                <a:ea typeface="+mn-ea"/>
-              </a:rPr>
-              <a:t>当问题的最优解包含了其子问题的最优解时，称该问题具有最优子结构性质</a:t>
-            </a:r>
-            <a:r>
-              <a:rPr lang="zh-CN" altLang="zh-CN" dirty="0" smtClean="0">
-                <a:latin typeface="+mn-ea"/>
-                <a:ea typeface="+mn-ea"/>
-              </a:rPr>
-              <a:t>。</a:t>
-            </a:r>
-            <a:endParaRPr lang="en-US" altLang="zh-CN" dirty="0" smtClean="0">
-              <a:latin typeface="+mn-ea"/>
-              <a:ea typeface="+mn-ea"/>
-            </a:endParaRPr>
-          </a:p>
-          <a:p>
-            <a:r>
-              <a:rPr lang="zh-CN" altLang="zh-CN" dirty="0">
-                <a:latin typeface="+mn-ea"/>
-              </a:rPr>
-              <a:t>重叠子</a:t>
-            </a:r>
-            <a:r>
-              <a:rPr lang="zh-CN" altLang="zh-CN" dirty="0" smtClean="0">
-                <a:latin typeface="+mn-ea"/>
-              </a:rPr>
-              <a:t>问题</a:t>
-            </a:r>
-            <a:endParaRPr lang="en-US" altLang="zh-CN" dirty="0" smtClean="0">
-              <a:latin typeface="+mn-ea"/>
-            </a:endParaRPr>
-          </a:p>
-          <a:p>
-            <a:pPr lvl="1"/>
-            <a:r>
-              <a:rPr lang="zh-CN" altLang="zh-CN" dirty="0">
-                <a:latin typeface="+mn-ea"/>
-                <a:ea typeface="+mn-ea"/>
-              </a:rPr>
-              <a:t>在用递归算法自顶向下解问题时，每次产生的子问题并不总是新问题，有些子问题被反复计算多次。动态规划算法正是利用了这种子问题的重叠性质，对每一个子问题只解一次，而后将其解保存在一个表格中，在以后尽可能多地利用这些子问题的解。</a:t>
-            </a:r>
-          </a:p>
-          <a:p>
-            <a:pPr lvl="1"/>
-            <a:endParaRPr lang="zh-CN" altLang="en-US" dirty="0"/>
-          </a:p>
-        </p:txBody>
-      </p:sp>
-    </p:spTree>
-    <p:extLst>
-      <p:ext uri="{BB962C8B-B14F-4D97-AF65-F5344CB8AC3E}">
-        <p14:creationId xmlns:p14="http://schemas.microsoft.com/office/powerpoint/2010/main" val="2072056283"/>
-      </p:ext>
-    </p:extLst>
-  </p:cSld>
-  <p:clrMapOvr>
-    <a:masterClrMapping/>
-  </p:clrMapOvr>
-</p:sld>
-</file>
-
 <file path=ppt/slides/slide13.xml><?xml version="1.0" encoding="utf-8"?>
 <p:sld xmlns:a="http://schemas.openxmlformats.org/drawingml/2006/main" xmlns:r="http://schemas.openxmlformats.org/officeDocument/2006/relationships" xmlns:p="http://schemas.openxmlformats.org/presentationml/2006/main">
   <p:cSld>
@@ -8986,11 +11335,11 @@
           <a:p>
             <a:r>
               <a:rPr lang="en-US" altLang="zh-CN" dirty="0" smtClean="0"/>
-              <a:t>7</a:t>
+              <a:t>6</a:t>
             </a:r>
             <a:r>
               <a:rPr lang="zh-CN" altLang="en-US" dirty="0" smtClean="0"/>
-              <a:t>、动态规划的基本思想</a:t>
+              <a:t>、动态规划的特征</a:t>
             </a:r>
             <a:endParaRPr lang="zh-CN" altLang="en-US" dirty="0"/>
           </a:p>
@@ -9015,24 +11364,13 @@
               <a:rPr lang="zh-CN" altLang="zh-CN" dirty="0">
                 <a:latin typeface="+mn-ea"/>
               </a:rPr>
-              <a:t>动态规划算法通常用于求解具有某种最优性质的问题。</a:t>
-            </a:r>
-            <a:endParaRPr lang="en-US" altLang="zh-CN" dirty="0">
-              <a:latin typeface="+mn-ea"/>
-            </a:endParaRPr>
-          </a:p>
-          <a:p>
-            <a:r>
-              <a:rPr lang="zh-CN" altLang="zh-CN" dirty="0">
-                <a:latin typeface="+mn-ea"/>
-              </a:rPr>
-              <a:t>在这类问题中，可能会有许多可行解</a:t>
+              <a:t>最优</a:t>
             </a:r>
             <a:r>
               <a:rPr lang="zh-CN" altLang="zh-CN" dirty="0" smtClean="0">
                 <a:latin typeface="+mn-ea"/>
               </a:rPr>
-              <a:t>。</a:t>
+              <a:t>子结构</a:t>
             </a:r>
             <a:endParaRPr lang="en-US" altLang="zh-CN" dirty="0" smtClean="0">
               <a:latin typeface="+mn-ea"/>
@@ -9045,7 +11383,7 @@
                 <a:latin typeface="+mn-ea"/>
                 <a:ea typeface="+mn-ea"/>
               </a:rPr>
-              <a:t>每一个解都对应于一个值，我们希望找到具有最优值的解</a:t>
+              <a:t>当问题的最优解包含了其子问题的最优解时，称该问题具有最优子结构性质</a:t>
             </a:r>
             <a:r>
               <a:rPr lang="zh-CN" altLang="zh-CN" dirty="0" smtClean="0">
@@ -9054,12 +11392,40 @@
               </a:rPr>
               <a:t>。</a:t>
             </a:r>
-            <a:endParaRPr lang="en-US" altLang="zh-CN" dirty="0">
+            <a:endParaRPr lang="en-US" altLang="zh-CN" dirty="0" smtClean="0">
               <a:latin typeface="+mn-ea"/>
               <a:ea typeface="+mn-ea"/>
             </a:endParaRPr>
           </a:p>
           <a:p>
+            <a:r>
+              <a:rPr lang="zh-CN" altLang="zh-CN" dirty="0">
+                <a:latin typeface="+mn-ea"/>
+              </a:rPr>
+              <a:t>重叠子</a:t>
+            </a:r>
+            <a:r>
+              <a:rPr lang="zh-CN" altLang="zh-CN" dirty="0" smtClean="0">
+                <a:latin typeface="+mn-ea"/>
+              </a:rPr>
+              <a:t>问题</a:t>
+            </a:r>
+            <a:endParaRPr lang="en-US" altLang="zh-CN" dirty="0" smtClean="0">
+              <a:latin typeface="+mn-ea"/>
+            </a:endParaRPr>
+          </a:p>
+          <a:p>
+            <a:pPr lvl="1"/>
+            <a:r>
+              <a:rPr lang="zh-CN" altLang="zh-CN" dirty="0">
+                <a:latin typeface="+mn-ea"/>
+                <a:ea typeface="+mn-ea"/>
+              </a:rPr>
+              <a:t>在用递归算法自顶向下解问题时，每次产生的子问题并不总是新问题，有些子问题被反复计算多次。动态规划算法正是利用了这种子问题的重叠性质，对每一个子问题只解一次，而后将其解保存在一个表格中，在以后尽可能多地利用这些子问题的解。</a:t>
+            </a:r>
+          </a:p>
+          <a:p>
+            <a:pPr lvl="1"/>
             <a:endParaRPr lang="zh-CN" altLang="en-US" dirty="0"/>
           </a:p>
         </p:txBody>
@@ -9067,7 +11433,7 @@
     </p:spTree>
     <p:extLst>
       <p:ext uri="{BB962C8B-B14F-4D97-AF65-F5344CB8AC3E}">
-        <p14:creationId xmlns:p14="http://schemas.microsoft.com/office/powerpoint/2010/main" val="1852682328"/>
+        <p14:creationId xmlns:p14="http://schemas.microsoft.com/office/powerpoint/2010/main" val="2072056283"/>
       </p:ext>
     </p:extLst>
   </p:cSld>
@@ -9109,7 +11475,15 @@
           <a:bodyPr/>
           <a:lstStyle/>
           <a:p>
-            <a:endParaRPr lang="zh-CN" altLang="en-US"/>
+            <a:r>
+              <a:rPr lang="en-US" altLang="zh-CN" dirty="0" smtClean="0"/>
+              <a:t>7</a:t>
+            </a:r>
+            <a:r>
+              <a:rPr lang="zh-CN" altLang="en-US" dirty="0" smtClean="0"/>
+              <a:t>、动态规划的基本思想</a:t>
+            </a:r>
+            <a:endParaRPr lang="zh-CN" altLang="en-US" dirty="0"/>
           </a:p>
         </p:txBody>
       </p:sp>
@@ -9132,26 +11506,44 @@
               <a:rPr lang="zh-CN" altLang="zh-CN" dirty="0">
                 <a:latin typeface="+mn-ea"/>
               </a:rPr>
-              <a:t>基本思想是将待求解问题分解成若干个子问题，先求解子问题，然后从这些子问题的解得到原问题的解</a:t>
-            </a:r>
-            <a:r>
-              <a:rPr lang="zh-CN" altLang="zh-CN" dirty="0" smtClean="0">
-                <a:latin typeface="+mn-ea"/>
-              </a:rPr>
-              <a:t>。</a:t>
+              <a:t>动态规划算法通常用于求解具有某种最优性质的问题。</a:t>
             </a:r>
             <a:endParaRPr lang="en-US" altLang="zh-CN" dirty="0">
               <a:latin typeface="+mn-ea"/>
             </a:endParaRPr>
           </a:p>
           <a:p>
+            <a:r>
+              <a:rPr lang="zh-CN" altLang="zh-CN" dirty="0">
+                <a:latin typeface="+mn-ea"/>
+              </a:rPr>
+              <a:t>在这类问题中，可能会有许多可行解</a:t>
+            </a:r>
+            <a:r>
+              <a:rPr lang="zh-CN" altLang="zh-CN" dirty="0" smtClean="0">
+                <a:latin typeface="+mn-ea"/>
+              </a:rPr>
+              <a:t>。</a:t>
+            </a:r>
+            <a:endParaRPr lang="en-US" altLang="zh-CN" dirty="0" smtClean="0">
+              <a:latin typeface="+mn-ea"/>
+            </a:endParaRPr>
+          </a:p>
+          <a:p>
             <a:pPr lvl="1"/>
             <a:r>
               <a:rPr lang="zh-CN" altLang="zh-CN" dirty="0">
                 <a:latin typeface="+mn-ea"/>
                 <a:ea typeface="+mn-ea"/>
               </a:rPr>
-              <a:t>适合于用动态规划求解的问题，经分解得到子问题往往不是互相独立的。若用分治法来解这类问题，则分解得到的子问题数目太多，有些子问题被重复计算了很多次。</a:t>
+              <a:t>每一个解都对应于一个值，我们希望找到具有最优值的解</a:t>
+            </a:r>
+            <a:r>
+              <a:rPr lang="zh-CN" altLang="zh-CN" dirty="0" smtClean="0">
+                <a:latin typeface="+mn-ea"/>
+                <a:ea typeface="+mn-ea"/>
+              </a:rPr>
+              <a:t>。</a:t>
             </a:r>
             <a:endParaRPr lang="en-US" altLang="zh-CN" dirty="0">
               <a:latin typeface="+mn-ea"/>
@@ -9159,15 +11551,14 @@
             </a:endParaRPr>
           </a:p>
           <a:p>
-            <a:pPr lvl="1"/>
-            <a:endParaRPr lang="en-US" altLang="zh-CN" dirty="0"/>
+            <a:endParaRPr lang="zh-CN" altLang="en-US" dirty="0"/>
           </a:p>
         </p:txBody>
       </p:sp>
     </p:spTree>
     <p:extLst>
       <p:ext uri="{BB962C8B-B14F-4D97-AF65-F5344CB8AC3E}">
-        <p14:creationId xmlns:p14="http://schemas.microsoft.com/office/powerpoint/2010/main" val="3584291599"/>
+        <p14:creationId xmlns:p14="http://schemas.microsoft.com/office/powerpoint/2010/main" val="1852682328"/>
       </p:ext>
     </p:extLst>
   </p:cSld>
@@ -9232,7 +11623,13 @@
               <a:rPr lang="zh-CN" altLang="zh-CN" dirty="0">
                 <a:latin typeface="+mn-ea"/>
               </a:rPr>
-              <a:t>如果我们能够保存已解决的子问题的答案，而在需要时再找出已求得的答案，这样就可以避免大量的重复计算，节省时间。</a:t>
+              <a:t>基本思想是将待求解问题分解成若干个子问题，先求解子问题，然后从这些子问题的解得到原问题的解</a:t>
+            </a:r>
+            <a:r>
+              <a:rPr lang="zh-CN" altLang="zh-CN" dirty="0" smtClean="0">
+                <a:latin typeface="+mn-ea"/>
+              </a:rPr>
+              <a:t>。</a:t>
             </a:r>
             <a:endParaRPr lang="en-US" altLang="zh-CN" dirty="0">
               <a:latin typeface="+mn-ea"/>
@@ -9241,18 +11638,11 @@
           <a:p>
             <a:pPr lvl="1"/>
             <a:r>
-              <a:rPr lang="zh-CN" altLang="zh-CN" dirty="0" smtClean="0">
-                <a:latin typeface="+mn-ea"/>
-                <a:ea typeface="+mn-ea"/>
-              </a:rPr>
-              <a:t>可以</a:t>
-            </a:r>
-            <a:r>
               <a:rPr lang="zh-CN" altLang="zh-CN" dirty="0">
                 <a:latin typeface="+mn-ea"/>
                 <a:ea typeface="+mn-ea"/>
               </a:rPr>
-              <a:t>用一个表来记录所有已解的子问题的答案。不管该子问题以后是否被用到，只要它被计算过，就将其结果填入表中。</a:t>
+              <a:t>适合于用动态规划求解的问题，经分解得到子问题往往不是互相独立的。若用分治法来解这类问题，则分解得到的子问题数目太多，有些子问题被重复计算了很多次。</a:t>
             </a:r>
             <a:endParaRPr lang="en-US" altLang="zh-CN" dirty="0">
               <a:latin typeface="+mn-ea"/>
@@ -9261,14 +11651,14 @@
           </a:p>
           <a:p>
             <a:pPr lvl="1"/>
-            <a:endParaRPr lang="zh-CN" altLang="en-US" dirty="0"/>
+            <a:endParaRPr lang="en-US" altLang="zh-CN" dirty="0"/>
           </a:p>
         </p:txBody>
       </p:sp>
     </p:spTree>
     <p:extLst>
       <p:ext uri="{BB962C8B-B14F-4D97-AF65-F5344CB8AC3E}">
-        <p14:creationId xmlns:p14="http://schemas.microsoft.com/office/powerpoint/2010/main" val="2761942769"/>
+        <p14:creationId xmlns:p14="http://schemas.microsoft.com/office/powerpoint/2010/main" val="3584291599"/>
       </p:ext>
     </p:extLst>
   </p:cSld>
@@ -9333,38 +11723,43 @@
               <a:rPr lang="zh-CN" altLang="zh-CN" dirty="0">
                 <a:latin typeface="+mn-ea"/>
               </a:rPr>
-              <a:t>这就是动态规划法的基本</a:t>
-            </a:r>
+              <a:t>如果我们能够保存已解决的子问题的答案，而在需要时再找出已求得的答案，这样就可以避免大量的重复计算，节省时间。</a:t>
+            </a:r>
+            <a:endParaRPr lang="en-US" altLang="zh-CN" dirty="0">
+              <a:latin typeface="+mn-ea"/>
+            </a:endParaRPr>
+          </a:p>
+          <a:p>
+            <a:pPr lvl="1"/>
             <a:r>
               <a:rPr lang="zh-CN" altLang="zh-CN" dirty="0" smtClean="0">
                 <a:latin typeface="+mn-ea"/>
-              </a:rPr>
-              <a:t>思路</a:t>
-            </a:r>
-            <a:endParaRPr lang="en-US" altLang="zh-CN" dirty="0" smtClean="0">
-              <a:latin typeface="+mn-ea"/>
-            </a:endParaRPr>
-          </a:p>
-          <a:p>
-            <a:pPr lvl="1"/>
+                <a:ea typeface="+mn-ea"/>
+              </a:rPr>
+              <a:t>可以</a:t>
+            </a:r>
             <a:r>
               <a:rPr lang="zh-CN" altLang="zh-CN" dirty="0">
                 <a:latin typeface="+mn-ea"/>
                 <a:ea typeface="+mn-ea"/>
               </a:rPr>
-              <a:t>具体的动态规划算法多种多样，但它们具有相同的填表格式</a:t>
-            </a:r>
-            <a:endParaRPr lang="zh-CN" altLang="en-US" dirty="0">
+              <a:t>用一个表来记录所有已解的子问题的答案。不管该子问题以后是否被用到，只要它被计算过，就将其结果填入表中。</a:t>
+            </a:r>
+            <a:endParaRPr lang="en-US" altLang="zh-CN" dirty="0">
               <a:latin typeface="+mn-ea"/>
               <a:ea typeface="+mn-ea"/>
             </a:endParaRPr>
+          </a:p>
+          <a:p>
+            <a:pPr lvl="1"/>
+            <a:endParaRPr lang="zh-CN" altLang="en-US" dirty="0"/>
           </a:p>
         </p:txBody>
       </p:sp>
     </p:spTree>
     <p:extLst>
       <p:ext uri="{BB962C8B-B14F-4D97-AF65-F5344CB8AC3E}">
-        <p14:creationId xmlns:p14="http://schemas.microsoft.com/office/powerpoint/2010/main" val="3136111566"/>
+        <p14:creationId xmlns:p14="http://schemas.microsoft.com/office/powerpoint/2010/main" val="2761942769"/>
       </p:ext>
     </p:extLst>
   </p:cSld>
@@ -9406,15 +11801,7 @@
           <a:bodyPr/>
           <a:lstStyle/>
           <a:p>
-            <a:r>
-              <a:rPr lang="en-US" altLang="zh-CN" dirty="0" smtClean="0"/>
-              <a:t>8</a:t>
-            </a:r>
-            <a:r>
-              <a:rPr lang="zh-CN" altLang="en-US" dirty="0" smtClean="0"/>
-              <a:t>、如何设计动态规划算法</a:t>
-            </a:r>
-            <a:endParaRPr lang="zh-CN" altLang="en-US" dirty="0"/>
+            <a:endParaRPr lang="zh-CN" altLang="en-US"/>
           </a:p>
         </p:txBody>
       </p:sp>
@@ -9434,58 +11821,41 @@
           <a:lstStyle/>
           <a:p>
             <a:r>
-              <a:rPr lang="zh-CN" altLang="zh-CN" dirty="0"/>
-              <a:t>找出最优解的性质，并刻画其结构</a:t>
-            </a:r>
-            <a:r>
-              <a:rPr lang="zh-CN" altLang="zh-CN" dirty="0" smtClean="0"/>
-              <a:t>特征</a:t>
-            </a:r>
-            <a:endParaRPr lang="en-US" altLang="zh-CN" dirty="0" smtClean="0"/>
-          </a:p>
-          <a:p>
-            <a:r>
-              <a:rPr lang="zh-CN" altLang="zh-CN" dirty="0"/>
-              <a:t>递归地定义最优值（写出动态规划方程</a:t>
-            </a:r>
-            <a:r>
-              <a:rPr lang="zh-CN" altLang="zh-CN" dirty="0" smtClean="0"/>
-              <a:t>）</a:t>
-            </a:r>
-            <a:endParaRPr lang="en-US" altLang="zh-CN" dirty="0" smtClean="0"/>
-          </a:p>
-          <a:p>
-            <a:r>
-              <a:rPr lang="zh-CN" altLang="zh-CN" dirty="0"/>
-              <a:t>以自底向上的方式计算出</a:t>
-            </a:r>
-            <a:r>
-              <a:rPr lang="zh-CN" altLang="zh-CN" dirty="0" smtClean="0"/>
-              <a:t>最优值</a:t>
-            </a:r>
-            <a:endParaRPr lang="en-US" altLang="zh-CN" dirty="0" smtClean="0"/>
-          </a:p>
-          <a:p>
-            <a:r>
-              <a:rPr lang="zh-CN" altLang="zh-CN" dirty="0"/>
-              <a:t>根据计算最优值时得到的信息，构造一</a:t>
-            </a:r>
-            <a:r>
-              <a:rPr lang="zh-CN" altLang="zh-CN"/>
-              <a:t>个</a:t>
-            </a:r>
-            <a:r>
-              <a:rPr lang="zh-CN" altLang="zh-CN" smtClean="0"/>
-              <a:t>最优解</a:t>
-            </a:r>
-            <a:endParaRPr lang="zh-CN" altLang="en-US" dirty="0"/>
+              <a:rPr lang="zh-CN" altLang="zh-CN" dirty="0">
+                <a:latin typeface="+mn-ea"/>
+              </a:rPr>
+              <a:t>这就是动态规划法的基本</a:t>
+            </a:r>
+            <a:r>
+              <a:rPr lang="zh-CN" altLang="zh-CN" dirty="0" smtClean="0">
+                <a:latin typeface="+mn-ea"/>
+              </a:rPr>
+              <a:t>思路</a:t>
+            </a:r>
+            <a:endParaRPr lang="en-US" altLang="zh-CN" dirty="0" smtClean="0">
+              <a:latin typeface="+mn-ea"/>
+            </a:endParaRPr>
+          </a:p>
+          <a:p>
+            <a:pPr lvl="1"/>
+            <a:r>
+              <a:rPr lang="zh-CN" altLang="zh-CN" dirty="0">
+                <a:latin typeface="+mn-ea"/>
+                <a:ea typeface="+mn-ea"/>
+              </a:rPr>
+              <a:t>具体的动态规划算法多种多样，但它们具有相同的填表格式</a:t>
+            </a:r>
+            <a:endParaRPr lang="zh-CN" altLang="en-US" dirty="0">
+              <a:latin typeface="+mn-ea"/>
+              <a:ea typeface="+mn-ea"/>
+            </a:endParaRPr>
           </a:p>
         </p:txBody>
       </p:sp>
     </p:spTree>
     <p:extLst>
       <p:ext uri="{BB962C8B-B14F-4D97-AF65-F5344CB8AC3E}">
-        <p14:creationId xmlns:p14="http://schemas.microsoft.com/office/powerpoint/2010/main" val="3835412254"/>
+        <p14:creationId xmlns:p14="http://schemas.microsoft.com/office/powerpoint/2010/main" val="3136111566"/>
       </p:ext>
     </p:extLst>
   </p:cSld>
@@ -9528,6 +11898,127 @@
           <a:lstStyle/>
           <a:p>
             <a:r>
+              <a:rPr lang="en-US" altLang="zh-CN" dirty="0" smtClean="0"/>
+              <a:t>8</a:t>
+            </a:r>
+            <a:r>
+              <a:rPr lang="zh-CN" altLang="en-US" dirty="0" smtClean="0"/>
+              <a:t>、如何设计动态规划算法</a:t>
+            </a:r>
+            <a:endParaRPr lang="zh-CN" altLang="en-US" dirty="0"/>
+          </a:p>
+        </p:txBody>
+      </p:sp>
+      <p:sp>
+        <p:nvSpPr>
+          <p:cNvPr id="3" name="内容占位符 2"/>
+          <p:cNvSpPr>
+            <a:spLocks noGrp="1"/>
+          </p:cNvSpPr>
+          <p:nvPr>
+            <p:ph idx="1"/>
+          </p:nvPr>
+        </p:nvSpPr>
+        <p:spPr/>
+        <p:txBody>
+          <a:bodyPr/>
+          <a:lstStyle/>
+          <a:p>
+            <a:r>
+              <a:rPr lang="zh-CN" altLang="zh-CN" dirty="0"/>
+              <a:t>找出最优解的性质，并刻画其结构</a:t>
+            </a:r>
+            <a:r>
+              <a:rPr lang="zh-CN" altLang="zh-CN" dirty="0" smtClean="0"/>
+              <a:t>特征</a:t>
+            </a:r>
+            <a:endParaRPr lang="en-US" altLang="zh-CN" dirty="0" smtClean="0"/>
+          </a:p>
+          <a:p>
+            <a:r>
+              <a:rPr lang="zh-CN" altLang="zh-CN" dirty="0"/>
+              <a:t>递归地定义最优值（写出动态规划方程</a:t>
+            </a:r>
+            <a:r>
+              <a:rPr lang="zh-CN" altLang="zh-CN" dirty="0" smtClean="0"/>
+              <a:t>）</a:t>
+            </a:r>
+            <a:endParaRPr lang="en-US" altLang="zh-CN" dirty="0" smtClean="0"/>
+          </a:p>
+          <a:p>
+            <a:r>
+              <a:rPr lang="zh-CN" altLang="zh-CN" dirty="0"/>
+              <a:t>以自底向上的方式计算出</a:t>
+            </a:r>
+            <a:r>
+              <a:rPr lang="zh-CN" altLang="zh-CN" dirty="0" smtClean="0"/>
+              <a:t>最优值</a:t>
+            </a:r>
+            <a:endParaRPr lang="en-US" altLang="zh-CN" dirty="0" smtClean="0"/>
+          </a:p>
+          <a:p>
+            <a:r>
+              <a:rPr lang="zh-CN" altLang="zh-CN" dirty="0"/>
+              <a:t>根据计算最优值时得到的信息，构造一</a:t>
+            </a:r>
+            <a:r>
+              <a:rPr lang="zh-CN" altLang="zh-CN"/>
+              <a:t>个</a:t>
+            </a:r>
+            <a:r>
+              <a:rPr lang="zh-CN" altLang="zh-CN" smtClean="0"/>
+              <a:t>最优解</a:t>
+            </a:r>
+            <a:endParaRPr lang="zh-CN" altLang="en-US" dirty="0"/>
+          </a:p>
+        </p:txBody>
+      </p:sp>
+    </p:spTree>
+    <p:extLst>
+      <p:ext uri="{BB962C8B-B14F-4D97-AF65-F5344CB8AC3E}">
+        <p14:creationId xmlns:p14="http://schemas.microsoft.com/office/powerpoint/2010/main" val="3835412254"/>
+      </p:ext>
+    </p:extLst>
+  </p:cSld>
+  <p:clrMapOvr>
+    <a:masterClrMapping/>
+  </p:clrMapOvr>
+</p:sld>
+</file>
+
+<file path=ppt/slides/slide19.xml><?xml version="1.0" encoding="utf-8"?>
+<p:sld xmlns:a="http://schemas.openxmlformats.org/drawingml/2006/main" xmlns:r="http://schemas.openxmlformats.org/officeDocument/2006/relationships" xmlns:p="http://schemas.openxmlformats.org/presentationml/2006/main">
+  <p:cSld>
+    <p:spTree>
+      <p:nvGrpSpPr>
+        <p:cNvPr id="1" name=""/>
+        <p:cNvGrpSpPr/>
+        <p:nvPr/>
+      </p:nvGrpSpPr>
+      <p:grpSpPr>
+        <a:xfrm>
+          <a:off x="0" y="0"/>
+          <a:ext cx="0" cy="0"/>
+          <a:chOff x="0" y="0"/>
+          <a:chExt cx="0" cy="0"/>
+        </a:xfrm>
+      </p:grpSpPr>
+      <p:sp>
+        <p:nvSpPr>
+          <p:cNvPr id="2" name="标题 1"/>
+          <p:cNvSpPr>
+            <a:spLocks noGrp="1"/>
+          </p:cNvSpPr>
+          <p:nvPr>
+            <p:ph type="title"/>
+          </p:nvPr>
+        </p:nvSpPr>
+        <p:spPr/>
+        <p:txBody>
+          <a:bodyPr/>
+          <a:lstStyle/>
+          <a:p>
+            <a:r>
               <a:rPr lang="zh-CN" altLang="en-US" dirty="0" smtClean="0"/>
               <a:t>四、</a:t>
             </a:r>
@@ -9648,7 +12139,274 @@
 </p:sld>
 </file>
 
-<file path=ppt/slides/slide19.xml><?xml version="1.0" encoding="utf-8"?>
+<file path=ppt/slides/slide2.xml><?xml version="1.0" encoding="utf-8"?>
+<p:sld xmlns:a="http://schemas.openxmlformats.org/drawingml/2006/main" xmlns:r="http://schemas.openxmlformats.org/officeDocument/2006/relationships" xmlns:p="http://schemas.openxmlformats.org/presentationml/2006/main">
+  <p:cSld>
+    <p:spTree>
+      <p:nvGrpSpPr>
+        <p:cNvPr id="1" name=""/>
+        <p:cNvGrpSpPr/>
+        <p:nvPr/>
+      </p:nvGrpSpPr>
+      <p:grpSpPr>
+        <a:xfrm>
+          <a:off x="0" y="0"/>
+          <a:ext cx="0" cy="0"/>
+          <a:chOff x="0" y="0"/>
+          <a:chExt cx="0" cy="0"/>
+        </a:xfrm>
+      </p:grpSpPr>
+      <p:sp>
+        <p:nvSpPr>
+          <p:cNvPr id="4098" name="标题 1"/>
+          <p:cNvSpPr>
+            <a:spLocks noGrp="1"/>
+          </p:cNvSpPr>
+          <p:nvPr>
+            <p:ph type="title"/>
+          </p:nvPr>
+        </p:nvSpPr>
+        <p:spPr/>
+        <p:txBody>
+          <a:bodyPr/>
+          <a:lstStyle/>
+          <a:p>
+            <a:r>
+              <a:rPr lang="zh-CN" altLang="en-US" dirty="0" smtClean="0">
+                <a:ea typeface="宋体" pitchFamily="2" charset="-122"/>
+              </a:rPr>
+              <a:t>一、动态规划简介</a:t>
+            </a:r>
+          </a:p>
+        </p:txBody>
+      </p:sp>
+      <p:sp>
+        <p:nvSpPr>
+          <p:cNvPr id="4099" name="内容占位符 2"/>
+          <p:cNvSpPr>
+            <a:spLocks noGrp="1"/>
+          </p:cNvSpPr>
+          <p:nvPr>
+            <p:ph idx="1"/>
+          </p:nvPr>
+        </p:nvSpPr>
+        <p:spPr>
+          <a:xfrm>
+            <a:off x="457200" y="1076325"/>
+            <a:ext cx="8258204" cy="5248275"/>
+          </a:xfrm>
+        </p:spPr>
+        <p:txBody>
+          <a:bodyPr/>
+          <a:lstStyle/>
+          <a:p>
+            <a:pPr marL="342900" lvl="1" indent="-342900">
+              <a:spcBef>
+                <a:spcPct val="20000"/>
+              </a:spcBef>
+              <a:buFont typeface="Wingdings" pitchFamily="2" charset="2"/>
+              <a:buChar char="v"/>
+            </a:pPr>
+            <a:r>
+              <a:rPr lang="zh-CN" altLang="zh-CN" dirty="0" smtClean="0">
+                <a:latin typeface="+mn-ea"/>
+                <a:ea typeface="+mn-ea"/>
+              </a:rPr>
+              <a:t>动态规划</a:t>
+            </a:r>
+            <a:r>
+              <a:rPr lang="zh-CN" altLang="zh-CN" dirty="0">
+                <a:latin typeface="+mn-ea"/>
+                <a:ea typeface="+mn-ea"/>
+              </a:rPr>
+              <a:t>是一类问题的求解方式，此类</a:t>
+            </a:r>
+            <a:r>
+              <a:rPr lang="zh-CN" altLang="zh-CN" dirty="0" smtClean="0">
+                <a:latin typeface="+mn-ea"/>
+                <a:ea typeface="+mn-ea"/>
+              </a:rPr>
+              <a:t>问题</a:t>
+            </a:r>
+            <a:r>
+              <a:rPr lang="zh-CN" altLang="en-US" dirty="0" smtClean="0">
+                <a:latin typeface="+mn-ea"/>
+                <a:ea typeface="+mn-ea"/>
+              </a:rPr>
+              <a:t>的解</a:t>
+            </a:r>
+            <a:r>
+              <a:rPr lang="zh-CN" altLang="zh-CN" dirty="0" smtClean="0">
+                <a:latin typeface="+mn-ea"/>
+                <a:ea typeface="+mn-ea"/>
+              </a:rPr>
+              <a:t>可以通过</a:t>
+            </a:r>
+            <a:r>
+              <a:rPr lang="zh-CN" altLang="en-US" dirty="0" smtClean="0">
+                <a:latin typeface="+mn-ea"/>
+                <a:ea typeface="+mn-ea"/>
+              </a:rPr>
+              <a:t>穷举方式完成，</a:t>
+            </a:r>
+            <a:r>
+              <a:rPr lang="zh-CN" altLang="zh-CN" dirty="0" smtClean="0">
+                <a:latin typeface="+mn-ea"/>
+                <a:ea typeface="+mn-ea"/>
+              </a:rPr>
+              <a:t>然而这种</a:t>
+            </a:r>
+            <a:r>
+              <a:rPr lang="zh-CN" altLang="en-US" dirty="0" smtClean="0">
+                <a:latin typeface="+mn-ea"/>
+                <a:ea typeface="+mn-ea"/>
+              </a:rPr>
+              <a:t>穷举</a:t>
+            </a:r>
+            <a:r>
+              <a:rPr lang="zh-CN" altLang="zh-CN" dirty="0" smtClean="0">
+                <a:latin typeface="+mn-ea"/>
+                <a:ea typeface="+mn-ea"/>
+              </a:rPr>
+              <a:t>算法</a:t>
+            </a:r>
+            <a:r>
+              <a:rPr lang="zh-CN" altLang="zh-CN" dirty="0">
+                <a:latin typeface="+mn-ea"/>
+                <a:ea typeface="+mn-ea"/>
+              </a:rPr>
+              <a:t>的复杂度一般通常为</a:t>
+            </a:r>
+            <a:r>
+              <a:rPr lang="en-US" altLang="zh-CN" dirty="0">
+                <a:latin typeface="+mn-ea"/>
+                <a:ea typeface="+mn-ea"/>
+              </a:rPr>
+              <a:t>O(2</a:t>
+            </a:r>
+            <a:r>
+              <a:rPr lang="en-US" altLang="zh-CN" baseline="30000" dirty="0">
+                <a:latin typeface="+mn-ea"/>
+                <a:ea typeface="+mn-ea"/>
+              </a:rPr>
+              <a:t>n</a:t>
+            </a:r>
+            <a:r>
+              <a:rPr lang="en-US" altLang="zh-CN" dirty="0">
+                <a:latin typeface="+mn-ea"/>
+                <a:ea typeface="+mn-ea"/>
+              </a:rPr>
+              <a:t>)</a:t>
+            </a:r>
+            <a:r>
+              <a:rPr lang="zh-CN" altLang="zh-CN" dirty="0" smtClean="0">
+                <a:latin typeface="+mn-ea"/>
+                <a:ea typeface="+mn-ea"/>
+              </a:rPr>
+              <a:t>。</a:t>
+            </a:r>
+            <a:endParaRPr lang="en-US" altLang="zh-CN" dirty="0" smtClean="0">
+              <a:latin typeface="+mn-ea"/>
+              <a:ea typeface="+mn-ea"/>
+            </a:endParaRPr>
+          </a:p>
+          <a:p>
+            <a:pPr marL="342900" lvl="1" indent="-342900">
+              <a:spcBef>
+                <a:spcPct val="20000"/>
+              </a:spcBef>
+              <a:buFont typeface="Wingdings" pitchFamily="2" charset="2"/>
+              <a:buChar char="v"/>
+            </a:pPr>
+            <a:r>
+              <a:rPr lang="zh-CN" altLang="zh-CN" dirty="0">
+                <a:latin typeface="+mn-ea"/>
+                <a:ea typeface="+mn-ea"/>
+              </a:rPr>
+              <a:t>可以使用动态规划求解的问题</a:t>
+            </a:r>
+            <a:r>
+              <a:rPr lang="zh-CN" altLang="zh-CN" dirty="0" smtClean="0">
+                <a:latin typeface="+mn-ea"/>
+                <a:ea typeface="+mn-ea"/>
+              </a:rPr>
+              <a:t>只是用</a:t>
+            </a:r>
+            <a:r>
+              <a:rPr lang="zh-CN" altLang="en-US" dirty="0" smtClean="0">
+                <a:latin typeface="+mn-ea"/>
+                <a:ea typeface="+mn-ea"/>
+              </a:rPr>
+              <a:t>穷举策略解决</a:t>
+            </a:r>
+            <a:r>
+              <a:rPr lang="zh-CN" altLang="zh-CN" dirty="0" smtClean="0">
+                <a:latin typeface="+mn-ea"/>
+                <a:ea typeface="+mn-ea"/>
+              </a:rPr>
+              <a:t>问题</a:t>
+            </a:r>
+            <a:r>
+              <a:rPr lang="zh-CN" altLang="zh-CN" dirty="0">
+                <a:latin typeface="+mn-ea"/>
+                <a:ea typeface="+mn-ea"/>
+              </a:rPr>
+              <a:t>的一个子集，因此要对问题本身进行分析，从而判断是否可以使用动态规划来求解</a:t>
+            </a:r>
+            <a:r>
+              <a:rPr lang="zh-CN" altLang="en-US" dirty="0">
+                <a:latin typeface="+mn-ea"/>
+                <a:ea typeface="+mn-ea"/>
+              </a:rPr>
+              <a:t>。</a:t>
+            </a:r>
+          </a:p>
+          <a:p>
+            <a:pPr marL="342900" lvl="1" indent="-342900">
+              <a:spcBef>
+                <a:spcPct val="20000"/>
+              </a:spcBef>
+              <a:buFont typeface="Wingdings" pitchFamily="2" charset="2"/>
+              <a:buChar char="v"/>
+            </a:pPr>
+            <a:endParaRPr lang="en-US" altLang="zh-CN" dirty="0"/>
+          </a:p>
+          <a:p>
+            <a:endParaRPr lang="zh-CN" altLang="zh-CN" dirty="0" smtClean="0"/>
+          </a:p>
+          <a:p>
+            <a:pPr lvl="1"/>
+            <a:endParaRPr lang="en-US" altLang="zh-CN" dirty="0" smtClean="0"/>
+          </a:p>
+          <a:p>
+            <a:pPr algn="just">
+              <a:buNone/>
+            </a:pPr>
+            <a:endParaRPr lang="zh-CN" altLang="en-US" dirty="0" smtClean="0"/>
+          </a:p>
+        </p:txBody>
+      </p:sp>
+    </p:spTree>
+    <p:extLst>
+      <p:ext uri="{BB962C8B-B14F-4D97-AF65-F5344CB8AC3E}">
+        <p14:creationId xmlns:p14="http://schemas.microsoft.com/office/powerpoint/2010/main" val="4067628443"/>
+      </p:ext>
+    </p:extLst>
+  </p:cSld>
+  <p:clrMapOvr>
+    <a:masterClrMapping/>
+  </p:clrMapOvr>
+  <p:timing>
+    <p:tnLst>
+      <p:par>
+        <p:cTn id="1" dur="indefinite" restart="never" nodeType="tmRoot"/>
+      </p:par>
+    </p:tnLst>
+  </p:timing>
+</p:sld>
+</file>
+
+<file path=ppt/slides/slide20.xml><?xml version="1.0" encoding="utf-8"?>
 <p:sld xmlns:a="http://schemas.openxmlformats.org/drawingml/2006/main" xmlns:r="http://schemas.openxmlformats.org/officeDocument/2006/relationships" xmlns:p="http://schemas.openxmlformats.org/presentationml/2006/main">
   <p:cSld>
     <p:spTree>
@@ -9902,276 +12660,6 @@
 </p:sld>
 </file>
 
-<file path=ppt/slides/slide2.xml><?xml version="1.0" encoding="utf-8"?>
-<p:sld xmlns:a="http://schemas.openxmlformats.org/drawingml/2006/main" xmlns:r="http://schemas.openxmlformats.org/officeDocument/2006/relationships" xmlns:p="http://schemas.openxmlformats.org/presentationml/2006/main">
-  <p:cSld>
-    <p:spTree>
-      <p:nvGrpSpPr>
-        <p:cNvPr id="1" name=""/>
-        <p:cNvGrpSpPr/>
-        <p:nvPr/>
-      </p:nvGrpSpPr>
-      <p:grpSpPr>
-        <a:xfrm>
-          <a:off x="0" y="0"/>
-          <a:ext cx="0" cy="0"/>
-          <a:chOff x="0" y="0"/>
-          <a:chExt cx="0" cy="0"/>
-        </a:xfrm>
-      </p:grpSpPr>
-      <p:sp>
-        <p:nvSpPr>
-          <p:cNvPr id="4098" name="标题 1"/>
-          <p:cNvSpPr>
-            <a:spLocks noGrp="1"/>
-          </p:cNvSpPr>
-          <p:nvPr>
-            <p:ph type="title"/>
-          </p:nvPr>
-        </p:nvSpPr>
-        <p:spPr/>
-        <p:txBody>
-          <a:bodyPr/>
-          <a:lstStyle/>
-          <a:p>
-            <a:r>
-              <a:rPr lang="zh-CN" altLang="en-US" dirty="0" smtClean="0">
-                <a:ea typeface="宋体" pitchFamily="2" charset="-122"/>
-              </a:rPr>
-              <a:t>一、动态规划简介</a:t>
-            </a:r>
-            <a:endParaRPr lang="zh-CN" altLang="en-US" dirty="0" smtClean="0">
-              <a:ea typeface="宋体" pitchFamily="2" charset="-122"/>
-            </a:endParaRPr>
-          </a:p>
-        </p:txBody>
-      </p:sp>
-      <p:sp>
-        <p:nvSpPr>
-          <p:cNvPr id="4099" name="内容占位符 2"/>
-          <p:cNvSpPr>
-            <a:spLocks noGrp="1"/>
-          </p:cNvSpPr>
-          <p:nvPr>
-            <p:ph idx="1"/>
-          </p:nvPr>
-        </p:nvSpPr>
-        <p:spPr>
-          <a:xfrm>
-            <a:off x="457200" y="1076325"/>
-            <a:ext cx="8258204" cy="5248275"/>
-          </a:xfrm>
-        </p:spPr>
-        <p:txBody>
-          <a:bodyPr/>
-          <a:lstStyle/>
-          <a:p>
-            <a:pPr marL="342900" lvl="1" indent="-342900">
-              <a:spcBef>
-                <a:spcPct val="20000"/>
-              </a:spcBef>
-              <a:buFont typeface="Wingdings" pitchFamily="2" charset="2"/>
-              <a:buChar char="v"/>
-            </a:pPr>
-            <a:r>
-              <a:rPr lang="zh-CN" altLang="zh-CN" dirty="0" smtClean="0">
-                <a:latin typeface="+mn-ea"/>
-                <a:ea typeface="+mn-ea"/>
-              </a:rPr>
-              <a:t>动态规划</a:t>
-            </a:r>
-            <a:r>
-              <a:rPr lang="zh-CN" altLang="zh-CN" dirty="0">
-                <a:latin typeface="+mn-ea"/>
-                <a:ea typeface="+mn-ea"/>
-              </a:rPr>
-              <a:t>是一类问题的求解方式，此类</a:t>
-            </a:r>
-            <a:r>
-              <a:rPr lang="zh-CN" altLang="zh-CN" dirty="0" smtClean="0">
-                <a:latin typeface="+mn-ea"/>
-                <a:ea typeface="+mn-ea"/>
-              </a:rPr>
-              <a:t>问题</a:t>
-            </a:r>
-            <a:r>
-              <a:rPr lang="zh-CN" altLang="en-US" dirty="0" smtClean="0">
-                <a:latin typeface="+mn-ea"/>
-                <a:ea typeface="+mn-ea"/>
-              </a:rPr>
-              <a:t>的解</a:t>
-            </a:r>
-            <a:r>
-              <a:rPr lang="zh-CN" altLang="zh-CN" dirty="0" smtClean="0">
-                <a:latin typeface="+mn-ea"/>
-                <a:ea typeface="+mn-ea"/>
-              </a:rPr>
-              <a:t>可以通过</a:t>
-            </a:r>
-            <a:r>
-              <a:rPr lang="zh-CN" altLang="en-US" dirty="0" smtClean="0">
-                <a:latin typeface="+mn-ea"/>
-                <a:ea typeface="+mn-ea"/>
-              </a:rPr>
-              <a:t>穷举方式完成，</a:t>
-            </a:r>
-            <a:r>
-              <a:rPr lang="zh-CN" altLang="zh-CN" dirty="0" smtClean="0">
-                <a:latin typeface="+mn-ea"/>
-                <a:ea typeface="+mn-ea"/>
-              </a:rPr>
-              <a:t>然而这种</a:t>
-            </a:r>
-            <a:r>
-              <a:rPr lang="zh-CN" altLang="en-US" dirty="0" smtClean="0">
-                <a:latin typeface="+mn-ea"/>
-                <a:ea typeface="+mn-ea"/>
-              </a:rPr>
-              <a:t>穷举</a:t>
-            </a:r>
-            <a:r>
-              <a:rPr lang="zh-CN" altLang="zh-CN" dirty="0" smtClean="0">
-                <a:latin typeface="+mn-ea"/>
-                <a:ea typeface="+mn-ea"/>
-              </a:rPr>
-              <a:t>算法</a:t>
-            </a:r>
-            <a:r>
-              <a:rPr lang="zh-CN" altLang="zh-CN" dirty="0">
-                <a:latin typeface="+mn-ea"/>
-                <a:ea typeface="+mn-ea"/>
-              </a:rPr>
-              <a:t>的复杂度一般通常为</a:t>
-            </a:r>
-            <a:r>
-              <a:rPr lang="en-US" altLang="zh-CN" dirty="0">
-                <a:latin typeface="+mn-ea"/>
-                <a:ea typeface="+mn-ea"/>
-              </a:rPr>
-              <a:t>O(2</a:t>
-            </a:r>
-            <a:r>
-              <a:rPr lang="en-US" altLang="zh-CN" baseline="30000" dirty="0">
-                <a:latin typeface="+mn-ea"/>
-                <a:ea typeface="+mn-ea"/>
-              </a:rPr>
-              <a:t>n</a:t>
-            </a:r>
-            <a:r>
-              <a:rPr lang="en-US" altLang="zh-CN" dirty="0">
-                <a:latin typeface="+mn-ea"/>
-                <a:ea typeface="+mn-ea"/>
-              </a:rPr>
-              <a:t>)</a:t>
-            </a:r>
-            <a:r>
-              <a:rPr lang="zh-CN" altLang="zh-CN" dirty="0" smtClean="0">
-                <a:latin typeface="+mn-ea"/>
-                <a:ea typeface="+mn-ea"/>
-              </a:rPr>
-              <a:t>。</a:t>
-            </a:r>
-            <a:endParaRPr lang="en-US" altLang="zh-CN" dirty="0" smtClean="0">
-              <a:latin typeface="+mn-ea"/>
-              <a:ea typeface="+mn-ea"/>
-            </a:endParaRPr>
-          </a:p>
-          <a:p>
-            <a:pPr marL="342900" lvl="1" indent="-342900">
-              <a:spcBef>
-                <a:spcPct val="20000"/>
-              </a:spcBef>
-              <a:buFont typeface="Wingdings" pitchFamily="2" charset="2"/>
-              <a:buChar char="v"/>
-            </a:pPr>
-            <a:r>
-              <a:rPr lang="zh-CN" altLang="zh-CN" dirty="0">
-                <a:latin typeface="+mn-ea"/>
-                <a:ea typeface="+mn-ea"/>
-              </a:rPr>
-              <a:t>可以使用动态规划求解的问题</a:t>
-            </a:r>
-            <a:r>
-              <a:rPr lang="zh-CN" altLang="zh-CN" dirty="0" smtClean="0">
-                <a:latin typeface="+mn-ea"/>
-                <a:ea typeface="+mn-ea"/>
-              </a:rPr>
-              <a:t>只是用</a:t>
-            </a:r>
-            <a:r>
-              <a:rPr lang="zh-CN" altLang="en-US" dirty="0" smtClean="0">
-                <a:latin typeface="+mn-ea"/>
-                <a:ea typeface="+mn-ea"/>
-              </a:rPr>
-              <a:t>穷举策略解决</a:t>
-            </a:r>
-            <a:r>
-              <a:rPr lang="zh-CN" altLang="zh-CN" dirty="0" smtClean="0">
-                <a:latin typeface="+mn-ea"/>
-                <a:ea typeface="+mn-ea"/>
-              </a:rPr>
-              <a:t>问题</a:t>
-            </a:r>
-            <a:r>
-              <a:rPr lang="zh-CN" altLang="zh-CN" dirty="0">
-                <a:latin typeface="+mn-ea"/>
-                <a:ea typeface="+mn-ea"/>
-              </a:rPr>
-              <a:t>的一个子集，因此要对问题本身进行分析，从而判断是否可以使用动态规划来求解</a:t>
-            </a:r>
-            <a:r>
-              <a:rPr lang="zh-CN" altLang="en-US" dirty="0">
-                <a:latin typeface="+mn-ea"/>
-                <a:ea typeface="+mn-ea"/>
-              </a:rPr>
-              <a:t>。</a:t>
-            </a:r>
-          </a:p>
-          <a:p>
-            <a:pPr marL="342900" lvl="1" indent="-342900">
-              <a:spcBef>
-                <a:spcPct val="20000"/>
-              </a:spcBef>
-              <a:buFont typeface="Wingdings" pitchFamily="2" charset="2"/>
-              <a:buChar char="v"/>
-            </a:pPr>
-            <a:endParaRPr lang="en-US" altLang="zh-CN" dirty="0"/>
-          </a:p>
-          <a:p>
-            <a:endParaRPr lang="zh-CN" altLang="zh-CN" dirty="0" smtClean="0"/>
-          </a:p>
-          <a:p>
-            <a:pPr lvl="1"/>
-            <a:endParaRPr lang="en-US" altLang="zh-CN" dirty="0" smtClean="0"/>
-          </a:p>
-          <a:p>
-            <a:pPr algn="just">
-              <a:buNone/>
-            </a:pPr>
-            <a:endParaRPr lang="zh-CN" altLang="en-US" dirty="0" smtClean="0"/>
-          </a:p>
-        </p:txBody>
-      </p:sp>
-    </p:spTree>
-    <p:extLst>
-      <p:ext uri="{BB962C8B-B14F-4D97-AF65-F5344CB8AC3E}">
-        <p14:creationId xmlns:p14="http://schemas.microsoft.com/office/powerpoint/2010/main" val="4067628443"/>
-      </p:ext>
-    </p:extLst>
-  </p:cSld>
-  <p:clrMapOvr>
-    <a:masterClrMapping/>
-  </p:clrMapOvr>
-  <p:timing>
-    <p:tnLst>
-      <p:par>
-        <p:cTn id="1" dur="indefinite" restart="never" nodeType="tmRoot"/>
-      </p:par>
-    </p:tnLst>
-  </p:timing>
-</p:sld>
-</file>
-
 <file path=ppt/slides/slide3.xml><?xml version="1.0" encoding="utf-8"?>
 <p:sld xmlns:a="http://schemas.openxmlformats.org/drawingml/2006/main" xmlns:r="http://schemas.openxmlformats.org/officeDocument/2006/relationships" xmlns:p="http://schemas.openxmlformats.org/presentationml/2006/main">
   <p:cSld>
@@ -10220,17 +12708,8 @@
               <a:rPr lang="zh-CN" altLang="en-US" dirty="0" smtClean="0">
                 <a:ea typeface="宋体" pitchFamily="2" charset="-122"/>
               </a:rPr>
-              <a:t>背包</a:t>
-            </a:r>
-            <a:r>
-              <a:rPr lang="zh-CN" altLang="en-US" dirty="0" smtClean="0">
-                <a:ea typeface="宋体" pitchFamily="2" charset="-122"/>
-              </a:rPr>
-              <a:t>问题描述</a:t>
-            </a:r>
-            <a:endParaRPr lang="zh-CN" altLang="en-US" dirty="0" smtClean="0">
-              <a:ea typeface="宋体" pitchFamily="2" charset="-122"/>
-            </a:endParaRPr>
+              <a:t>背包问题描述</a:t>
+            </a:r>
           </a:p>
         </p:txBody>
       </p:sp>
@@ -10679,6 +13158,194 @@
           <a:bodyPr/>
           <a:lstStyle/>
           <a:p>
+            <a:endParaRPr lang="zh-CN" altLang="en-US"/>
+          </a:p>
+        </p:txBody>
+      </p:sp>
+      <p:sp>
+        <p:nvSpPr>
+          <p:cNvPr id="3" name="内容占位符 2"/>
+          <p:cNvSpPr>
+            <a:spLocks noGrp="1"/>
+          </p:cNvSpPr>
+          <p:nvPr>
+            <p:ph idx="1"/>
+          </p:nvPr>
+        </p:nvSpPr>
+        <p:spPr/>
+        <p:txBody>
+          <a:bodyPr/>
+          <a:lstStyle/>
+          <a:p>
+            <a:r>
+              <a:rPr lang="en-US" altLang="zh-CN" dirty="0">
+                <a:latin typeface="+mn-ea"/>
+              </a:rPr>
+              <a:t>0-1</a:t>
+            </a:r>
+            <a:r>
+              <a:rPr lang="zh-CN" altLang="en-US" dirty="0">
+                <a:latin typeface="+mn-ea"/>
+              </a:rPr>
+              <a:t>背包</a:t>
+            </a:r>
+            <a:r>
+              <a:rPr lang="zh-CN" altLang="en-US" dirty="0" smtClean="0">
+                <a:latin typeface="+mn-ea"/>
+              </a:rPr>
+              <a:t>问题不适合贪心解法（反例）</a:t>
+            </a:r>
+            <a:endParaRPr lang="en-US" altLang="zh-CN" dirty="0" smtClean="0">
+              <a:latin typeface="+mn-ea"/>
+            </a:endParaRPr>
+          </a:p>
+          <a:p>
+            <a:pPr lvl="1"/>
+            <a:r>
+              <a:rPr lang="zh-CN" altLang="en-US" dirty="0" smtClean="0">
+                <a:latin typeface="+mn-ea"/>
+              </a:rPr>
+              <a:t>背包容量为</a:t>
+            </a:r>
+            <a:r>
+              <a:rPr lang="en-US" altLang="zh-CN" dirty="0" smtClean="0">
+                <a:latin typeface="+mn-ea"/>
+              </a:rPr>
+              <a:t>10</a:t>
+            </a:r>
+            <a:r>
+              <a:rPr lang="zh-CN" altLang="en-US" dirty="0" smtClean="0">
+                <a:latin typeface="+mn-ea"/>
+              </a:rPr>
+              <a:t>，共有三件物品</a:t>
+            </a:r>
+            <a:endParaRPr lang="en-US" altLang="zh-CN" dirty="0" smtClean="0">
+              <a:latin typeface="+mn-ea"/>
+            </a:endParaRPr>
+          </a:p>
+          <a:p>
+            <a:pPr lvl="1"/>
+            <a:r>
+              <a:rPr lang="zh-CN" altLang="en-US" dirty="0" smtClean="0"/>
+              <a:t>三件物品的价值</a:t>
+            </a:r>
+            <a:r>
+              <a:rPr lang="en-US" altLang="zh-CN" dirty="0" smtClean="0"/>
+              <a:t>/</a:t>
+            </a:r>
+            <a:r>
+              <a:rPr lang="zh-CN" altLang="en-US" dirty="0" smtClean="0"/>
+              <a:t>容量分别为：</a:t>
+            </a:r>
+            <a:r>
+              <a:rPr lang="en-US" altLang="zh-CN" dirty="0" smtClean="0"/>
+              <a:t>6/6</a:t>
+            </a:r>
+            <a:r>
+              <a:rPr lang="zh-CN" altLang="en-US" dirty="0" smtClean="0"/>
+              <a:t>、</a:t>
+            </a:r>
+            <a:r>
+              <a:rPr lang="en-US" altLang="zh-CN" dirty="0" smtClean="0"/>
+              <a:t>5/4</a:t>
+            </a:r>
+            <a:r>
+              <a:rPr lang="zh-CN" altLang="en-US" dirty="0" smtClean="0"/>
+              <a:t>、</a:t>
+            </a:r>
+            <a:r>
+              <a:rPr lang="en-US" altLang="zh-CN" dirty="0" smtClean="0"/>
+              <a:t>5/4</a:t>
+            </a:r>
+            <a:endParaRPr lang="en-US" altLang="zh-CN" dirty="0"/>
+          </a:p>
+          <a:p>
+            <a:pPr lvl="1"/>
+            <a:r>
+              <a:rPr lang="zh-CN" altLang="en-US" dirty="0" smtClean="0"/>
+              <a:t>如果按照贪心算法只会取第一</a:t>
+            </a:r>
+            <a:r>
+              <a:rPr lang="zh-CN" altLang="en-US" smtClean="0"/>
+              <a:t>件商品</a:t>
+            </a:r>
+            <a:r>
+              <a:rPr lang="en-US" altLang="zh-CN" smtClean="0"/>
+              <a:t>6/6</a:t>
+            </a:r>
+            <a:endParaRPr lang="en-US" altLang="zh-CN" dirty="0" smtClean="0"/>
+          </a:p>
+          <a:p>
+            <a:pPr lvl="1"/>
+            <a:r>
+              <a:rPr lang="zh-CN" altLang="en-US" dirty="0" smtClean="0"/>
+              <a:t>实际上取后两件商品</a:t>
+            </a:r>
+            <a:r>
+              <a:rPr lang="en-US" altLang="zh-CN" dirty="0" smtClean="0"/>
+              <a:t>5/4</a:t>
+            </a:r>
+            <a:r>
+              <a:rPr lang="zh-CN" altLang="en-US" dirty="0" smtClean="0"/>
+              <a:t>、</a:t>
+            </a:r>
+            <a:r>
+              <a:rPr lang="en-US" altLang="zh-CN" dirty="0" smtClean="0"/>
+              <a:t>5/4</a:t>
+            </a:r>
+            <a:r>
+              <a:rPr lang="zh-CN" altLang="en-US" dirty="0" smtClean="0"/>
+              <a:t>能取得最优解</a:t>
+            </a:r>
+            <a:endParaRPr lang="zh-CN" altLang="en-US" dirty="0"/>
+          </a:p>
+        </p:txBody>
+      </p:sp>
+    </p:spTree>
+    <p:extLst>
+      <p:ext uri="{BB962C8B-B14F-4D97-AF65-F5344CB8AC3E}">
+        <p14:creationId xmlns:p14="http://schemas.microsoft.com/office/powerpoint/2010/main" val="3127611545"/>
+      </p:ext>
+    </p:extLst>
+  </p:cSld>
+  <p:clrMapOvr>
+    <a:masterClrMapping/>
+  </p:clrMapOvr>
+</p:sld>
+</file>
+
+<file path=ppt/slides/slide6.xml><?xml version="1.0" encoding="utf-8"?>
+<p:sld xmlns:a="http://schemas.openxmlformats.org/drawingml/2006/main" xmlns:r="http://schemas.openxmlformats.org/officeDocument/2006/relationships" xmlns:p="http://schemas.openxmlformats.org/presentationml/2006/main">
+  <p:cSld>
+    <p:spTree>
+      <p:nvGrpSpPr>
+        <p:cNvPr id="1" name=""/>
+        <p:cNvGrpSpPr/>
+        <p:nvPr/>
+      </p:nvGrpSpPr>
+      <p:grpSpPr>
+        <a:xfrm>
+          <a:off x="0" y="0"/>
+          <a:ext cx="0" cy="0"/>
+          <a:chOff x="0" y="0"/>
+          <a:chExt cx="0" cy="0"/>
+        </a:xfrm>
+      </p:grpSpPr>
+      <p:sp>
+        <p:nvSpPr>
+          <p:cNvPr id="2" name="标题 1"/>
+          <p:cNvSpPr>
+            <a:spLocks noGrp="1"/>
+          </p:cNvSpPr>
+          <p:nvPr>
+            <p:ph type="title"/>
+          </p:nvPr>
+        </p:nvSpPr>
+        <p:spPr/>
+        <p:txBody>
+          <a:bodyPr/>
+          <a:lstStyle/>
+          <a:p>
             <a:r>
               <a:rPr lang="zh-CN" altLang="en-US" dirty="0" smtClean="0"/>
               <a:t>三、动态规划的数学描述</a:t>
@@ -11039,7 +13706,7 @@
           <a:graphicData uri="http://schemas.openxmlformats.org/presentationml/2006/ole">
             <mc:AlternateContent xmlns:mc="http://schemas.openxmlformats.org/markup-compatibility/2006">
               <mc:Choice xmlns:v="urn:schemas-microsoft-com:vml" Requires="v">
-                <p:oleObj spid="_x0000_s1151" name="公式" r:id="rId3" imgW="876240" imgH="444240" progId="Equation.3">
+                <p:oleObj spid="_x0000_s1155" name="公式" r:id="rId3" imgW="876240" imgH="444240" progId="Equation.3">
                   <p:embed/>
                 </p:oleObj>
               </mc:Choice>
@@ -11122,7 +13789,7 @@
           <a:graphicData uri="http://schemas.openxmlformats.org/presentationml/2006/ole">
             <mc:AlternateContent xmlns:mc="http://schemas.openxmlformats.org/markup-compatibility/2006">
               <mc:Choice xmlns:v="urn:schemas-microsoft-com:vml" Requires="v">
-                <p:oleObj spid="_x0000_s1152" name="公式" r:id="rId5" imgW="761669" imgH="482391" progId="Equation.3">
+                <p:oleObj spid="_x0000_s1156" name="公式" r:id="rId5" imgW="761669" imgH="482391" progId="Equation.3">
                   <p:embed/>
                 </p:oleObj>
               </mc:Choice>
@@ -11202,7 +13869,7 @@
 </p:sld>
 </file>
 
-<file path=ppt/slides/slide6.xml><?xml version="1.0" encoding="utf-8"?>
+<file path=ppt/slides/slide7.xml><?xml version="1.0" encoding="utf-8"?>
 <p:sld xmlns:a="http://schemas.openxmlformats.org/drawingml/2006/main" xmlns:r="http://schemas.openxmlformats.org/officeDocument/2006/relationships" xmlns:p="http://schemas.openxmlformats.org/presentationml/2006/main">
   <p:cSld>
     <p:spTree>
@@ -11306,7 +13973,7 @@
           <a:graphicData uri="http://schemas.openxmlformats.org/presentationml/2006/ole">
             <mc:AlternateContent xmlns:mc="http://schemas.openxmlformats.org/markup-compatibility/2006">
               <mc:Choice xmlns:v="urn:schemas-microsoft-com:vml" Requires="v">
-                <p:oleObj spid="_x0000_s2166" name="公式" r:id="rId3" imgW="787400" imgH="939800" progId="Equation.3">
+                <p:oleObj spid="_x0000_s2170" name="公式" r:id="rId3" imgW="787400" imgH="939800" progId="Equation.3">
                   <p:embed/>
                 </p:oleObj>
               </mc:Choice>
@@ -11395,7 +14062,7 @@
           <a:graphicData uri="http://schemas.openxmlformats.org/presentationml/2006/ole">
             <mc:AlternateContent xmlns:mc="http://schemas.openxmlformats.org/markup-compatibility/2006">
               <mc:Choice xmlns:v="urn:schemas-microsoft-com:vml" Requires="v">
-                <p:oleObj spid="_x0000_s2167" name="公式" r:id="rId5" imgW="685800" imgH="228600" progId="Equation.3">
+                <p:oleObj spid="_x0000_s2171" name="公式" r:id="rId5" imgW="685800" imgH="228600" progId="Equation.3">
                   <p:embed/>
                 </p:oleObj>
               </mc:Choice>
@@ -11450,7 +14117,7 @@
 </p:sld>
 </file>
 
-<file path=ppt/slides/slide7.xml><?xml version="1.0" encoding="utf-8"?>
+<file path=ppt/slides/slide8.xml><?xml version="1.0" encoding="utf-8"?>
 <p:sld xmlns:a="http://schemas.openxmlformats.org/drawingml/2006/main" xmlns:r="http://schemas.openxmlformats.org/officeDocument/2006/relationships" xmlns:p="http://schemas.openxmlformats.org/presentationml/2006/main">
   <p:cSld>
     <p:spTree>
@@ -13171,7 +15838,7 @@
 </p:sld>
 </file>
 
-<file path=ppt/slides/slide8.xml><?xml version="1.0" encoding="utf-8"?>
+<file path=ppt/slides/slide9.xml><?xml version="1.0" encoding="utf-8"?>
 <p:sld xmlns:a="http://schemas.openxmlformats.org/drawingml/2006/main" xmlns:r="http://schemas.openxmlformats.org/officeDocument/2006/relationships" xmlns:p="http://schemas.openxmlformats.org/presentationml/2006/main">
   <p:cSld>
     <p:spTree>
@@ -13287,7 +15954,7 @@
           <a:graphicData uri="http://schemas.openxmlformats.org/presentationml/2006/ole">
             <mc:AlternateContent xmlns:mc="http://schemas.openxmlformats.org/markup-compatibility/2006">
               <mc:Choice xmlns:v="urn:schemas-microsoft-com:vml" Requires="v">
-                <p:oleObj spid="_x0000_s3182" name="公式" r:id="rId3" imgW="3721100" imgH="482600" progId="Equation.3">
+                <p:oleObj spid="_x0000_s3186" name="公式" r:id="rId3" imgW="3721100" imgH="482600" progId="Equation.3">
                   <p:embed/>
                 </p:oleObj>
               </mc:Choice>
@@ -13376,7 +16043,7 @@
           <a:graphicData uri="http://schemas.openxmlformats.org/presentationml/2006/ole">
             <mc:AlternateContent xmlns:mc="http://schemas.openxmlformats.org/markup-compatibility/2006">
               <mc:Choice xmlns:v="urn:schemas-microsoft-com:vml" Requires="v">
-                <p:oleObj spid="_x0000_s3183" name="公式" r:id="rId5" imgW="2133600" imgH="482600" progId="Equation.3">
+                <p:oleObj spid="_x0000_s3187" name="公式" r:id="rId5" imgW="2133600" imgH="482600" progId="Equation.3">
                   <p:embed/>
                 </p:oleObj>
               </mc:Choice>
@@ -14933,2496 +17600,6 @@
 </p:sld>
 </file>
 
-<file path=ppt/slides/slide9.xml><?xml version="1.0" encoding="utf-8"?>
-<p:sld xmlns:a="http://schemas.openxmlformats.org/drawingml/2006/main" xmlns:r="http://schemas.openxmlformats.org/officeDocument/2006/relationships" xmlns:p="http://schemas.openxmlformats.org/presentationml/2006/main">
-  <p:cSld>
-    <p:spTree>
-      <p:nvGrpSpPr>
-        <p:cNvPr id="1" name=""/>
-        <p:cNvGrpSpPr/>
-        <p:nvPr/>
-      </p:nvGrpSpPr>
-      <p:grpSpPr>
-        <a:xfrm>
-          <a:off x="0" y="0"/>
-          <a:ext cx="0" cy="0"/>
-          <a:chOff x="0" y="0"/>
-          <a:chExt cx="0" cy="0"/>
-        </a:xfrm>
-      </p:grpSpPr>
-      <p:sp>
-        <p:nvSpPr>
-          <p:cNvPr id="2" name="标题 1"/>
-          <p:cNvSpPr>
-            <a:spLocks noGrp="1"/>
-          </p:cNvSpPr>
-          <p:nvPr>
-            <p:ph type="title"/>
-          </p:nvPr>
-        </p:nvSpPr>
-        <p:spPr/>
-        <p:txBody>
-          <a:bodyPr/>
-          <a:lstStyle/>
-          <a:p>
-            <a:endParaRPr lang="zh-CN" altLang="en-US"/>
-          </a:p>
-        </p:txBody>
-      </p:sp>
-      <p:graphicFrame>
-        <p:nvGraphicFramePr>
-          <p:cNvPr id="5" name="对象 53272"/>
-          <p:cNvGraphicFramePr>
-            <a:graphicFrameLocks noChangeAspect="1"/>
-          </p:cNvGraphicFramePr>
-          <p:nvPr>
-            <p:extLst>
-              <p:ext uri="{D42A27DB-BD31-4B8C-83A1-F6EECF244321}">
-                <p14:modId xmlns:p14="http://schemas.microsoft.com/office/powerpoint/2010/main" val="1408979656"/>
-              </p:ext>
-            </p:extLst>
-          </p:nvPr>
-        </p:nvGraphicFramePr>
-        <p:xfrm>
-          <a:off x="323528" y="1340197"/>
-          <a:ext cx="4685487" cy="612676"/>
-        </p:xfrm>
-        <a:graphic>
-          <a:graphicData uri="http://schemas.openxmlformats.org/presentationml/2006/ole">
-            <mc:AlternateContent xmlns:mc="http://schemas.openxmlformats.org/markup-compatibility/2006">
-              <mc:Choice xmlns:v="urn:schemas-microsoft-com:vml" Requires="v">
-                <p:oleObj spid="_x0000_s4202" name="公式" r:id="rId3" imgW="3721100" imgH="482600" progId="Equation.3">
-                  <p:embed/>
-                </p:oleObj>
-              </mc:Choice>
-              <mc:Fallback>
-                <p:oleObj name="公式" r:id="rId3" imgW="3721100" imgH="482600" progId="Equation.3">
-                  <p:embed/>
-                  <p:pic>
-                    <p:nvPicPr>
-                      <p:cNvPr id="0" name=""/>
-                      <p:cNvPicPr>
-                        <a:picLocks noChangeAspect="1" noChangeArrowheads="1"/>
-                      </p:cNvPicPr>
-                      <p:nvPr/>
-                    </p:nvPicPr>
-                    <p:blipFill>
-                      <a:blip r:embed="rId4">
-                        <a:extLst>
-                          <a:ext uri="{28A0092B-C50C-407E-A947-70E740481C1C}">
-                            <a14:useLocalDpi xmlns:a14="http://schemas.microsoft.com/office/drawing/2010/main" val="0"/>
-                          </a:ext>
-                        </a:extLst>
-                      </a:blip>
-                      <a:srcRect/>
-                      <a:stretch>
-                        <a:fillRect/>
-                      </a:stretch>
-                    </p:blipFill>
-                    <p:spPr bwMode="auto">
-                      <a:xfrm>
-                        <a:off x="323528" y="1340197"/>
-                        <a:ext cx="4685487" cy="612676"/>
-                      </a:xfrm>
-                      <a:prstGeom prst="rect">
-                        <a:avLst/>
-                      </a:prstGeom>
-                      <a:noFill/>
-                      <a:ln>
-                        <a:noFill/>
-                      </a:ln>
-                      <a:extLst/>
-                    </p:spPr>
-                  </p:pic>
-                </p:oleObj>
-              </mc:Fallback>
-            </mc:AlternateContent>
-          </a:graphicData>
-        </a:graphic>
-      </p:graphicFrame>
-      <p:graphicFrame>
-        <p:nvGraphicFramePr>
-          <p:cNvPr id="6" name="对象 4"/>
-          <p:cNvGraphicFramePr>
-            <a:graphicFrameLocks noChangeAspect="1"/>
-          </p:cNvGraphicFramePr>
-          <p:nvPr>
-            <p:extLst>
-              <p:ext uri="{D42A27DB-BD31-4B8C-83A1-F6EECF244321}">
-                <p14:modId xmlns:p14="http://schemas.microsoft.com/office/powerpoint/2010/main" val="217472540"/>
-              </p:ext>
-            </p:extLst>
-          </p:nvPr>
-        </p:nvGraphicFramePr>
-        <p:xfrm>
-          <a:off x="5608566" y="1286172"/>
-          <a:ext cx="3154434" cy="720725"/>
-        </p:xfrm>
-        <a:graphic>
-          <a:graphicData uri="http://schemas.openxmlformats.org/presentationml/2006/ole">
-            <mc:AlternateContent xmlns:mc="http://schemas.openxmlformats.org/markup-compatibility/2006">
-              <mc:Choice xmlns:v="urn:schemas-microsoft-com:vml" Requires="v">
-                <p:oleObj spid="_x0000_s4203" name="公式" r:id="rId5" imgW="2133600" imgH="482600" progId="Equation.3">
-                  <p:embed/>
-                </p:oleObj>
-              </mc:Choice>
-              <mc:Fallback>
-                <p:oleObj name="公式" r:id="rId5" imgW="2133600" imgH="482600" progId="Equation.3">
-                  <p:embed/>
-                  <p:pic>
-                    <p:nvPicPr>
-                      <p:cNvPr id="0" name=""/>
-                      <p:cNvPicPr>
-                        <a:picLocks noChangeAspect="1" noChangeArrowheads="1"/>
-                      </p:cNvPicPr>
-                      <p:nvPr/>
-                    </p:nvPicPr>
-                    <p:blipFill>
-                      <a:blip r:embed="rId6">
-                        <a:extLst>
-                          <a:ext uri="{28A0092B-C50C-407E-A947-70E740481C1C}">
-                            <a14:useLocalDpi xmlns:a14="http://schemas.microsoft.com/office/drawing/2010/main" val="0"/>
-                          </a:ext>
-                        </a:extLst>
-                      </a:blip>
-                      <a:srcRect/>
-                      <a:stretch>
-                        <a:fillRect/>
-                      </a:stretch>
-                    </p:blipFill>
-                    <p:spPr bwMode="auto">
-                      <a:xfrm>
-                        <a:off x="5608566" y="1286172"/>
-                        <a:ext cx="3154434" cy="720725"/>
-                      </a:xfrm>
-                      <a:prstGeom prst="rect">
-                        <a:avLst/>
-                      </a:prstGeom>
-                      <a:noFill/>
-                      <a:ln>
-                        <a:noFill/>
-                      </a:ln>
-                      <a:extLst/>
-                    </p:spPr>
-                  </p:pic>
-                </p:oleObj>
-              </mc:Fallback>
-            </mc:AlternateContent>
-          </a:graphicData>
-        </a:graphic>
-      </p:graphicFrame>
-      <p:sp>
-        <p:nvSpPr>
-          <p:cNvPr id="7" name="矩形 6"/>
-          <p:cNvSpPr/>
-          <p:nvPr/>
-        </p:nvSpPr>
-        <p:spPr>
-          <a:xfrm>
-            <a:off x="323528" y="2204864"/>
-            <a:ext cx="2444931" cy="369332"/>
-          </a:xfrm>
-          <a:prstGeom prst="rect">
-            <a:avLst/>
-          </a:prstGeom>
-        </p:spPr>
-        <p:style>
-          <a:lnRef idx="1">
-            <a:schemeClr val="accent3"/>
-          </a:lnRef>
-          <a:fillRef idx="2">
-            <a:schemeClr val="accent3"/>
-          </a:fillRef>
-          <a:effectRef idx="1">
-            <a:schemeClr val="accent3"/>
-          </a:effectRef>
-          <a:fontRef idx="minor">
-            <a:schemeClr val="dk1"/>
-          </a:fontRef>
-        </p:style>
-        <p:txBody>
-          <a:bodyPr wrap="square">
-            <a:spAutoFit/>
-          </a:bodyPr>
-          <a:lstStyle/>
-          <a:p>
-            <a:pPr>
-              <a:defRPr/>
-            </a:pPr>
-            <a:r>
-              <a:rPr lang="zh-CN" altLang="zh-CN" b="1" dirty="0">
-                <a:latin typeface="+mj-ea"/>
-                <a:ea typeface="+mj-ea"/>
-              </a:rPr>
-              <a:t>背包的容量为</a:t>
-            </a:r>
-            <a:r>
-              <a:rPr lang="en-US" altLang="zh-CN" b="1" dirty="0">
-                <a:latin typeface="+mj-ea"/>
-                <a:ea typeface="+mj-ea"/>
-              </a:rPr>
-              <a:t>5</a:t>
-            </a:r>
-            <a:endParaRPr lang="zh-CN" altLang="en-US" b="1" dirty="0">
-              <a:latin typeface="+mj-ea"/>
-              <a:ea typeface="+mj-ea"/>
-            </a:endParaRPr>
-          </a:p>
-        </p:txBody>
-      </p:sp>
-      <p:graphicFrame>
-        <p:nvGraphicFramePr>
-          <p:cNvPr id="8" name="表格 7"/>
-          <p:cNvGraphicFramePr>
-            <a:graphicFrameLocks noGrp="1"/>
-          </p:cNvGraphicFramePr>
-          <p:nvPr>
-            <p:extLst>
-              <p:ext uri="{D42A27DB-BD31-4B8C-83A1-F6EECF244321}">
-                <p14:modId xmlns:p14="http://schemas.microsoft.com/office/powerpoint/2010/main" val="2571226701"/>
-              </p:ext>
-            </p:extLst>
-          </p:nvPr>
-        </p:nvGraphicFramePr>
-        <p:xfrm>
-          <a:off x="838199" y="2800796"/>
-          <a:ext cx="3542211" cy="1231272"/>
-        </p:xfrm>
-        <a:graphic>
-          <a:graphicData uri="http://schemas.openxmlformats.org/drawingml/2006/table">
-            <a:tbl>
-              <a:tblPr firstRow="1" firstCol="1" bandRow="1" bandCol="1">
-                <a:tableStyleId>{5C22544A-7EE6-4342-B048-85BDC9FD1C3A}</a:tableStyleId>
-              </a:tblPr>
-              <a:tblGrid>
-                <a:gridCol w="876591"/>
-                <a:gridCol w="666405"/>
-                <a:gridCol w="666405"/>
-                <a:gridCol w="666405"/>
-                <a:gridCol w="666405"/>
-              </a:tblGrid>
-              <a:tr h="410424">
-                <a:tc>
-                  <a:txBody>
-                    <a:bodyPr/>
-                    <a:lstStyle/>
-                    <a:p>
-                      <a:pPr algn="ctr">
-                        <a:spcAft>
-                          <a:spcPts val="0"/>
-                        </a:spcAft>
-                      </a:pPr>
-                      <a:r>
-                        <a:rPr lang="en-US" sz="1600" b="1" kern="100" dirty="0" smtClean="0">
-                          <a:effectLst/>
-                          <a:latin typeface="Times New Roman" pitchFamily="18" charset="0"/>
-                          <a:cs typeface="Times New Roman" pitchFamily="18" charset="0"/>
-                        </a:rPr>
-                        <a:t>W=5</a:t>
-                      </a:r>
-                      <a:r>
-                        <a:rPr lang="en-US" sz="1600" b="1" kern="100" dirty="0">
-                          <a:effectLst/>
-                          <a:latin typeface="Times New Roman" pitchFamily="18" charset="0"/>
-                          <a:cs typeface="Times New Roman" pitchFamily="18" charset="0"/>
-                        </a:rPr>
-                        <a:t> </a:t>
-                      </a:r>
-                      <a:endParaRPr lang="zh-CN" sz="1600" b="1" kern="100" dirty="0">
-                        <a:effectLst/>
-                        <a:latin typeface="Times New Roman" pitchFamily="18" charset="0"/>
-                        <a:ea typeface="宋体"/>
-                        <a:cs typeface="Times New Roman" pitchFamily="18" charset="0"/>
-                      </a:endParaRPr>
-                    </a:p>
-                  </a:txBody>
-                  <a:tcPr marL="68578" marR="68578" marT="0" marB="0" anchor="ctr"/>
-                </a:tc>
-                <a:tc>
-                  <a:txBody>
-                    <a:bodyPr/>
-                    <a:lstStyle/>
-                    <a:p>
-                      <a:pPr algn="ctr">
-                        <a:spcAft>
-                          <a:spcPts val="0"/>
-                        </a:spcAft>
-                      </a:pPr>
-                      <a:r>
-                        <a:rPr lang="en-US" sz="1600" b="1" kern="100" dirty="0" smtClean="0">
-                          <a:effectLst/>
-                          <a:latin typeface="Times New Roman" pitchFamily="18" charset="0"/>
-                          <a:cs typeface="Times New Roman" pitchFamily="18" charset="0"/>
-                        </a:rPr>
-                        <a:t>1</a:t>
-                      </a:r>
-                      <a:endParaRPr lang="zh-CN" sz="1600" b="1" kern="100" dirty="0">
-                        <a:effectLst/>
-                        <a:latin typeface="Times New Roman" pitchFamily="18" charset="0"/>
-                        <a:ea typeface="宋体"/>
-                        <a:cs typeface="Times New Roman" pitchFamily="18" charset="0"/>
-                      </a:endParaRPr>
-                    </a:p>
-                  </a:txBody>
-                  <a:tcPr marL="68578" marR="68578" marT="0" marB="0" anchor="ctr"/>
-                </a:tc>
-                <a:tc>
-                  <a:txBody>
-                    <a:bodyPr/>
-                    <a:lstStyle/>
-                    <a:p>
-                      <a:pPr algn="ctr">
-                        <a:spcAft>
-                          <a:spcPts val="0"/>
-                        </a:spcAft>
-                      </a:pPr>
-                      <a:r>
-                        <a:rPr lang="en-US" sz="1600" b="1" kern="100" dirty="0">
-                          <a:effectLst/>
-                          <a:latin typeface="Times New Roman" pitchFamily="18" charset="0"/>
-                          <a:cs typeface="Times New Roman" pitchFamily="18" charset="0"/>
-                        </a:rPr>
-                        <a:t>2</a:t>
-                      </a:r>
-                      <a:endParaRPr lang="zh-CN" sz="1600" b="1" kern="100" dirty="0">
-                        <a:effectLst/>
-                        <a:latin typeface="Times New Roman" pitchFamily="18" charset="0"/>
-                        <a:ea typeface="宋体"/>
-                        <a:cs typeface="Times New Roman" pitchFamily="18" charset="0"/>
-                      </a:endParaRPr>
-                    </a:p>
-                  </a:txBody>
-                  <a:tcPr marL="68578" marR="68578" marT="0" marB="0" anchor="ctr"/>
-                </a:tc>
-                <a:tc>
-                  <a:txBody>
-                    <a:bodyPr/>
-                    <a:lstStyle/>
-                    <a:p>
-                      <a:pPr algn="ctr">
-                        <a:spcAft>
-                          <a:spcPts val="0"/>
-                        </a:spcAft>
-                      </a:pPr>
-                      <a:r>
-                        <a:rPr lang="en-US" sz="1600" b="1" kern="100" dirty="0">
-                          <a:effectLst/>
-                          <a:latin typeface="Times New Roman" pitchFamily="18" charset="0"/>
-                          <a:cs typeface="Times New Roman" pitchFamily="18" charset="0"/>
-                        </a:rPr>
-                        <a:t>3</a:t>
-                      </a:r>
-                      <a:endParaRPr lang="zh-CN" sz="1600" b="1" kern="100" dirty="0">
-                        <a:effectLst/>
-                        <a:latin typeface="Times New Roman" pitchFamily="18" charset="0"/>
-                        <a:ea typeface="宋体"/>
-                        <a:cs typeface="Times New Roman" pitchFamily="18" charset="0"/>
-                      </a:endParaRPr>
-                    </a:p>
-                  </a:txBody>
-                  <a:tcPr marL="68578" marR="68578" marT="0" marB="0" anchor="ctr"/>
-                </a:tc>
-                <a:tc>
-                  <a:txBody>
-                    <a:bodyPr/>
-                    <a:lstStyle/>
-                    <a:p>
-                      <a:pPr algn="ctr">
-                        <a:spcAft>
-                          <a:spcPts val="0"/>
-                        </a:spcAft>
-                      </a:pPr>
-                      <a:r>
-                        <a:rPr lang="en-US" sz="1600" b="1" kern="100">
-                          <a:effectLst/>
-                          <a:latin typeface="Times New Roman" pitchFamily="18" charset="0"/>
-                          <a:cs typeface="Times New Roman" pitchFamily="18" charset="0"/>
-                        </a:rPr>
-                        <a:t>4</a:t>
-                      </a:r>
-                      <a:endParaRPr lang="zh-CN" sz="1600" b="1" kern="100">
-                        <a:effectLst/>
-                        <a:latin typeface="Times New Roman" pitchFamily="18" charset="0"/>
-                        <a:ea typeface="宋体"/>
-                        <a:cs typeface="Times New Roman" pitchFamily="18" charset="0"/>
-                      </a:endParaRPr>
-                    </a:p>
-                  </a:txBody>
-                  <a:tcPr marL="68578" marR="68578" marT="0" marB="0" anchor="ctr"/>
-                </a:tc>
-              </a:tr>
-              <a:tr h="410424">
-                <a:tc>
-                  <a:txBody>
-                    <a:bodyPr/>
-                    <a:lstStyle/>
-                    <a:p>
-                      <a:pPr algn="ctr">
-                        <a:spcAft>
-                          <a:spcPts val="0"/>
-                        </a:spcAft>
-                      </a:pPr>
-                      <a:r>
-                        <a:rPr lang="zh-CN" sz="1600" b="1" kern="100" dirty="0">
-                          <a:effectLst/>
-                          <a:latin typeface="Times New Roman" pitchFamily="18" charset="0"/>
-                          <a:cs typeface="Times New Roman" pitchFamily="18" charset="0"/>
-                        </a:rPr>
-                        <a:t>重量</a:t>
-                      </a:r>
-                      <a:r>
-                        <a:rPr lang="en-US" sz="1600" b="1" i="1" kern="100" dirty="0">
-                          <a:effectLst/>
-                          <a:latin typeface="Times New Roman" pitchFamily="18" charset="0"/>
-                          <a:cs typeface="Times New Roman" pitchFamily="18" charset="0"/>
-                        </a:rPr>
-                        <a:t>w</a:t>
-                      </a:r>
-                      <a:endParaRPr lang="zh-CN" sz="1600" b="1" i="1" kern="100" dirty="0">
-                        <a:effectLst/>
-                        <a:latin typeface="Times New Roman" pitchFamily="18" charset="0"/>
-                        <a:ea typeface="宋体"/>
-                        <a:cs typeface="Times New Roman" pitchFamily="18" charset="0"/>
-                      </a:endParaRPr>
-                    </a:p>
-                  </a:txBody>
-                  <a:tcPr marL="68578" marR="68578" marT="0" marB="0" anchor="ctr"/>
-                </a:tc>
-                <a:tc>
-                  <a:txBody>
-                    <a:bodyPr/>
-                    <a:lstStyle/>
-                    <a:p>
-                      <a:pPr algn="ctr">
-                        <a:spcAft>
-                          <a:spcPts val="0"/>
-                        </a:spcAft>
-                      </a:pPr>
-                      <a:r>
-                        <a:rPr lang="en-US" sz="1600" b="1" kern="100" dirty="0">
-                          <a:effectLst/>
-                          <a:latin typeface="Times New Roman" pitchFamily="18" charset="0"/>
-                          <a:cs typeface="Times New Roman" pitchFamily="18" charset="0"/>
-                        </a:rPr>
-                        <a:t>2</a:t>
-                      </a:r>
-                      <a:endParaRPr lang="zh-CN" sz="1600" b="1" kern="100" dirty="0">
-                        <a:effectLst/>
-                        <a:latin typeface="Times New Roman" pitchFamily="18" charset="0"/>
-                        <a:ea typeface="宋体"/>
-                        <a:cs typeface="Times New Roman" pitchFamily="18" charset="0"/>
-                      </a:endParaRPr>
-                    </a:p>
-                  </a:txBody>
-                  <a:tcPr marL="68578" marR="68578" marT="0" marB="0" anchor="ctr"/>
-                </a:tc>
-                <a:tc>
-                  <a:txBody>
-                    <a:bodyPr/>
-                    <a:lstStyle/>
-                    <a:p>
-                      <a:pPr algn="ctr">
-                        <a:spcAft>
-                          <a:spcPts val="0"/>
-                        </a:spcAft>
-                      </a:pPr>
-                      <a:r>
-                        <a:rPr lang="en-US" sz="1600" b="1" kern="100" smtClean="0">
-                          <a:effectLst/>
-                          <a:latin typeface="Times New Roman" pitchFamily="18" charset="0"/>
-                          <a:cs typeface="Times New Roman" pitchFamily="18" charset="0"/>
-                        </a:rPr>
-                        <a:t>1</a:t>
-                      </a:r>
-                      <a:endParaRPr lang="zh-CN" sz="1600" b="1" kern="100" dirty="0">
-                        <a:effectLst/>
-                        <a:latin typeface="Times New Roman" pitchFamily="18" charset="0"/>
-                        <a:ea typeface="宋体"/>
-                        <a:cs typeface="Times New Roman" pitchFamily="18" charset="0"/>
-                      </a:endParaRPr>
-                    </a:p>
-                  </a:txBody>
-                  <a:tcPr marL="68578" marR="68578" marT="0" marB="0" anchor="ctr"/>
-                </a:tc>
-                <a:tc>
-                  <a:txBody>
-                    <a:bodyPr/>
-                    <a:lstStyle/>
-                    <a:p>
-                      <a:pPr algn="ctr">
-                        <a:spcAft>
-                          <a:spcPts val="0"/>
-                        </a:spcAft>
-                      </a:pPr>
-                      <a:r>
-                        <a:rPr lang="en-US" sz="1600" b="1" kern="100">
-                          <a:effectLst/>
-                          <a:latin typeface="Times New Roman" pitchFamily="18" charset="0"/>
-                          <a:cs typeface="Times New Roman" pitchFamily="18" charset="0"/>
-                        </a:rPr>
-                        <a:t>3</a:t>
-                      </a:r>
-                      <a:endParaRPr lang="zh-CN" sz="1600" b="1" kern="100">
-                        <a:effectLst/>
-                        <a:latin typeface="Times New Roman" pitchFamily="18" charset="0"/>
-                        <a:ea typeface="宋体"/>
-                        <a:cs typeface="Times New Roman" pitchFamily="18" charset="0"/>
-                      </a:endParaRPr>
-                    </a:p>
-                  </a:txBody>
-                  <a:tcPr marL="68578" marR="68578" marT="0" marB="0" anchor="ctr"/>
-                </a:tc>
-                <a:tc>
-                  <a:txBody>
-                    <a:bodyPr/>
-                    <a:lstStyle/>
-                    <a:p>
-                      <a:pPr algn="ctr">
-                        <a:spcAft>
-                          <a:spcPts val="0"/>
-                        </a:spcAft>
-                      </a:pPr>
-                      <a:r>
-                        <a:rPr lang="en-US" sz="1600" b="1" kern="100">
-                          <a:effectLst/>
-                          <a:latin typeface="Times New Roman" pitchFamily="18" charset="0"/>
-                          <a:cs typeface="Times New Roman" pitchFamily="18" charset="0"/>
-                        </a:rPr>
-                        <a:t>2</a:t>
-                      </a:r>
-                      <a:endParaRPr lang="zh-CN" sz="1600" b="1" kern="100">
-                        <a:effectLst/>
-                        <a:latin typeface="Times New Roman" pitchFamily="18" charset="0"/>
-                        <a:ea typeface="宋体"/>
-                        <a:cs typeface="Times New Roman" pitchFamily="18" charset="0"/>
-                      </a:endParaRPr>
-                    </a:p>
-                  </a:txBody>
-                  <a:tcPr marL="68578" marR="68578" marT="0" marB="0" anchor="ctr"/>
-                </a:tc>
-              </a:tr>
-              <a:tr h="410424">
-                <a:tc>
-                  <a:txBody>
-                    <a:bodyPr/>
-                    <a:lstStyle/>
-                    <a:p>
-                      <a:pPr algn="ctr">
-                        <a:spcAft>
-                          <a:spcPts val="0"/>
-                        </a:spcAft>
-                      </a:pPr>
-                      <a:r>
-                        <a:rPr lang="zh-CN" sz="1600" b="1" kern="100" dirty="0">
-                          <a:effectLst/>
-                          <a:latin typeface="Times New Roman" pitchFamily="18" charset="0"/>
-                          <a:cs typeface="Times New Roman" pitchFamily="18" charset="0"/>
-                        </a:rPr>
-                        <a:t>价值</a:t>
-                      </a:r>
-                      <a:r>
-                        <a:rPr lang="en-US" sz="1600" b="1" i="1" kern="100" dirty="0">
-                          <a:effectLst/>
-                          <a:latin typeface="Times New Roman" pitchFamily="18" charset="0"/>
-                          <a:cs typeface="Times New Roman" pitchFamily="18" charset="0"/>
-                        </a:rPr>
-                        <a:t>v</a:t>
-                      </a:r>
-                      <a:endParaRPr lang="zh-CN" sz="1600" b="1" i="1" kern="100" dirty="0">
-                        <a:effectLst/>
-                        <a:latin typeface="Times New Roman" pitchFamily="18" charset="0"/>
-                        <a:ea typeface="宋体"/>
-                        <a:cs typeface="Times New Roman" pitchFamily="18" charset="0"/>
-                      </a:endParaRPr>
-                    </a:p>
-                  </a:txBody>
-                  <a:tcPr marL="68578" marR="68578" marT="0" marB="0" anchor="ctr"/>
-                </a:tc>
-                <a:tc>
-                  <a:txBody>
-                    <a:bodyPr/>
-                    <a:lstStyle/>
-                    <a:p>
-                      <a:pPr algn="ctr">
-                        <a:spcAft>
-                          <a:spcPts val="0"/>
-                        </a:spcAft>
-                      </a:pPr>
-                      <a:r>
-                        <a:rPr lang="en-US" sz="1600" b="1" kern="100" smtClean="0">
-                          <a:effectLst/>
-                          <a:latin typeface="Times New Roman" pitchFamily="18" charset="0"/>
-                          <a:cs typeface="Times New Roman" pitchFamily="18" charset="0"/>
-                        </a:rPr>
-                        <a:t>12</a:t>
-                      </a:r>
-                      <a:endParaRPr lang="zh-CN" sz="1600" b="1" kern="100" dirty="0">
-                        <a:effectLst/>
-                        <a:latin typeface="Times New Roman" pitchFamily="18" charset="0"/>
-                        <a:ea typeface="宋体"/>
-                        <a:cs typeface="Times New Roman" pitchFamily="18" charset="0"/>
-                      </a:endParaRPr>
-                    </a:p>
-                  </a:txBody>
-                  <a:tcPr marL="68578" marR="68578" marT="0" marB="0" anchor="ctr"/>
-                </a:tc>
-                <a:tc>
-                  <a:txBody>
-                    <a:bodyPr/>
-                    <a:lstStyle/>
-                    <a:p>
-                      <a:pPr algn="ctr">
-                        <a:spcAft>
-                          <a:spcPts val="0"/>
-                        </a:spcAft>
-                      </a:pPr>
-                      <a:r>
-                        <a:rPr lang="en-US" sz="1600" b="1" kern="100" smtClean="0">
-                          <a:effectLst/>
-                          <a:latin typeface="Times New Roman" pitchFamily="18" charset="0"/>
-                          <a:cs typeface="Times New Roman" pitchFamily="18" charset="0"/>
-                        </a:rPr>
-                        <a:t>10</a:t>
-                      </a:r>
-                      <a:endParaRPr lang="zh-CN" sz="1600" b="1" kern="100" dirty="0">
-                        <a:effectLst/>
-                        <a:latin typeface="Times New Roman" pitchFamily="18" charset="0"/>
-                        <a:ea typeface="宋体"/>
-                        <a:cs typeface="Times New Roman" pitchFamily="18" charset="0"/>
-                      </a:endParaRPr>
-                    </a:p>
-                  </a:txBody>
-                  <a:tcPr marL="68578" marR="68578" marT="0" marB="0" anchor="ctr"/>
-                </a:tc>
-                <a:tc>
-                  <a:txBody>
-                    <a:bodyPr/>
-                    <a:lstStyle/>
-                    <a:p>
-                      <a:pPr algn="ctr">
-                        <a:spcAft>
-                          <a:spcPts val="0"/>
-                        </a:spcAft>
-                      </a:pPr>
-                      <a:r>
-                        <a:rPr lang="en-US" sz="1600" b="1" kern="100" dirty="0">
-                          <a:effectLst/>
-                          <a:latin typeface="Times New Roman" pitchFamily="18" charset="0"/>
-                          <a:cs typeface="Times New Roman" pitchFamily="18" charset="0"/>
-                        </a:rPr>
-                        <a:t>20</a:t>
-                      </a:r>
-                      <a:endParaRPr lang="zh-CN" sz="1600" b="1" kern="100" dirty="0">
-                        <a:effectLst/>
-                        <a:latin typeface="Times New Roman" pitchFamily="18" charset="0"/>
-                        <a:ea typeface="宋体"/>
-                        <a:cs typeface="Times New Roman" pitchFamily="18" charset="0"/>
-                      </a:endParaRPr>
-                    </a:p>
-                  </a:txBody>
-                  <a:tcPr marL="68578" marR="68578" marT="0" marB="0" anchor="ctr"/>
-                </a:tc>
-                <a:tc>
-                  <a:txBody>
-                    <a:bodyPr/>
-                    <a:lstStyle/>
-                    <a:p>
-                      <a:pPr algn="ctr">
-                        <a:spcAft>
-                          <a:spcPts val="0"/>
-                        </a:spcAft>
-                      </a:pPr>
-                      <a:r>
-                        <a:rPr lang="en-US" sz="1600" b="1" kern="100" dirty="0" smtClean="0">
-                          <a:effectLst/>
-                          <a:latin typeface="Times New Roman" pitchFamily="18" charset="0"/>
-                          <a:cs typeface="Times New Roman" pitchFamily="18" charset="0"/>
-                        </a:rPr>
-                        <a:t>15</a:t>
-                      </a:r>
-                      <a:endParaRPr lang="zh-CN" sz="1600" b="1" kern="100" dirty="0">
-                        <a:effectLst/>
-                        <a:latin typeface="Times New Roman" pitchFamily="18" charset="0"/>
-                        <a:ea typeface="宋体"/>
-                        <a:cs typeface="Times New Roman" pitchFamily="18" charset="0"/>
-                      </a:endParaRPr>
-                    </a:p>
-                  </a:txBody>
-                  <a:tcPr marL="68578" marR="68578" marT="0" marB="0" anchor="ctr"/>
-                </a:tc>
-              </a:tr>
-            </a:tbl>
-          </a:graphicData>
-        </a:graphic>
-      </p:graphicFrame>
-      <p:graphicFrame>
-        <p:nvGraphicFramePr>
-          <p:cNvPr id="9" name="表格 8"/>
-          <p:cNvGraphicFramePr>
-            <a:graphicFrameLocks noGrp="1"/>
-          </p:cNvGraphicFramePr>
-          <p:nvPr>
-            <p:extLst>
-              <p:ext uri="{D42A27DB-BD31-4B8C-83A1-F6EECF244321}">
-                <p14:modId xmlns:p14="http://schemas.microsoft.com/office/powerpoint/2010/main" val="141590280"/>
-              </p:ext>
-            </p:extLst>
-          </p:nvPr>
-        </p:nvGraphicFramePr>
-        <p:xfrm>
-          <a:off x="838200" y="4162519"/>
-          <a:ext cx="4369528" cy="1979150"/>
-        </p:xfrm>
-        <a:graphic>
-          <a:graphicData uri="http://schemas.openxmlformats.org/drawingml/2006/table">
-            <a:tbl>
-              <a:tblPr firstRow="1" firstCol="1" bandRow="1" bandCol="1">
-                <a:tableStyleId>{5C22544A-7EE6-4342-B048-85BDC9FD1C3A}</a:tableStyleId>
-              </a:tblPr>
-              <a:tblGrid>
-                <a:gridCol w="699124"/>
-                <a:gridCol w="611734"/>
-                <a:gridCol w="611734"/>
-                <a:gridCol w="611734"/>
-                <a:gridCol w="611734"/>
-                <a:gridCol w="611734"/>
-                <a:gridCol w="611734"/>
-              </a:tblGrid>
-              <a:tr h="395830">
-                <a:tc>
-                  <a:txBody>
-                    <a:bodyPr/>
-                    <a:lstStyle/>
-                    <a:p>
-                      <a:pPr algn="ctr">
-                        <a:spcAft>
-                          <a:spcPts val="0"/>
-                        </a:spcAft>
-                      </a:pPr>
-                      <a:r>
-                        <a:rPr lang="en-US" sz="1600" b="1" kern="100" dirty="0" smtClean="0">
-                          <a:effectLst/>
-                          <a:latin typeface="Times New Roman" pitchFamily="18" charset="0"/>
-                          <a:cs typeface="Times New Roman" pitchFamily="18" charset="0"/>
-                        </a:rPr>
-                        <a:t>n | j</a:t>
-                      </a:r>
-                      <a:endParaRPr lang="zh-CN" sz="1600" b="1" kern="100" dirty="0">
-                        <a:effectLst/>
-                        <a:latin typeface="Times New Roman" pitchFamily="18" charset="0"/>
-                        <a:ea typeface="宋体"/>
-                        <a:cs typeface="Times New Roman" pitchFamily="18" charset="0"/>
-                      </a:endParaRPr>
-                    </a:p>
-                  </a:txBody>
-                  <a:tcPr marL="68581" marR="68581" marT="0" marB="0" anchor="ctr"/>
-                </a:tc>
-                <a:tc>
-                  <a:txBody>
-                    <a:bodyPr/>
-                    <a:lstStyle/>
-                    <a:p>
-                      <a:pPr algn="ctr">
-                        <a:spcAft>
-                          <a:spcPts val="0"/>
-                        </a:spcAft>
-                      </a:pPr>
-                      <a:r>
-                        <a:rPr lang="en-US" sz="1600" b="1" kern="100" dirty="0">
-                          <a:effectLst/>
-                          <a:latin typeface="Times New Roman" pitchFamily="18" charset="0"/>
-                          <a:cs typeface="Times New Roman" pitchFamily="18" charset="0"/>
-                        </a:rPr>
-                        <a:t>0</a:t>
-                      </a:r>
-                      <a:endParaRPr lang="zh-CN" sz="1600" b="1" kern="100" dirty="0">
-                        <a:effectLst/>
-                        <a:latin typeface="Times New Roman" pitchFamily="18" charset="0"/>
-                        <a:ea typeface="宋体"/>
-                        <a:cs typeface="Times New Roman" pitchFamily="18" charset="0"/>
-                      </a:endParaRPr>
-                    </a:p>
-                  </a:txBody>
-                  <a:tcPr marL="68581" marR="68581" marT="0" marB="0" anchor="ctr"/>
-                </a:tc>
-                <a:tc>
-                  <a:txBody>
-                    <a:bodyPr/>
-                    <a:lstStyle/>
-                    <a:p>
-                      <a:pPr algn="ctr">
-                        <a:spcAft>
-                          <a:spcPts val="0"/>
-                        </a:spcAft>
-                      </a:pPr>
-                      <a:r>
-                        <a:rPr lang="en-US" sz="1600" b="1" kern="100" dirty="0" smtClean="0">
-                          <a:effectLst/>
-                          <a:latin typeface="Times New Roman" pitchFamily="18" charset="0"/>
-                          <a:cs typeface="Times New Roman" pitchFamily="18" charset="0"/>
-                        </a:rPr>
-                        <a:t>1</a:t>
-                      </a:r>
-                      <a:endParaRPr lang="zh-CN" sz="1600" b="1" kern="100" dirty="0">
-                        <a:effectLst/>
-                        <a:latin typeface="Times New Roman" pitchFamily="18" charset="0"/>
-                        <a:ea typeface="宋体"/>
-                        <a:cs typeface="Times New Roman" pitchFamily="18" charset="0"/>
-                      </a:endParaRPr>
-                    </a:p>
-                  </a:txBody>
-                  <a:tcPr marL="68581" marR="68581" marT="0" marB="0" anchor="ctr"/>
-                </a:tc>
-                <a:tc>
-                  <a:txBody>
-                    <a:bodyPr/>
-                    <a:lstStyle/>
-                    <a:p>
-                      <a:pPr algn="ctr">
-                        <a:spcAft>
-                          <a:spcPts val="0"/>
-                        </a:spcAft>
-                      </a:pPr>
-                      <a:r>
-                        <a:rPr lang="en-US" sz="1600" b="1" kern="100">
-                          <a:effectLst/>
-                          <a:latin typeface="Times New Roman" pitchFamily="18" charset="0"/>
-                          <a:cs typeface="Times New Roman" pitchFamily="18" charset="0"/>
-                        </a:rPr>
-                        <a:t>2</a:t>
-                      </a:r>
-                      <a:endParaRPr lang="zh-CN" sz="1600" b="1" kern="100">
-                        <a:effectLst/>
-                        <a:latin typeface="Times New Roman" pitchFamily="18" charset="0"/>
-                        <a:ea typeface="宋体"/>
-                        <a:cs typeface="Times New Roman" pitchFamily="18" charset="0"/>
-                      </a:endParaRPr>
-                    </a:p>
-                  </a:txBody>
-                  <a:tcPr marL="68581" marR="68581" marT="0" marB="0" anchor="ctr"/>
-                </a:tc>
-                <a:tc>
-                  <a:txBody>
-                    <a:bodyPr/>
-                    <a:lstStyle/>
-                    <a:p>
-                      <a:pPr algn="ctr">
-                        <a:spcAft>
-                          <a:spcPts val="0"/>
-                        </a:spcAft>
-                      </a:pPr>
-                      <a:r>
-                        <a:rPr lang="en-US" sz="1600" b="1" kern="100">
-                          <a:effectLst/>
-                          <a:latin typeface="Times New Roman" pitchFamily="18" charset="0"/>
-                          <a:cs typeface="Times New Roman" pitchFamily="18" charset="0"/>
-                        </a:rPr>
-                        <a:t>3</a:t>
-                      </a:r>
-                      <a:endParaRPr lang="zh-CN" sz="1600" b="1" kern="100">
-                        <a:effectLst/>
-                        <a:latin typeface="Times New Roman" pitchFamily="18" charset="0"/>
-                        <a:ea typeface="宋体"/>
-                        <a:cs typeface="Times New Roman" pitchFamily="18" charset="0"/>
-                      </a:endParaRPr>
-                    </a:p>
-                  </a:txBody>
-                  <a:tcPr marL="68581" marR="68581" marT="0" marB="0" anchor="ctr"/>
-                </a:tc>
-                <a:tc>
-                  <a:txBody>
-                    <a:bodyPr/>
-                    <a:lstStyle/>
-                    <a:p>
-                      <a:pPr algn="ctr">
-                        <a:spcAft>
-                          <a:spcPts val="0"/>
-                        </a:spcAft>
-                      </a:pPr>
-                      <a:r>
-                        <a:rPr lang="en-US" sz="1600" b="1" kern="100">
-                          <a:effectLst/>
-                          <a:latin typeface="Times New Roman" pitchFamily="18" charset="0"/>
-                          <a:cs typeface="Times New Roman" pitchFamily="18" charset="0"/>
-                        </a:rPr>
-                        <a:t>4</a:t>
-                      </a:r>
-                      <a:endParaRPr lang="zh-CN" sz="1600" b="1" kern="100">
-                        <a:effectLst/>
-                        <a:latin typeface="Times New Roman" pitchFamily="18" charset="0"/>
-                        <a:ea typeface="宋体"/>
-                        <a:cs typeface="Times New Roman" pitchFamily="18" charset="0"/>
-                      </a:endParaRPr>
-                    </a:p>
-                  </a:txBody>
-                  <a:tcPr marL="68581" marR="68581" marT="0" marB="0" anchor="ctr"/>
-                </a:tc>
-                <a:tc>
-                  <a:txBody>
-                    <a:bodyPr/>
-                    <a:lstStyle/>
-                    <a:p>
-                      <a:pPr algn="ctr">
-                        <a:spcAft>
-                          <a:spcPts val="0"/>
-                        </a:spcAft>
-                      </a:pPr>
-                      <a:r>
-                        <a:rPr lang="en-US" sz="1600" b="1" kern="100">
-                          <a:effectLst/>
-                          <a:latin typeface="Times New Roman" pitchFamily="18" charset="0"/>
-                          <a:cs typeface="Times New Roman" pitchFamily="18" charset="0"/>
-                        </a:rPr>
-                        <a:t>5</a:t>
-                      </a:r>
-                      <a:endParaRPr lang="zh-CN" sz="1600" b="1" kern="100">
-                        <a:effectLst/>
-                        <a:latin typeface="Times New Roman" pitchFamily="18" charset="0"/>
-                        <a:ea typeface="宋体"/>
-                        <a:cs typeface="Times New Roman" pitchFamily="18" charset="0"/>
-                      </a:endParaRPr>
-                    </a:p>
-                  </a:txBody>
-                  <a:tcPr marL="68581" marR="68581" marT="0" marB="0" anchor="ctr"/>
-                </a:tc>
-              </a:tr>
-              <a:tr h="395830">
-                <a:tc>
-                  <a:txBody>
-                    <a:bodyPr/>
-                    <a:lstStyle/>
-                    <a:p>
-                      <a:pPr algn="ctr">
-                        <a:spcAft>
-                          <a:spcPts val="0"/>
-                        </a:spcAft>
-                      </a:pPr>
-                      <a:r>
-                        <a:rPr lang="en-US" sz="1600" b="1" kern="100" smtClean="0">
-                          <a:effectLst/>
-                          <a:latin typeface="Times New Roman" pitchFamily="18" charset="0"/>
-                          <a:cs typeface="Times New Roman" pitchFamily="18" charset="0"/>
-                        </a:rPr>
-                        <a:t>1</a:t>
-                      </a:r>
-                      <a:endParaRPr lang="zh-CN" sz="1600" b="1" kern="100" dirty="0">
-                        <a:effectLst/>
-                        <a:latin typeface="Times New Roman" pitchFamily="18" charset="0"/>
-                        <a:ea typeface="宋体"/>
-                        <a:cs typeface="Times New Roman" pitchFamily="18" charset="0"/>
-                      </a:endParaRPr>
-                    </a:p>
-                  </a:txBody>
-                  <a:tcPr marL="68581" marR="68581" marT="0" marB="0" anchor="ctr"/>
-                </a:tc>
-                <a:tc>
-                  <a:txBody>
-                    <a:bodyPr/>
-                    <a:lstStyle/>
-                    <a:p>
-                      <a:pPr algn="ctr">
-                        <a:spcAft>
-                          <a:spcPts val="0"/>
-                        </a:spcAft>
-                      </a:pPr>
-                      <a:r>
-                        <a:rPr lang="en-US" sz="1600" b="1" kern="100" dirty="0">
-                          <a:effectLst/>
-                          <a:latin typeface="Times New Roman" pitchFamily="18" charset="0"/>
-                          <a:cs typeface="Times New Roman" pitchFamily="18" charset="0"/>
-                        </a:rPr>
-                        <a:t>0</a:t>
-                      </a:r>
-                      <a:endParaRPr lang="zh-CN" sz="1600" b="1" kern="100" dirty="0">
-                        <a:effectLst/>
-                        <a:latin typeface="Times New Roman" pitchFamily="18" charset="0"/>
-                        <a:ea typeface="宋体"/>
-                        <a:cs typeface="Times New Roman" pitchFamily="18" charset="0"/>
-                      </a:endParaRPr>
-                    </a:p>
-                  </a:txBody>
-                  <a:tcPr marL="68581" marR="68581" marT="0" marB="0" anchor="ctr"/>
-                </a:tc>
-                <a:tc>
-                  <a:txBody>
-                    <a:bodyPr/>
-                    <a:lstStyle/>
-                    <a:p>
-                      <a:pPr algn="ctr">
-                        <a:spcAft>
-                          <a:spcPts val="0"/>
-                        </a:spcAft>
-                      </a:pPr>
-                      <a:r>
-                        <a:rPr lang="en-US" sz="1600" b="1" kern="100">
-                          <a:effectLst/>
-                          <a:latin typeface="Times New Roman" pitchFamily="18" charset="0"/>
-                          <a:cs typeface="Times New Roman" pitchFamily="18" charset="0"/>
-                        </a:rPr>
-                        <a:t>0</a:t>
-                      </a:r>
-                      <a:endParaRPr lang="zh-CN" sz="1600" b="1" kern="100">
-                        <a:effectLst/>
-                        <a:latin typeface="Times New Roman" pitchFamily="18" charset="0"/>
-                        <a:ea typeface="宋体"/>
-                        <a:cs typeface="Times New Roman" pitchFamily="18" charset="0"/>
-                      </a:endParaRPr>
-                    </a:p>
-                  </a:txBody>
-                  <a:tcPr marL="68581" marR="68581" marT="0" marB="0" anchor="ctr"/>
-                </a:tc>
-                <a:tc>
-                  <a:txBody>
-                    <a:bodyPr/>
-                    <a:lstStyle/>
-                    <a:p>
-                      <a:pPr algn="ctr">
-                        <a:spcAft>
-                          <a:spcPts val="0"/>
-                        </a:spcAft>
-                      </a:pPr>
-                      <a:r>
-                        <a:rPr lang="en-US" sz="1600" b="1" kern="100">
-                          <a:effectLst/>
-                          <a:latin typeface="Times New Roman" pitchFamily="18" charset="0"/>
-                          <a:cs typeface="Times New Roman" pitchFamily="18" charset="0"/>
-                        </a:rPr>
-                        <a:t>0</a:t>
-                      </a:r>
-                      <a:endParaRPr lang="zh-CN" sz="1600" b="1" kern="100">
-                        <a:effectLst/>
-                        <a:latin typeface="Times New Roman" pitchFamily="18" charset="0"/>
-                        <a:ea typeface="宋体"/>
-                        <a:cs typeface="Times New Roman" pitchFamily="18" charset="0"/>
-                      </a:endParaRPr>
-                    </a:p>
-                  </a:txBody>
-                  <a:tcPr marL="68581" marR="68581" marT="0" marB="0" anchor="ctr"/>
-                </a:tc>
-                <a:tc>
-                  <a:txBody>
-                    <a:bodyPr/>
-                    <a:lstStyle/>
-                    <a:p>
-                      <a:pPr algn="ctr">
-                        <a:spcAft>
-                          <a:spcPts val="0"/>
-                        </a:spcAft>
-                      </a:pPr>
-                      <a:r>
-                        <a:rPr lang="en-US" sz="1600" b="1" kern="100" dirty="0">
-                          <a:effectLst/>
-                          <a:latin typeface="Times New Roman" pitchFamily="18" charset="0"/>
-                          <a:cs typeface="Times New Roman" pitchFamily="18" charset="0"/>
-                        </a:rPr>
-                        <a:t>0</a:t>
-                      </a:r>
-                      <a:endParaRPr lang="zh-CN" sz="1600" b="1" kern="100" dirty="0">
-                        <a:effectLst/>
-                        <a:latin typeface="Times New Roman" pitchFamily="18" charset="0"/>
-                        <a:ea typeface="宋体"/>
-                        <a:cs typeface="Times New Roman" pitchFamily="18" charset="0"/>
-                      </a:endParaRPr>
-                    </a:p>
-                  </a:txBody>
-                  <a:tcPr marL="68581" marR="68581" marT="0" marB="0" anchor="ctr"/>
-                </a:tc>
-                <a:tc>
-                  <a:txBody>
-                    <a:bodyPr/>
-                    <a:lstStyle/>
-                    <a:p>
-                      <a:pPr algn="ctr">
-                        <a:spcAft>
-                          <a:spcPts val="0"/>
-                        </a:spcAft>
-                      </a:pPr>
-                      <a:r>
-                        <a:rPr lang="en-US" sz="1600" b="1" kern="100">
-                          <a:effectLst/>
-                          <a:latin typeface="Times New Roman" pitchFamily="18" charset="0"/>
-                          <a:cs typeface="Times New Roman" pitchFamily="18" charset="0"/>
-                        </a:rPr>
-                        <a:t>0</a:t>
-                      </a:r>
-                      <a:endParaRPr lang="zh-CN" sz="1600" b="1" kern="100">
-                        <a:effectLst/>
-                        <a:latin typeface="Times New Roman" pitchFamily="18" charset="0"/>
-                        <a:ea typeface="宋体"/>
-                        <a:cs typeface="Times New Roman" pitchFamily="18" charset="0"/>
-                      </a:endParaRPr>
-                    </a:p>
-                  </a:txBody>
-                  <a:tcPr marL="68581" marR="68581" marT="0" marB="0" anchor="ctr"/>
-                </a:tc>
-                <a:tc>
-                  <a:txBody>
-                    <a:bodyPr/>
-                    <a:lstStyle/>
-                    <a:p>
-                      <a:pPr algn="ctr">
-                        <a:spcAft>
-                          <a:spcPts val="0"/>
-                        </a:spcAft>
-                      </a:pPr>
-                      <a:r>
-                        <a:rPr lang="en-US" sz="1600" b="1" kern="100" dirty="0">
-                          <a:effectLst/>
-                          <a:latin typeface="Times New Roman" pitchFamily="18" charset="0"/>
-                          <a:cs typeface="Times New Roman" pitchFamily="18" charset="0"/>
-                        </a:rPr>
-                        <a:t>37</a:t>
-                      </a:r>
-                      <a:endParaRPr lang="zh-CN" sz="1600" b="1" kern="100" dirty="0">
-                        <a:effectLst/>
-                        <a:latin typeface="Times New Roman" pitchFamily="18" charset="0"/>
-                        <a:ea typeface="宋体"/>
-                        <a:cs typeface="Times New Roman" pitchFamily="18" charset="0"/>
-                      </a:endParaRPr>
-                    </a:p>
-                  </a:txBody>
-                  <a:tcPr marL="68581" marR="68581" marT="0" marB="0" anchor="ctr">
-                    <a:solidFill>
-                      <a:srgbClr val="92D050"/>
-                    </a:solidFill>
-                  </a:tcPr>
-                </a:tc>
-              </a:tr>
-              <a:tr h="395830">
-                <a:tc>
-                  <a:txBody>
-                    <a:bodyPr/>
-                    <a:lstStyle/>
-                    <a:p>
-                      <a:pPr algn="ctr">
-                        <a:spcAft>
-                          <a:spcPts val="0"/>
-                        </a:spcAft>
-                      </a:pPr>
-                      <a:r>
-                        <a:rPr lang="en-US" sz="1600" b="1" kern="100">
-                          <a:effectLst/>
-                          <a:latin typeface="Times New Roman" pitchFamily="18" charset="0"/>
-                          <a:cs typeface="Times New Roman" pitchFamily="18" charset="0"/>
-                        </a:rPr>
-                        <a:t>2</a:t>
-                      </a:r>
-                      <a:endParaRPr lang="zh-CN" sz="1600" b="1" kern="100">
-                        <a:effectLst/>
-                        <a:latin typeface="Times New Roman" pitchFamily="18" charset="0"/>
-                        <a:ea typeface="宋体"/>
-                        <a:cs typeface="Times New Roman" pitchFamily="18" charset="0"/>
-                      </a:endParaRPr>
-                    </a:p>
-                  </a:txBody>
-                  <a:tcPr marL="68581" marR="68581" marT="0" marB="0" anchor="ctr"/>
-                </a:tc>
-                <a:tc>
-                  <a:txBody>
-                    <a:bodyPr/>
-                    <a:lstStyle/>
-                    <a:p>
-                      <a:pPr algn="ctr">
-                        <a:spcAft>
-                          <a:spcPts val="0"/>
-                        </a:spcAft>
-                      </a:pPr>
-                      <a:r>
-                        <a:rPr lang="en-US" sz="1600" b="1" kern="100">
-                          <a:effectLst/>
-                          <a:latin typeface="Times New Roman" pitchFamily="18" charset="0"/>
-                          <a:cs typeface="Times New Roman" pitchFamily="18" charset="0"/>
-                        </a:rPr>
-                        <a:t>0</a:t>
-                      </a:r>
-                      <a:endParaRPr lang="zh-CN" sz="1600" b="1" kern="100">
-                        <a:effectLst/>
-                        <a:latin typeface="Times New Roman" pitchFamily="18" charset="0"/>
-                        <a:ea typeface="宋体"/>
-                        <a:cs typeface="Times New Roman" pitchFamily="18" charset="0"/>
-                      </a:endParaRPr>
-                    </a:p>
-                  </a:txBody>
-                  <a:tcPr marL="68581" marR="68581" marT="0" marB="0" anchor="ctr"/>
-                </a:tc>
-                <a:tc>
-                  <a:txBody>
-                    <a:bodyPr/>
-                    <a:lstStyle/>
-                    <a:p>
-                      <a:pPr algn="ctr">
-                        <a:spcAft>
-                          <a:spcPts val="0"/>
-                        </a:spcAft>
-                      </a:pPr>
-                      <a:r>
-                        <a:rPr lang="en-US" sz="1600" b="1" kern="100" smtClean="0">
-                          <a:effectLst/>
-                          <a:latin typeface="Times New Roman" pitchFamily="18" charset="0"/>
-                          <a:cs typeface="Times New Roman" pitchFamily="18" charset="0"/>
-                        </a:rPr>
-                        <a:t>10</a:t>
-                      </a:r>
-                      <a:endParaRPr lang="zh-CN" sz="1600" b="1" kern="100" dirty="0">
-                        <a:effectLst/>
-                        <a:latin typeface="Times New Roman" pitchFamily="18" charset="0"/>
-                        <a:ea typeface="宋体"/>
-                        <a:cs typeface="Times New Roman" pitchFamily="18" charset="0"/>
-                      </a:endParaRPr>
-                    </a:p>
-                  </a:txBody>
-                  <a:tcPr marL="68581" marR="68581" marT="0" marB="0" anchor="ctr"/>
-                </a:tc>
-                <a:tc>
-                  <a:txBody>
-                    <a:bodyPr/>
-                    <a:lstStyle/>
-                    <a:p>
-                      <a:pPr algn="ctr">
-                        <a:spcAft>
-                          <a:spcPts val="0"/>
-                        </a:spcAft>
-                      </a:pPr>
-                      <a:r>
-                        <a:rPr lang="en-US" sz="1600" b="1" kern="100" smtClean="0">
-                          <a:effectLst/>
-                          <a:latin typeface="Times New Roman" pitchFamily="18" charset="0"/>
-                          <a:cs typeface="Times New Roman" pitchFamily="18" charset="0"/>
-                        </a:rPr>
-                        <a:t>15</a:t>
-                      </a:r>
-                      <a:endParaRPr lang="zh-CN" sz="1600" b="1" kern="100" dirty="0">
-                        <a:effectLst/>
-                        <a:latin typeface="Times New Roman" pitchFamily="18" charset="0"/>
-                        <a:ea typeface="宋体"/>
-                        <a:cs typeface="Times New Roman" pitchFamily="18" charset="0"/>
-                      </a:endParaRPr>
-                    </a:p>
-                  </a:txBody>
-                  <a:tcPr marL="68581" marR="68581" marT="0" marB="0" anchor="ctr"/>
-                </a:tc>
-                <a:tc>
-                  <a:txBody>
-                    <a:bodyPr/>
-                    <a:lstStyle/>
-                    <a:p>
-                      <a:pPr algn="ctr">
-                        <a:spcAft>
-                          <a:spcPts val="0"/>
-                        </a:spcAft>
-                      </a:pPr>
-                      <a:r>
-                        <a:rPr lang="en-US" sz="1600" b="1" kern="100">
-                          <a:effectLst/>
-                          <a:latin typeface="Times New Roman" pitchFamily="18" charset="0"/>
-                          <a:cs typeface="Times New Roman" pitchFamily="18" charset="0"/>
-                        </a:rPr>
-                        <a:t>25</a:t>
-                      </a:r>
-                      <a:endParaRPr lang="zh-CN" sz="1600" b="1" kern="100">
-                        <a:effectLst/>
-                        <a:latin typeface="Times New Roman" pitchFamily="18" charset="0"/>
-                        <a:ea typeface="宋体"/>
-                        <a:cs typeface="Times New Roman" pitchFamily="18" charset="0"/>
-                      </a:endParaRPr>
-                    </a:p>
-                  </a:txBody>
-                  <a:tcPr marL="68581" marR="68581" marT="0" marB="0" anchor="ctr"/>
-                </a:tc>
-                <a:tc>
-                  <a:txBody>
-                    <a:bodyPr/>
-                    <a:lstStyle/>
-                    <a:p>
-                      <a:pPr algn="ctr">
-                        <a:spcAft>
-                          <a:spcPts val="0"/>
-                        </a:spcAft>
-                      </a:pPr>
-                      <a:r>
-                        <a:rPr lang="en-US" sz="1600" b="1" kern="100">
-                          <a:effectLst/>
-                          <a:latin typeface="Times New Roman" pitchFamily="18" charset="0"/>
-                          <a:cs typeface="Times New Roman" pitchFamily="18" charset="0"/>
-                        </a:rPr>
-                        <a:t>30</a:t>
-                      </a:r>
-                      <a:endParaRPr lang="zh-CN" sz="1600" b="1" kern="100">
-                        <a:effectLst/>
-                        <a:latin typeface="Times New Roman" pitchFamily="18" charset="0"/>
-                        <a:ea typeface="宋体"/>
-                        <a:cs typeface="Times New Roman" pitchFamily="18" charset="0"/>
-                      </a:endParaRPr>
-                    </a:p>
-                  </a:txBody>
-                  <a:tcPr marL="68581" marR="68581" marT="0" marB="0" anchor="ctr"/>
-                </a:tc>
-                <a:tc>
-                  <a:txBody>
-                    <a:bodyPr/>
-                    <a:lstStyle/>
-                    <a:p>
-                      <a:pPr algn="ctr">
-                        <a:spcAft>
-                          <a:spcPts val="0"/>
-                        </a:spcAft>
-                      </a:pPr>
-                      <a:r>
-                        <a:rPr lang="en-US" sz="1600" b="1" kern="100">
-                          <a:effectLst/>
-                          <a:latin typeface="Times New Roman" pitchFamily="18" charset="0"/>
-                          <a:cs typeface="Times New Roman" pitchFamily="18" charset="0"/>
-                        </a:rPr>
-                        <a:t>35</a:t>
-                      </a:r>
-                      <a:endParaRPr lang="zh-CN" sz="1600" b="1" kern="100">
-                        <a:effectLst/>
-                        <a:latin typeface="Times New Roman" pitchFamily="18" charset="0"/>
-                        <a:ea typeface="宋体"/>
-                        <a:cs typeface="Times New Roman" pitchFamily="18" charset="0"/>
-                      </a:endParaRPr>
-                    </a:p>
-                  </a:txBody>
-                  <a:tcPr marL="68581" marR="68581" marT="0" marB="0" anchor="ctr"/>
-                </a:tc>
-              </a:tr>
-              <a:tr h="395830">
-                <a:tc>
-                  <a:txBody>
-                    <a:bodyPr/>
-                    <a:lstStyle/>
-                    <a:p>
-                      <a:pPr algn="ctr">
-                        <a:spcAft>
-                          <a:spcPts val="0"/>
-                        </a:spcAft>
-                      </a:pPr>
-                      <a:r>
-                        <a:rPr lang="en-US" sz="1600" b="1" kern="100">
-                          <a:effectLst/>
-                          <a:latin typeface="Times New Roman" pitchFamily="18" charset="0"/>
-                          <a:cs typeface="Times New Roman" pitchFamily="18" charset="0"/>
-                        </a:rPr>
-                        <a:t>3</a:t>
-                      </a:r>
-                      <a:endParaRPr lang="zh-CN" sz="1600" b="1" kern="100">
-                        <a:effectLst/>
-                        <a:latin typeface="Times New Roman" pitchFamily="18" charset="0"/>
-                        <a:ea typeface="宋体"/>
-                        <a:cs typeface="Times New Roman" pitchFamily="18" charset="0"/>
-                      </a:endParaRPr>
-                    </a:p>
-                  </a:txBody>
-                  <a:tcPr marL="68581" marR="68581" marT="0" marB="0" anchor="ctr"/>
-                </a:tc>
-                <a:tc>
-                  <a:txBody>
-                    <a:bodyPr/>
-                    <a:lstStyle/>
-                    <a:p>
-                      <a:pPr algn="ctr">
-                        <a:spcAft>
-                          <a:spcPts val="0"/>
-                        </a:spcAft>
-                      </a:pPr>
-                      <a:r>
-                        <a:rPr lang="en-US" sz="1600" b="1" kern="100">
-                          <a:effectLst/>
-                          <a:latin typeface="Times New Roman" pitchFamily="18" charset="0"/>
-                          <a:cs typeface="Times New Roman" pitchFamily="18" charset="0"/>
-                        </a:rPr>
-                        <a:t>0</a:t>
-                      </a:r>
-                      <a:endParaRPr lang="zh-CN" sz="1600" b="1" kern="100">
-                        <a:effectLst/>
-                        <a:latin typeface="Times New Roman" pitchFamily="18" charset="0"/>
-                        <a:ea typeface="宋体"/>
-                        <a:cs typeface="Times New Roman" pitchFamily="18" charset="0"/>
-                      </a:endParaRPr>
-                    </a:p>
-                  </a:txBody>
-                  <a:tcPr marL="68581" marR="68581" marT="0" marB="0" anchor="ctr"/>
-                </a:tc>
-                <a:tc>
-                  <a:txBody>
-                    <a:bodyPr/>
-                    <a:lstStyle/>
-                    <a:p>
-                      <a:pPr algn="ctr">
-                        <a:spcAft>
-                          <a:spcPts val="0"/>
-                        </a:spcAft>
-                      </a:pPr>
-                      <a:r>
-                        <a:rPr lang="en-US" sz="1600" b="1" kern="100">
-                          <a:effectLst/>
-                          <a:latin typeface="Times New Roman" pitchFamily="18" charset="0"/>
-                          <a:cs typeface="Times New Roman" pitchFamily="18" charset="0"/>
-                        </a:rPr>
-                        <a:t>0</a:t>
-                      </a:r>
-                      <a:endParaRPr lang="zh-CN" sz="1600" b="1" kern="100">
-                        <a:effectLst/>
-                        <a:latin typeface="Times New Roman" pitchFamily="18" charset="0"/>
-                        <a:ea typeface="宋体"/>
-                        <a:cs typeface="Times New Roman" pitchFamily="18" charset="0"/>
-                      </a:endParaRPr>
-                    </a:p>
-                  </a:txBody>
-                  <a:tcPr marL="68581" marR="68581" marT="0" marB="0" anchor="ctr"/>
-                </a:tc>
-                <a:tc>
-                  <a:txBody>
-                    <a:bodyPr/>
-                    <a:lstStyle/>
-                    <a:p>
-                      <a:pPr algn="ctr">
-                        <a:spcAft>
-                          <a:spcPts val="0"/>
-                        </a:spcAft>
-                      </a:pPr>
-                      <a:r>
-                        <a:rPr lang="en-US" sz="1600" b="1" kern="100" smtClean="0">
-                          <a:effectLst/>
-                          <a:latin typeface="Times New Roman" pitchFamily="18" charset="0"/>
-                          <a:cs typeface="Times New Roman" pitchFamily="18" charset="0"/>
-                        </a:rPr>
-                        <a:t>15</a:t>
-                      </a:r>
-                      <a:endParaRPr lang="zh-CN" sz="1600" b="1" kern="100" dirty="0">
-                        <a:effectLst/>
-                        <a:latin typeface="Times New Roman" pitchFamily="18" charset="0"/>
-                        <a:ea typeface="宋体"/>
-                        <a:cs typeface="Times New Roman" pitchFamily="18" charset="0"/>
-                      </a:endParaRPr>
-                    </a:p>
-                  </a:txBody>
-                  <a:tcPr marL="68581" marR="68581" marT="0" marB="0" anchor="ctr"/>
-                </a:tc>
-                <a:tc>
-                  <a:txBody>
-                    <a:bodyPr/>
-                    <a:lstStyle/>
-                    <a:p>
-                      <a:pPr algn="ctr">
-                        <a:spcAft>
-                          <a:spcPts val="0"/>
-                        </a:spcAft>
-                      </a:pPr>
-                      <a:r>
-                        <a:rPr lang="en-US" sz="1600" b="1" kern="100">
-                          <a:effectLst/>
-                          <a:latin typeface="Times New Roman" pitchFamily="18" charset="0"/>
-                          <a:cs typeface="Times New Roman" pitchFamily="18" charset="0"/>
-                        </a:rPr>
-                        <a:t>20</a:t>
-                      </a:r>
-                      <a:endParaRPr lang="zh-CN" sz="1600" b="1" kern="100">
-                        <a:effectLst/>
-                        <a:latin typeface="Times New Roman" pitchFamily="18" charset="0"/>
-                        <a:ea typeface="宋体"/>
-                        <a:cs typeface="Times New Roman" pitchFamily="18" charset="0"/>
-                      </a:endParaRPr>
-                    </a:p>
-                  </a:txBody>
-                  <a:tcPr marL="68581" marR="68581" marT="0" marB="0" anchor="ctr"/>
-                </a:tc>
-                <a:tc>
-                  <a:txBody>
-                    <a:bodyPr/>
-                    <a:lstStyle/>
-                    <a:p>
-                      <a:pPr algn="ctr">
-                        <a:spcAft>
-                          <a:spcPts val="0"/>
-                        </a:spcAft>
-                      </a:pPr>
-                      <a:r>
-                        <a:rPr lang="en-US" sz="1600" b="1" kern="100">
-                          <a:effectLst/>
-                          <a:latin typeface="Times New Roman" pitchFamily="18" charset="0"/>
-                          <a:cs typeface="Times New Roman" pitchFamily="18" charset="0"/>
-                        </a:rPr>
-                        <a:t>20</a:t>
-                      </a:r>
-                      <a:endParaRPr lang="zh-CN" sz="1600" b="1" kern="100">
-                        <a:effectLst/>
-                        <a:latin typeface="Times New Roman" pitchFamily="18" charset="0"/>
-                        <a:ea typeface="宋体"/>
-                        <a:cs typeface="Times New Roman" pitchFamily="18" charset="0"/>
-                      </a:endParaRPr>
-                    </a:p>
-                  </a:txBody>
-                  <a:tcPr marL="68581" marR="68581" marT="0" marB="0" anchor="ctr"/>
-                </a:tc>
-                <a:tc>
-                  <a:txBody>
-                    <a:bodyPr/>
-                    <a:lstStyle/>
-                    <a:p>
-                      <a:pPr algn="ctr">
-                        <a:spcAft>
-                          <a:spcPts val="0"/>
-                        </a:spcAft>
-                      </a:pPr>
-                      <a:r>
-                        <a:rPr lang="en-US" sz="1600" b="1" kern="100">
-                          <a:effectLst/>
-                          <a:latin typeface="Times New Roman" pitchFamily="18" charset="0"/>
-                          <a:cs typeface="Times New Roman" pitchFamily="18" charset="0"/>
-                        </a:rPr>
-                        <a:t>35</a:t>
-                      </a:r>
-                      <a:endParaRPr lang="zh-CN" sz="1600" b="1" kern="100">
-                        <a:effectLst/>
-                        <a:latin typeface="Times New Roman" pitchFamily="18" charset="0"/>
-                        <a:ea typeface="宋体"/>
-                        <a:cs typeface="Times New Roman" pitchFamily="18" charset="0"/>
-                      </a:endParaRPr>
-                    </a:p>
-                  </a:txBody>
-                  <a:tcPr marL="68581" marR="68581" marT="0" marB="0" anchor="ctr"/>
-                </a:tc>
-              </a:tr>
-              <a:tr h="395830">
-                <a:tc>
-                  <a:txBody>
-                    <a:bodyPr/>
-                    <a:lstStyle/>
-                    <a:p>
-                      <a:pPr algn="ctr">
-                        <a:spcAft>
-                          <a:spcPts val="0"/>
-                        </a:spcAft>
-                      </a:pPr>
-                      <a:r>
-                        <a:rPr lang="en-US" sz="1600" b="1" kern="100" dirty="0">
-                          <a:effectLst/>
-                          <a:latin typeface="Times New Roman" pitchFamily="18" charset="0"/>
-                          <a:cs typeface="Times New Roman" pitchFamily="18" charset="0"/>
-                        </a:rPr>
-                        <a:t>4</a:t>
-                      </a:r>
-                      <a:endParaRPr lang="zh-CN" sz="1600" b="1" kern="100" dirty="0">
-                        <a:effectLst/>
-                        <a:latin typeface="Times New Roman" pitchFamily="18" charset="0"/>
-                        <a:ea typeface="宋体"/>
-                        <a:cs typeface="Times New Roman" pitchFamily="18" charset="0"/>
-                      </a:endParaRPr>
-                    </a:p>
-                  </a:txBody>
-                  <a:tcPr marL="68581" marR="68581" marT="0" marB="0" anchor="ctr"/>
-                </a:tc>
-                <a:tc>
-                  <a:txBody>
-                    <a:bodyPr/>
-                    <a:lstStyle/>
-                    <a:p>
-                      <a:pPr algn="ctr">
-                        <a:spcAft>
-                          <a:spcPts val="0"/>
-                        </a:spcAft>
-                      </a:pPr>
-                      <a:r>
-                        <a:rPr lang="en-US" sz="1600" b="1" kern="100" dirty="0">
-                          <a:effectLst/>
-                          <a:latin typeface="Times New Roman" pitchFamily="18" charset="0"/>
-                          <a:cs typeface="Times New Roman" pitchFamily="18" charset="0"/>
-                        </a:rPr>
-                        <a:t>0</a:t>
-                      </a:r>
-                      <a:endParaRPr lang="zh-CN" sz="1600" b="1" kern="100" dirty="0">
-                        <a:effectLst/>
-                        <a:latin typeface="Times New Roman" pitchFamily="18" charset="0"/>
-                        <a:ea typeface="宋体"/>
-                        <a:cs typeface="Times New Roman" pitchFamily="18" charset="0"/>
-                      </a:endParaRPr>
-                    </a:p>
-                  </a:txBody>
-                  <a:tcPr marL="68581" marR="68581" marT="0" marB="0" anchor="ctr"/>
-                </a:tc>
-                <a:tc>
-                  <a:txBody>
-                    <a:bodyPr/>
-                    <a:lstStyle/>
-                    <a:p>
-                      <a:pPr algn="ctr">
-                        <a:spcAft>
-                          <a:spcPts val="0"/>
-                        </a:spcAft>
-                      </a:pPr>
-                      <a:r>
-                        <a:rPr lang="en-US" sz="1600" b="1" kern="100" dirty="0">
-                          <a:effectLst/>
-                          <a:latin typeface="Times New Roman" pitchFamily="18" charset="0"/>
-                          <a:cs typeface="Times New Roman" pitchFamily="18" charset="0"/>
-                        </a:rPr>
-                        <a:t>0</a:t>
-                      </a:r>
-                      <a:endParaRPr lang="zh-CN" sz="1600" b="1" kern="100" dirty="0">
-                        <a:effectLst/>
-                        <a:latin typeface="Times New Roman" pitchFamily="18" charset="0"/>
-                        <a:ea typeface="宋体"/>
-                        <a:cs typeface="Times New Roman" pitchFamily="18" charset="0"/>
-                      </a:endParaRPr>
-                    </a:p>
-                  </a:txBody>
-                  <a:tcPr marL="68581" marR="68581" marT="0" marB="0" anchor="ctr"/>
-                </a:tc>
-                <a:tc>
-                  <a:txBody>
-                    <a:bodyPr/>
-                    <a:lstStyle/>
-                    <a:p>
-                      <a:pPr algn="ctr">
-                        <a:spcAft>
-                          <a:spcPts val="0"/>
-                        </a:spcAft>
-                      </a:pPr>
-                      <a:r>
-                        <a:rPr lang="en-US" sz="1600" b="1" kern="100" dirty="0" smtClean="0">
-                          <a:effectLst/>
-                          <a:latin typeface="Times New Roman" pitchFamily="18" charset="0"/>
-                          <a:cs typeface="Times New Roman" pitchFamily="18" charset="0"/>
-                        </a:rPr>
-                        <a:t>15</a:t>
-                      </a:r>
-                      <a:endParaRPr lang="zh-CN" sz="1600" b="1" kern="100" dirty="0">
-                        <a:effectLst/>
-                        <a:latin typeface="Times New Roman" pitchFamily="18" charset="0"/>
-                        <a:ea typeface="宋体"/>
-                        <a:cs typeface="Times New Roman" pitchFamily="18" charset="0"/>
-                      </a:endParaRPr>
-                    </a:p>
-                  </a:txBody>
-                  <a:tcPr marL="68581" marR="68581" marT="0" marB="0" anchor="ctr"/>
-                </a:tc>
-                <a:tc>
-                  <a:txBody>
-                    <a:bodyPr/>
-                    <a:lstStyle/>
-                    <a:p>
-                      <a:pPr algn="ctr">
-                        <a:spcAft>
-                          <a:spcPts val="0"/>
-                        </a:spcAft>
-                      </a:pPr>
-                      <a:r>
-                        <a:rPr lang="en-US" sz="1600" b="1" kern="100" smtClean="0">
-                          <a:effectLst/>
-                          <a:latin typeface="Times New Roman" pitchFamily="18" charset="0"/>
-                          <a:cs typeface="Times New Roman" pitchFamily="18" charset="0"/>
-                        </a:rPr>
-                        <a:t>15</a:t>
-                      </a:r>
-                      <a:endParaRPr lang="zh-CN" sz="1600" b="1" kern="100" dirty="0">
-                        <a:effectLst/>
-                        <a:latin typeface="Times New Roman" pitchFamily="18" charset="0"/>
-                        <a:ea typeface="宋体"/>
-                        <a:cs typeface="Times New Roman" pitchFamily="18" charset="0"/>
-                      </a:endParaRPr>
-                    </a:p>
-                  </a:txBody>
-                  <a:tcPr marL="68581" marR="68581" marT="0" marB="0" anchor="ctr"/>
-                </a:tc>
-                <a:tc>
-                  <a:txBody>
-                    <a:bodyPr/>
-                    <a:lstStyle/>
-                    <a:p>
-                      <a:pPr algn="ctr">
-                        <a:spcAft>
-                          <a:spcPts val="0"/>
-                        </a:spcAft>
-                      </a:pPr>
-                      <a:r>
-                        <a:rPr lang="en-US" sz="1600" b="1" kern="100" dirty="0" smtClean="0">
-                          <a:effectLst/>
-                          <a:latin typeface="Times New Roman" pitchFamily="18" charset="0"/>
-                          <a:cs typeface="Times New Roman" pitchFamily="18" charset="0"/>
-                        </a:rPr>
-                        <a:t>15</a:t>
-                      </a:r>
-                      <a:endParaRPr lang="zh-CN" sz="1600" b="1" kern="100" dirty="0">
-                        <a:effectLst/>
-                        <a:latin typeface="Times New Roman" pitchFamily="18" charset="0"/>
-                        <a:ea typeface="宋体"/>
-                        <a:cs typeface="Times New Roman" pitchFamily="18" charset="0"/>
-                      </a:endParaRPr>
-                    </a:p>
-                  </a:txBody>
-                  <a:tcPr marL="68581" marR="68581" marT="0" marB="0" anchor="ctr"/>
-                </a:tc>
-                <a:tc>
-                  <a:txBody>
-                    <a:bodyPr/>
-                    <a:lstStyle/>
-                    <a:p>
-                      <a:pPr algn="ctr">
-                        <a:spcAft>
-                          <a:spcPts val="0"/>
-                        </a:spcAft>
-                      </a:pPr>
-                      <a:r>
-                        <a:rPr lang="en-US" sz="1600" b="1" kern="100" dirty="0" smtClean="0">
-                          <a:effectLst/>
-                          <a:latin typeface="Times New Roman" pitchFamily="18" charset="0"/>
-                          <a:cs typeface="Times New Roman" pitchFamily="18" charset="0"/>
-                        </a:rPr>
-                        <a:t>15</a:t>
-                      </a:r>
-                      <a:endParaRPr lang="zh-CN" sz="1600" b="1" kern="100" dirty="0">
-                        <a:effectLst/>
-                        <a:latin typeface="Times New Roman" pitchFamily="18" charset="0"/>
-                        <a:ea typeface="宋体"/>
-                        <a:cs typeface="Times New Roman" pitchFamily="18" charset="0"/>
-                      </a:endParaRPr>
-                    </a:p>
-                  </a:txBody>
-                  <a:tcPr marL="68581" marR="68581" marT="0" marB="0" anchor="ctr"/>
-                </a:tc>
-              </a:tr>
-            </a:tbl>
-          </a:graphicData>
-        </a:graphic>
-      </p:graphicFrame>
-      <p:sp>
-        <p:nvSpPr>
-          <p:cNvPr id="10" name="Text Box 203"/>
-          <p:cNvSpPr txBox="1">
-            <a:spLocks noChangeArrowheads="1"/>
-          </p:cNvSpPr>
-          <p:nvPr/>
-        </p:nvSpPr>
-        <p:spPr bwMode="auto">
-          <a:xfrm>
-            <a:off x="4860032" y="2316756"/>
-            <a:ext cx="4165600" cy="1754187"/>
-          </a:xfrm>
-          <a:prstGeom prst="rect">
-            <a:avLst/>
-          </a:prstGeom>
-          <a:noFill/>
-          <a:ln>
-            <a:noFill/>
-          </a:ln>
-          <a:effectLst/>
-          <a:extLst>
-            <a:ext uri="{909E8E84-426E-40DD-AFC4-6F175D3DCCD1}">
-              <a14:hiddenFill xmlns:a14="http://schemas.microsoft.com/office/drawing/2010/main">
-                <a:solidFill>
-                  <a:schemeClr val="accent1"/>
-                </a:solidFill>
-              </a14:hiddenFill>
-            </a:ext>
-            <a:ext uri="{91240B29-F687-4F45-9708-019B960494DF}">
-              <a14:hiddenLine xmlns:a14="http://schemas.microsoft.com/office/drawing/2010/main" w="6350">
-                <a:solidFill>
-                  <a:schemeClr val="tx1"/>
-                </a:solidFill>
-                <a:miter lim="800000"/>
-                <a:headEnd/>
-                <a:tailEnd/>
-              </a14:hiddenLine>
-            </a:ext>
-            <a:ext uri="{AF507438-7753-43E0-B8FC-AC1667EBCBE1}">
-              <a14:hiddenEffects xmlns:a14="http://schemas.microsoft.com/office/drawing/2010/main">
-                <a:effectLst>
-                  <a:outerShdw dist="107763" dir="18900000" algn="ctr" rotWithShape="0">
-                    <a:schemeClr val="bg2"/>
-                  </a:outerShdw>
-                </a:effectLst>
-              </a14:hiddenEffects>
-            </a:ext>
-          </a:extLst>
-        </p:spPr>
-        <p:txBody>
-          <a:bodyPr wrap="none">
-            <a:spAutoFit/>
-          </a:bodyPr>
-          <a:lstStyle>
-            <a:lvl1pPr eaLnBrk="0" hangingPunct="0">
-              <a:defRPr>
-                <a:solidFill>
-                  <a:schemeClr val="tx1"/>
-                </a:solidFill>
-                <a:latin typeface="Century Schoolbook" pitchFamily="18" charset="0"/>
-                <a:ea typeface="宋体" panose="02010600030101010101" pitchFamily="2" charset="-122"/>
-              </a:defRPr>
-            </a:lvl1pPr>
-            <a:lvl2pPr marL="742950" indent="-285750" eaLnBrk="0" hangingPunct="0">
-              <a:defRPr>
-                <a:solidFill>
-                  <a:schemeClr val="tx1"/>
-                </a:solidFill>
-                <a:latin typeface="Century Schoolbook" pitchFamily="18" charset="0"/>
-                <a:ea typeface="宋体" panose="02010600030101010101" pitchFamily="2" charset="-122"/>
-              </a:defRPr>
-            </a:lvl2pPr>
-            <a:lvl3pPr marL="1143000" indent="-228600" eaLnBrk="0" hangingPunct="0">
-              <a:defRPr>
-                <a:solidFill>
-                  <a:schemeClr val="tx1"/>
-                </a:solidFill>
-                <a:latin typeface="Century Schoolbook" pitchFamily="18" charset="0"/>
-                <a:ea typeface="宋体" panose="02010600030101010101" pitchFamily="2" charset="-122"/>
-              </a:defRPr>
-            </a:lvl3pPr>
-            <a:lvl4pPr marL="1600200" indent="-228600" eaLnBrk="0" hangingPunct="0">
-              <a:defRPr>
-                <a:solidFill>
-                  <a:schemeClr val="tx1"/>
-                </a:solidFill>
-                <a:latin typeface="Century Schoolbook" pitchFamily="18" charset="0"/>
-                <a:ea typeface="宋体" panose="02010600030101010101" pitchFamily="2" charset="-122"/>
-              </a:defRPr>
-            </a:lvl4pPr>
-            <a:lvl5pPr marL="2057400" indent="-228600" eaLnBrk="0" hangingPunct="0">
-              <a:defRPr>
-                <a:solidFill>
-                  <a:schemeClr val="tx1"/>
-                </a:solidFill>
-                <a:latin typeface="Century Schoolbook" pitchFamily="18" charset="0"/>
-                <a:ea typeface="宋体" panose="02010600030101010101" pitchFamily="2" charset="-122"/>
-              </a:defRPr>
-            </a:lvl5pPr>
-            <a:lvl6pPr marL="2514600" indent="-228600" eaLnBrk="0" fontAlgn="base" hangingPunct="0">
-              <a:spcBef>
-                <a:spcPct val="0"/>
-              </a:spcBef>
-              <a:spcAft>
-                <a:spcPct val="0"/>
-              </a:spcAft>
-              <a:defRPr>
-                <a:solidFill>
-                  <a:schemeClr val="tx1"/>
-                </a:solidFill>
-                <a:latin typeface="Century Schoolbook" pitchFamily="18" charset="0"/>
-                <a:ea typeface="宋体" panose="02010600030101010101" pitchFamily="2" charset="-122"/>
-              </a:defRPr>
-            </a:lvl6pPr>
-            <a:lvl7pPr marL="2971800" indent="-228600" eaLnBrk="0" fontAlgn="base" hangingPunct="0">
-              <a:spcBef>
-                <a:spcPct val="0"/>
-              </a:spcBef>
-              <a:spcAft>
-                <a:spcPct val="0"/>
-              </a:spcAft>
-              <a:defRPr>
-                <a:solidFill>
-                  <a:schemeClr val="tx1"/>
-                </a:solidFill>
-                <a:latin typeface="Century Schoolbook" pitchFamily="18" charset="0"/>
-                <a:ea typeface="宋体" panose="02010600030101010101" pitchFamily="2" charset="-122"/>
-              </a:defRPr>
-            </a:lvl7pPr>
-            <a:lvl8pPr marL="3429000" indent="-228600" eaLnBrk="0" fontAlgn="base" hangingPunct="0">
-              <a:spcBef>
-                <a:spcPct val="0"/>
-              </a:spcBef>
-              <a:spcAft>
-                <a:spcPct val="0"/>
-              </a:spcAft>
-              <a:defRPr>
-                <a:solidFill>
-                  <a:schemeClr val="tx1"/>
-                </a:solidFill>
-                <a:latin typeface="Century Schoolbook" pitchFamily="18" charset="0"/>
-                <a:ea typeface="宋体" panose="02010600030101010101" pitchFamily="2" charset="-122"/>
-              </a:defRPr>
-            </a:lvl8pPr>
-            <a:lvl9pPr marL="3886200" indent="-228600" eaLnBrk="0" fontAlgn="base" hangingPunct="0">
-              <a:spcBef>
-                <a:spcPct val="0"/>
-              </a:spcBef>
-              <a:spcAft>
-                <a:spcPct val="0"/>
-              </a:spcAft>
-              <a:defRPr>
-                <a:solidFill>
-                  <a:schemeClr val="tx1"/>
-                </a:solidFill>
-                <a:latin typeface="Century Schoolbook" pitchFamily="18" charset="0"/>
-                <a:ea typeface="宋体" panose="02010600030101010101" pitchFamily="2" charset="-122"/>
-              </a:defRPr>
-            </a:lvl9pPr>
-          </a:lstStyle>
-          <a:p>
-            <a:pPr eaLnBrk="1" hangingPunct="1"/>
-            <a:r>
-              <a:rPr lang="en-US" altLang="zh-CN" b="1" dirty="0">
-                <a:latin typeface="Arial" panose="020B0604020202020204" pitchFamily="34" charset="0"/>
-              </a:rPr>
-              <a:t>m[2][1]=</a:t>
-            </a:r>
-            <a:r>
-              <a:rPr lang="en-US" altLang="zh-CN" b="1" dirty="0">
-                <a:solidFill>
-                  <a:srgbClr val="0000CC"/>
-                </a:solidFill>
-                <a:latin typeface="Arial" panose="020B0604020202020204" pitchFamily="34" charset="0"/>
-              </a:rPr>
-              <a:t>max</a:t>
-            </a:r>
-            <a:r>
-              <a:rPr lang="en-US" altLang="zh-CN" b="1" dirty="0">
-                <a:latin typeface="Arial" panose="020B0604020202020204" pitchFamily="34" charset="0"/>
-              </a:rPr>
-              <a:t>(m[3][1],m[3][0]+10)=10;</a:t>
-            </a:r>
-          </a:p>
-          <a:p>
-            <a:pPr eaLnBrk="1" hangingPunct="1"/>
-            <a:r>
-              <a:rPr lang="en-US" altLang="zh-CN" b="1" dirty="0">
-                <a:latin typeface="Arial" panose="020B0604020202020204" pitchFamily="34" charset="0"/>
-              </a:rPr>
-              <a:t>m[2][2]=</a:t>
-            </a:r>
-            <a:r>
-              <a:rPr lang="en-US" altLang="zh-CN" b="1" dirty="0">
-                <a:solidFill>
-                  <a:srgbClr val="0000CC"/>
-                </a:solidFill>
-                <a:latin typeface="Arial" panose="020B0604020202020204" pitchFamily="34" charset="0"/>
-              </a:rPr>
-              <a:t>max</a:t>
-            </a:r>
-            <a:r>
-              <a:rPr lang="en-US" altLang="zh-CN" b="1" dirty="0">
-                <a:latin typeface="Arial" panose="020B0604020202020204" pitchFamily="34" charset="0"/>
-              </a:rPr>
-              <a:t>(m[3][2],m[3][1]+10)=15;</a:t>
-            </a:r>
-          </a:p>
-          <a:p>
-            <a:pPr eaLnBrk="1" hangingPunct="1"/>
-            <a:r>
-              <a:rPr lang="en-US" altLang="zh-CN" b="1" dirty="0">
-                <a:latin typeface="Arial" panose="020B0604020202020204" pitchFamily="34" charset="0"/>
-              </a:rPr>
-              <a:t>m[2][3]=</a:t>
-            </a:r>
-            <a:r>
-              <a:rPr lang="en-US" altLang="zh-CN" b="1" dirty="0">
-                <a:solidFill>
-                  <a:srgbClr val="0000CC"/>
-                </a:solidFill>
-                <a:latin typeface="Arial" panose="020B0604020202020204" pitchFamily="34" charset="0"/>
-              </a:rPr>
-              <a:t>max</a:t>
-            </a:r>
-            <a:r>
-              <a:rPr lang="en-US" altLang="zh-CN" b="1" dirty="0">
-                <a:latin typeface="Arial" panose="020B0604020202020204" pitchFamily="34" charset="0"/>
-              </a:rPr>
-              <a:t>(m[3][3],m[3][2]+10)=25;</a:t>
-            </a:r>
-          </a:p>
-          <a:p>
-            <a:pPr eaLnBrk="1" hangingPunct="1"/>
-            <a:r>
-              <a:rPr lang="en-US" altLang="zh-CN" b="1" dirty="0">
-                <a:latin typeface="Arial" panose="020B0604020202020204" pitchFamily="34" charset="0"/>
-              </a:rPr>
-              <a:t>m[2][4]=</a:t>
-            </a:r>
-            <a:r>
-              <a:rPr lang="en-US" altLang="zh-CN" b="1" dirty="0">
-                <a:solidFill>
-                  <a:srgbClr val="0000CC"/>
-                </a:solidFill>
-                <a:latin typeface="Arial" panose="020B0604020202020204" pitchFamily="34" charset="0"/>
-              </a:rPr>
-              <a:t>max</a:t>
-            </a:r>
-            <a:r>
-              <a:rPr lang="en-US" altLang="zh-CN" b="1" dirty="0">
-                <a:latin typeface="Arial" panose="020B0604020202020204" pitchFamily="34" charset="0"/>
-              </a:rPr>
-              <a:t>(m[3][4],m[3][3]+10)=30;</a:t>
-            </a:r>
-          </a:p>
-          <a:p>
-            <a:pPr eaLnBrk="1" hangingPunct="1"/>
-            <a:r>
-              <a:rPr lang="en-US" altLang="zh-CN" b="1" dirty="0">
-                <a:latin typeface="Arial" panose="020B0604020202020204" pitchFamily="34" charset="0"/>
-              </a:rPr>
-              <a:t>m[2][5]=</a:t>
-            </a:r>
-            <a:r>
-              <a:rPr lang="en-US" altLang="zh-CN" b="1" dirty="0">
-                <a:solidFill>
-                  <a:srgbClr val="0000CC"/>
-                </a:solidFill>
-                <a:latin typeface="Arial" panose="020B0604020202020204" pitchFamily="34" charset="0"/>
-              </a:rPr>
-              <a:t>max</a:t>
-            </a:r>
-            <a:r>
-              <a:rPr lang="en-US" altLang="zh-CN" b="1" dirty="0">
-                <a:latin typeface="Arial" panose="020B0604020202020204" pitchFamily="34" charset="0"/>
-              </a:rPr>
-              <a:t>(m[3][5],m[3][4]+10)=35;</a:t>
-            </a:r>
-          </a:p>
-          <a:p>
-            <a:pPr eaLnBrk="1" hangingPunct="1"/>
-            <a:r>
-              <a:rPr lang="en-US" altLang="zh-CN" b="1" dirty="0">
-                <a:solidFill>
-                  <a:srgbClr val="FF3300"/>
-                </a:solidFill>
-                <a:latin typeface="Arial" panose="020B0604020202020204" pitchFamily="34" charset="0"/>
-              </a:rPr>
-              <a:t>m[1][5]=max(m[2][5],m[2][3]+12)=37;</a:t>
-            </a:r>
-          </a:p>
-        </p:txBody>
-      </p:sp>
-    </p:spTree>
-    <p:extLst>
-      <p:ext uri="{BB962C8B-B14F-4D97-AF65-F5344CB8AC3E}">
-        <p14:creationId xmlns:p14="http://schemas.microsoft.com/office/powerpoint/2010/main" val="4164867994"/>
-      </p:ext>
-    </p:extLst>
-  </p:cSld>
-  <p:clrMapOvr>
-    <a:masterClrMapping/>
-  </p:clrMapOvr>
-  <p:timing>
-    <p:tnLst>
-      <p:par>
-        <p:cTn id="1" dur="indefinite" restart="never" nodeType="tmRoot">
-          <p:childTnLst>
-            <p:seq concurrent="1" nextAc="seek">
-              <p:cTn id="2" dur="indefinite" nodeType="mainSeq">
-                <p:childTnLst>
-                  <p:par>
-                    <p:cTn id="3" fill="hold">
-                      <p:stCondLst>
-                        <p:cond delay="indefinite"/>
-                      </p:stCondLst>
-                      <p:childTnLst>
-                        <p:par>
-                          <p:cTn id="4" fill="hold">
-                            <p:stCondLst>
-                              <p:cond delay="0"/>
-                            </p:stCondLst>
-                            <p:childTnLst>
-                              <p:par>
-                                <p:cTn id="5" presetID="42" presetClass="entr" presetSubtype="0" fill="hold" nodeType="clickEffect">
-                                  <p:stCondLst>
-                                    <p:cond delay="0"/>
-                                  </p:stCondLst>
-                                  <p:childTnLst>
-                                    <p:set>
-                                      <p:cBhvr>
-                                        <p:cTn id="6" dur="1" fill="hold">
-                                          <p:stCondLst>
-                                            <p:cond delay="0"/>
-                                          </p:stCondLst>
-                                        </p:cTn>
-                                        <p:tgtEl>
-                                          <p:spTgt spid="7"/>
-                                        </p:tgtEl>
-                                        <p:attrNameLst>
-                                          <p:attrName>style.visibility</p:attrName>
-                                        </p:attrNameLst>
-                                      </p:cBhvr>
-                                      <p:to>
-                                        <p:strVal val="visible"/>
-                                      </p:to>
-                                    </p:set>
-                                    <p:animEffect transition="in" filter="fade">
-                                      <p:cBhvr>
-                                        <p:cTn id="7" dur="1000"/>
-                                        <p:tgtEl>
-                                          <p:spTgt spid="7"/>
-                                        </p:tgtEl>
-                                      </p:cBhvr>
-                                    </p:animEffect>
-                                    <p:anim calcmode="lin" valueType="num">
-                                      <p:cBhvr>
-                                        <p:cTn id="8" dur="1000" fill="hold"/>
-                                        <p:tgtEl>
-                                          <p:spTgt spid="7"/>
-                                        </p:tgtEl>
-                                        <p:attrNameLst>
-                                          <p:attrName>ppt_x</p:attrName>
-                                        </p:attrNameLst>
-                                      </p:cBhvr>
-                                      <p:tavLst>
-                                        <p:tav tm="0">
-                                          <p:val>
-                                            <p:strVal val="#ppt_x"/>
-                                          </p:val>
-                                        </p:tav>
-                                        <p:tav tm="100000">
-                                          <p:val>
-                                            <p:strVal val="#ppt_x"/>
-                                          </p:val>
-                                        </p:tav>
-                                      </p:tavLst>
-                                    </p:anim>
-                                    <p:anim calcmode="lin" valueType="num">
-                                      <p:cBhvr>
-                                        <p:cTn id="9" dur="1000" fill="hold"/>
-                                        <p:tgtEl>
-                                          <p:spTgt spid="7"/>
-                                        </p:tgtEl>
-                                        <p:attrNameLst>
-                                          <p:attrName>ppt_y</p:attrName>
-                                        </p:attrNameLst>
-                                      </p:cBhvr>
-                                      <p:tavLst>
-                                        <p:tav tm="0">
-                                          <p:val>
-                                            <p:strVal val="#ppt_y+.1"/>
-                                          </p:val>
-                                        </p:tav>
-                                        <p:tav tm="100000">
-                                          <p:val>
-                                            <p:strVal val="#ppt_y"/>
-                                          </p:val>
-                                        </p:tav>
-                                      </p:tavLst>
-                                    </p:anim>
-                                  </p:childTnLst>
-                                </p:cTn>
-                              </p:par>
-                            </p:childTnLst>
-                          </p:cTn>
-                        </p:par>
-                      </p:childTnLst>
-                    </p:cTn>
-                  </p:par>
-                  <p:par>
-                    <p:cTn id="10" fill="hold">
-                      <p:stCondLst>
-                        <p:cond delay="indefinite"/>
-                      </p:stCondLst>
-                      <p:childTnLst>
-                        <p:par>
-                          <p:cTn id="11" fill="hold">
-                            <p:stCondLst>
-                              <p:cond delay="0"/>
-                            </p:stCondLst>
-                            <p:childTnLst>
-                              <p:par>
-                                <p:cTn id="12" presetID="42" presetClass="entr" presetSubtype="0" fill="hold" nodeType="clickEffect">
-                                  <p:stCondLst>
-                                    <p:cond delay="0"/>
-                                  </p:stCondLst>
-                                  <p:childTnLst>
-                                    <p:set>
-                                      <p:cBhvr>
-                                        <p:cTn id="13" dur="1" fill="hold">
-                                          <p:stCondLst>
-                                            <p:cond delay="0"/>
-                                          </p:stCondLst>
-                                        </p:cTn>
-                                        <p:tgtEl>
-                                          <p:spTgt spid="8"/>
-                                        </p:tgtEl>
-                                        <p:attrNameLst>
-                                          <p:attrName>style.visibility</p:attrName>
-                                        </p:attrNameLst>
-                                      </p:cBhvr>
-                                      <p:to>
-                                        <p:strVal val="visible"/>
-                                      </p:to>
-                                    </p:set>
-                                    <p:animEffect transition="in" filter="fade">
-                                      <p:cBhvr>
-                                        <p:cTn id="14" dur="1000"/>
-                                        <p:tgtEl>
-                                          <p:spTgt spid="8"/>
-                                        </p:tgtEl>
-                                      </p:cBhvr>
-                                    </p:animEffect>
-                                    <p:anim calcmode="lin" valueType="num">
-                                      <p:cBhvr>
-                                        <p:cTn id="15" dur="1000" fill="hold"/>
-                                        <p:tgtEl>
-                                          <p:spTgt spid="8"/>
-                                        </p:tgtEl>
-                                        <p:attrNameLst>
-                                          <p:attrName>ppt_x</p:attrName>
-                                        </p:attrNameLst>
-                                      </p:cBhvr>
-                                      <p:tavLst>
-                                        <p:tav tm="0">
-                                          <p:val>
-                                            <p:strVal val="#ppt_x"/>
-                                          </p:val>
-                                        </p:tav>
-                                        <p:tav tm="100000">
-                                          <p:val>
-                                            <p:strVal val="#ppt_x"/>
-                                          </p:val>
-                                        </p:tav>
-                                      </p:tavLst>
-                                    </p:anim>
-                                    <p:anim calcmode="lin" valueType="num">
-                                      <p:cBhvr>
-                                        <p:cTn id="16" dur="1000" fill="hold"/>
-                                        <p:tgtEl>
-                                          <p:spTgt spid="8"/>
-                                        </p:tgtEl>
-                                        <p:attrNameLst>
-                                          <p:attrName>ppt_y</p:attrName>
-                                        </p:attrNameLst>
-                                      </p:cBhvr>
-                                      <p:tavLst>
-                                        <p:tav tm="0">
-                                          <p:val>
-                                            <p:strVal val="#ppt_y+.1"/>
-                                          </p:val>
-                                        </p:tav>
-                                        <p:tav tm="100000">
-                                          <p:val>
-                                            <p:strVal val="#ppt_y"/>
-                                          </p:val>
-                                        </p:tav>
-                                      </p:tavLst>
-                                    </p:anim>
-                                  </p:childTnLst>
-                                </p:cTn>
-                              </p:par>
-                            </p:childTnLst>
-                          </p:cTn>
-                        </p:par>
-                      </p:childTnLst>
-                    </p:cTn>
-                  </p:par>
-                  <p:par>
-                    <p:cTn id="17" fill="hold">
-                      <p:stCondLst>
-                        <p:cond delay="indefinite"/>
-                      </p:stCondLst>
-                      <p:childTnLst>
-                        <p:par>
-                          <p:cTn id="18" fill="hold">
-                            <p:stCondLst>
-                              <p:cond delay="0"/>
-                            </p:stCondLst>
-                            <p:childTnLst>
-                              <p:par>
-                                <p:cTn id="19" presetID="42" presetClass="entr" presetSubtype="0" fill="hold" nodeType="clickEffect">
-                                  <p:stCondLst>
-                                    <p:cond delay="0"/>
-                                  </p:stCondLst>
-                                  <p:childTnLst>
-                                    <p:set>
-                                      <p:cBhvr>
-                                        <p:cTn id="20" dur="1" fill="hold">
-                                          <p:stCondLst>
-                                            <p:cond delay="0"/>
-                                          </p:stCondLst>
-                                        </p:cTn>
-                                        <p:tgtEl>
-                                          <p:spTgt spid="9"/>
-                                        </p:tgtEl>
-                                        <p:attrNameLst>
-                                          <p:attrName>style.visibility</p:attrName>
-                                        </p:attrNameLst>
-                                      </p:cBhvr>
-                                      <p:to>
-                                        <p:strVal val="visible"/>
-                                      </p:to>
-                                    </p:set>
-                                    <p:animEffect transition="in" filter="fade">
-                                      <p:cBhvr>
-                                        <p:cTn id="21" dur="1000"/>
-                                        <p:tgtEl>
-                                          <p:spTgt spid="9"/>
-                                        </p:tgtEl>
-                                      </p:cBhvr>
-                                    </p:animEffect>
-                                    <p:anim calcmode="lin" valueType="num">
-                                      <p:cBhvr>
-                                        <p:cTn id="22" dur="1000" fill="hold"/>
-                                        <p:tgtEl>
-                                          <p:spTgt spid="9"/>
-                                        </p:tgtEl>
-                                        <p:attrNameLst>
-                                          <p:attrName>ppt_x</p:attrName>
-                                        </p:attrNameLst>
-                                      </p:cBhvr>
-                                      <p:tavLst>
-                                        <p:tav tm="0">
-                                          <p:val>
-                                            <p:strVal val="#ppt_x"/>
-                                          </p:val>
-                                        </p:tav>
-                                        <p:tav tm="100000">
-                                          <p:val>
-                                            <p:strVal val="#ppt_x"/>
-                                          </p:val>
-                                        </p:tav>
-                                      </p:tavLst>
-                                    </p:anim>
-                                    <p:anim calcmode="lin" valueType="num">
-                                      <p:cBhvr>
-                                        <p:cTn id="23" dur="1000" fill="hold"/>
-                                        <p:tgtEl>
-                                          <p:spTgt spid="9"/>
-                                        </p:tgtEl>
-                                        <p:attrNameLst>
-                                          <p:attrName>ppt_y</p:attrName>
-                                        </p:attrNameLst>
-                                      </p:cBhvr>
-                                      <p:tavLst>
-                                        <p:tav tm="0">
-                                          <p:val>
-                                            <p:strVal val="#ppt_y+.1"/>
-                                          </p:val>
-                                        </p:tav>
-                                        <p:tav tm="100000">
-                                          <p:val>
-                                            <p:strVal val="#ppt_y"/>
-                                          </p:val>
-                                        </p:tav>
-                                      </p:tavLst>
-                                    </p:anim>
-                                  </p:childTnLst>
-                                </p:cTn>
-                              </p:par>
-                            </p:childTnLst>
-                          </p:cTn>
-                        </p:par>
-                      </p:childTnLst>
-                    </p:cTn>
-                  </p:par>
-                  <p:par>
-                    <p:cTn id="24" fill="hold">
-                      <p:stCondLst>
-                        <p:cond delay="indefinite"/>
-                      </p:stCondLst>
-                      <p:childTnLst>
-                        <p:par>
-                          <p:cTn id="25" fill="hold">
-                            <p:stCondLst>
-                              <p:cond delay="0"/>
-                            </p:stCondLst>
-                            <p:childTnLst>
-                              <p:par>
-                                <p:cTn id="26" presetID="42" presetClass="entr" presetSubtype="0" fill="hold" grpId="0" nodeType="clickEffect">
-                                  <p:stCondLst>
-                                    <p:cond delay="0"/>
-                                  </p:stCondLst>
-                                  <p:childTnLst>
-                                    <p:set>
-                                      <p:cBhvr>
-                                        <p:cTn id="27" dur="1" fill="hold">
-                                          <p:stCondLst>
-                                            <p:cond delay="0"/>
-                                          </p:stCondLst>
-                                        </p:cTn>
-                                        <p:tgtEl>
-                                          <p:spTgt spid="10"/>
-                                        </p:tgtEl>
-                                        <p:attrNameLst>
-                                          <p:attrName>style.visibility</p:attrName>
-                                        </p:attrNameLst>
-                                      </p:cBhvr>
-                                      <p:to>
-                                        <p:strVal val="visible"/>
-                                      </p:to>
-                                    </p:set>
-                                    <p:animEffect transition="in" filter="fade">
-                                      <p:cBhvr>
-                                        <p:cTn id="28" dur="1000"/>
-                                        <p:tgtEl>
-                                          <p:spTgt spid="10"/>
-                                        </p:tgtEl>
-                                      </p:cBhvr>
-                                    </p:animEffect>
-                                    <p:anim calcmode="lin" valueType="num">
-                                      <p:cBhvr>
-                                        <p:cTn id="29" dur="1000" fill="hold"/>
-                                        <p:tgtEl>
-                                          <p:spTgt spid="10"/>
-                                        </p:tgtEl>
-                                        <p:attrNameLst>
-                                          <p:attrName>ppt_x</p:attrName>
-                                        </p:attrNameLst>
-                                      </p:cBhvr>
-                                      <p:tavLst>
-                                        <p:tav tm="0">
-                                          <p:val>
-                                            <p:strVal val="#ppt_x"/>
-                                          </p:val>
-                                        </p:tav>
-                                        <p:tav tm="100000">
-                                          <p:val>
-                                            <p:strVal val="#ppt_x"/>
-                                          </p:val>
-                                        </p:tav>
-                                      </p:tavLst>
-                                    </p:anim>
-                                    <p:anim calcmode="lin" valueType="num">
-                                      <p:cBhvr>
-                                        <p:cTn id="30" dur="1000" fill="hold"/>
-                                        <p:tgtEl>
-                                          <p:spTgt spid="10"/>
-                                        </p:tgtEl>
-                                        <p:attrNameLst>
-                                          <p:attrName>ppt_y</p:attrName>
-                                        </p:attrNameLst>
-                                      </p:cBhvr>
-                                      <p:tavLst>
-                                        <p:tav tm="0">
-                                          <p:val>
-                                            <p:strVal val="#ppt_y+.1"/>
-                                          </p:val>
-                                        </p:tav>
-                                        <p:tav tm="100000">
-                                          <p:val>
-                                            <p:strVal val="#ppt_y"/>
-                                          </p:val>
-                                        </p:tav>
-                                      </p:tavLst>
-                                    </p:anim>
-                                  </p:childTnLst>
-                                </p:cTn>
-                              </p:par>
-                            </p:childTnLst>
-                          </p:cTn>
-                        </p:par>
-                      </p:childTnLst>
-                    </p:cTn>
-                  </p:par>
-                </p:childTnLst>
-              </p:cTn>
-              <p:prevCondLst>
-                <p:cond evt="onPrev" delay="0">
-                  <p:tgtEl>
-                    <p:sldTgt/>
-                  </p:tgtEl>
-                </p:cond>
-              </p:prevCondLst>
-              <p:nextCondLst>
-                <p:cond evt="onNext" delay="0">
-                  <p:tgtEl>
-                    <p:sldTgt/>
-                  </p:tgtEl>
-                </p:cond>
-              </p:nextCondLst>
-            </p:seq>
-          </p:childTnLst>
-        </p:cTn>
-      </p:par>
-    </p:tnLst>
-    <p:bldLst>
-      <p:bldP spid="10" grpId="0"/>
-    </p:bldLst>
-  </p:timing>
-</p:sld>
-</file>
-
 <file path=ppt/theme/theme1.xml><?xml version="1.0" encoding="utf-8"?>
 <a:theme xmlns:a="http://schemas.openxmlformats.org/drawingml/2006/main" name="sample">
   <a:themeElements>
